--- a/Tesis/Nicolas/Análisis de Datos.pptx
+++ b/Tesis/Nicolas/Análisis de Datos.pptx
@@ -216,7 +216,7 @@
           <a:p>
             <a:fld id="{E4272C49-D048-410C-98E1-591529983809}" type="datetimeFigureOut">
               <a:rPr lang="es-CL" smtClean="0"/>
-              <a:t>11-07-2017</a:t>
+              <a:t>12-07-2017</a:t>
             </a:fld>
             <a:endParaRPr lang="es-CL"/>
           </a:p>
@@ -1205,7 +1205,7 @@
           <a:p>
             <a:fld id="{4F5AD7BA-F6AA-4AAB-9A4E-937765467DC4}" type="datetimeFigureOut">
               <a:rPr lang="es-CL" smtClean="0"/>
-              <a:t>11-07-2017</a:t>
+              <a:t>12-07-2017</a:t>
             </a:fld>
             <a:endParaRPr lang="es-CL"/>
           </a:p>
@@ -1413,7 +1413,7 @@
           <a:p>
             <a:fld id="{4F5AD7BA-F6AA-4AAB-9A4E-937765467DC4}" type="datetimeFigureOut">
               <a:rPr lang="es-CL" smtClean="0"/>
-              <a:t>11-07-2017</a:t>
+              <a:t>12-07-2017</a:t>
             </a:fld>
             <a:endParaRPr lang="es-CL"/>
           </a:p>
@@ -1669,7 +1669,7 @@
           <a:p>
             <a:fld id="{4F5AD7BA-F6AA-4AAB-9A4E-937765467DC4}" type="datetimeFigureOut">
               <a:rPr lang="es-CL" smtClean="0"/>
-              <a:t>11-07-2017</a:t>
+              <a:t>12-07-2017</a:t>
             </a:fld>
             <a:endParaRPr lang="es-CL"/>
           </a:p>
@@ -1843,7 +1843,7 @@
           <a:p>
             <a:fld id="{4F5AD7BA-F6AA-4AAB-9A4E-937765467DC4}" type="datetimeFigureOut">
               <a:rPr lang="es-CL" smtClean="0"/>
-              <a:t>11-07-2017</a:t>
+              <a:t>12-07-2017</a:t>
             </a:fld>
             <a:endParaRPr lang="es-CL"/>
           </a:p>
@@ -2186,7 +2186,7 @@
           <a:p>
             <a:fld id="{4F5AD7BA-F6AA-4AAB-9A4E-937765467DC4}" type="datetimeFigureOut">
               <a:rPr lang="es-CL" smtClean="0"/>
-              <a:t>11-07-2017</a:t>
+              <a:t>12-07-2017</a:t>
             </a:fld>
             <a:endParaRPr lang="es-CL"/>
           </a:p>
@@ -2461,7 +2461,7 @@
           <a:p>
             <a:fld id="{4F5AD7BA-F6AA-4AAB-9A4E-937765467DC4}" type="datetimeFigureOut">
               <a:rPr lang="es-CL" smtClean="0"/>
-              <a:t>11-07-2017</a:t>
+              <a:t>12-07-2017</a:t>
             </a:fld>
             <a:endParaRPr lang="es-CL"/>
           </a:p>
@@ -2840,7 +2840,7 @@
           <a:p>
             <a:fld id="{4F5AD7BA-F6AA-4AAB-9A4E-937765467DC4}" type="datetimeFigureOut">
               <a:rPr lang="es-CL" smtClean="0"/>
-              <a:t>11-07-2017</a:t>
+              <a:t>12-07-2017</a:t>
             </a:fld>
             <a:endParaRPr lang="es-CL"/>
           </a:p>
@@ -2958,7 +2958,7 @@
           <a:p>
             <a:fld id="{4F5AD7BA-F6AA-4AAB-9A4E-937765467DC4}" type="datetimeFigureOut">
               <a:rPr lang="es-CL" smtClean="0"/>
-              <a:t>11-07-2017</a:t>
+              <a:t>12-07-2017</a:t>
             </a:fld>
             <a:endParaRPr lang="es-CL"/>
           </a:p>
@@ -3129,7 +3129,7 @@
           <a:p>
             <a:fld id="{4F5AD7BA-F6AA-4AAB-9A4E-937765467DC4}" type="datetimeFigureOut">
               <a:rPr lang="es-CL" smtClean="0"/>
-              <a:t>11-07-2017</a:t>
+              <a:t>12-07-2017</a:t>
             </a:fld>
             <a:endParaRPr lang="es-CL"/>
           </a:p>
@@ -3483,7 +3483,7 @@
           <a:p>
             <a:fld id="{4F5AD7BA-F6AA-4AAB-9A4E-937765467DC4}" type="datetimeFigureOut">
               <a:rPr lang="es-CL" smtClean="0"/>
-              <a:t>11-07-2017</a:t>
+              <a:t>12-07-2017</a:t>
             </a:fld>
             <a:endParaRPr lang="es-CL"/>
           </a:p>
@@ -3865,7 +3865,7 @@
           <a:p>
             <a:fld id="{4F5AD7BA-F6AA-4AAB-9A4E-937765467DC4}" type="datetimeFigureOut">
               <a:rPr lang="es-CL" smtClean="0"/>
-              <a:t>11-07-2017</a:t>
+              <a:t>12-07-2017</a:t>
             </a:fld>
             <a:endParaRPr lang="es-CL"/>
           </a:p>
@@ -4152,7 +4152,7 @@
           <a:p>
             <a:fld id="{4F5AD7BA-F6AA-4AAB-9A4E-937765467DC4}" type="datetimeFigureOut">
               <a:rPr lang="es-CL" smtClean="0"/>
-              <a:t>11-07-2017</a:t>
+              <a:t>12-07-2017</a:t>
             </a:fld>
             <a:endParaRPr lang="es-CL"/>
           </a:p>
@@ -6868,7 +6868,6 @@
               <a:rPr lang="es-CL" dirty="0"/>
               <a:t>3</a:t>
             </a:r>
-            <a:endParaRPr lang="es-CL" dirty="0"/>
           </a:p>
         </p:txBody>
       </p:sp>
@@ -7137,7 +7136,6 @@
               <a:rPr lang="es-CL" dirty="0"/>
               <a:t>5</a:t>
             </a:r>
-            <a:endParaRPr lang="es-CL" dirty="0"/>
           </a:p>
         </p:txBody>
       </p:sp>
@@ -7196,7 +7194,6 @@
               <a:rPr lang="es-CL" dirty="0"/>
               <a:t>7</a:t>
             </a:r>
-            <a:endParaRPr lang="es-CL" dirty="0"/>
           </a:p>
         </p:txBody>
       </p:sp>
@@ -7226,7 +7223,6 @@
               <a:rPr lang="es-CL" dirty="0"/>
               <a:t>8</a:t>
             </a:r>
-            <a:endParaRPr lang="es-CL" dirty="0"/>
           </a:p>
         </p:txBody>
       </p:sp>
@@ -7256,7 +7252,6 @@
               <a:rPr lang="es-CL" dirty="0"/>
               <a:t>9</a:t>
             </a:r>
-            <a:endParaRPr lang="es-CL" dirty="0"/>
           </a:p>
         </p:txBody>
       </p:sp>
@@ -7562,14 +7557,14 @@
             <p:ph idx="1"/>
             <p:extLst>
               <p:ext uri="{D42A27DB-BD31-4B8C-83A1-F6EECF244321}">
-                <p14:modId xmlns:p14="http://schemas.microsoft.com/office/powerpoint/2010/main" val="1943715350"/>
+                <p14:modId xmlns:p14="http://schemas.microsoft.com/office/powerpoint/2010/main" val="3960950038"/>
               </p:ext>
             </p:extLst>
           </p:nvPr>
         </p:nvGraphicFramePr>
         <p:xfrm>
           <a:off x="818148" y="295725"/>
-          <a:ext cx="10369616" cy="5811894"/>
+          <a:ext cx="10369616" cy="5852160"/>
         </p:xfrm>
         <a:graphic>
           <a:graphicData uri="http://schemas.openxmlformats.org/drawingml/2006/table">
@@ -7583,7 +7578,7 @@
                 <a:gridCol w="1909011"/>
                 <a:gridCol w="6551595"/>
               </a:tblGrid>
-              <a:tr h="351716">
+              <a:tr h="270275">
                 <a:tc>
                   <a:txBody>
                     <a:bodyPr/>
@@ -7653,7 +7648,7 @@
                   <a:tcPr/>
                 </a:tc>
               </a:tr>
-              <a:tr h="443778">
+              <a:tr h="270275">
                 <a:tc>
                   <a:txBody>
                     <a:bodyPr/>
@@ -7719,7 +7714,7 @@
                   <a:tcPr/>
                 </a:tc>
               </a:tr>
-              <a:tr h="615503">
+              <a:tr h="472981">
                 <a:tc>
                   <a:txBody>
                     <a:bodyPr/>
@@ -7781,14 +7776,46 @@
                       </a:r>
                       <a:r>
                         <a:rPr lang="es-CL" baseline="0" dirty="0" smtClean="0"/>
-                        <a:t> entre Nutricionista y Médico (con Médico como líder – en % -).</a:t>
+                        <a:t> entre </a:t>
+                      </a:r>
+                      <a:r>
+                        <a:rPr lang="es-CL" baseline="0" dirty="0" smtClean="0"/>
+                        <a:t>nutricionista </a:t>
+                      </a:r>
+                      <a:r>
+                        <a:rPr lang="es-CL" baseline="0" dirty="0" smtClean="0"/>
+                        <a:t>y </a:t>
+                      </a:r>
+                      <a:r>
+                        <a:rPr lang="es-CL" baseline="0" dirty="0" smtClean="0"/>
+                        <a:t>médico </a:t>
+                      </a:r>
+                      <a:r>
+                        <a:rPr lang="es-CL" baseline="0" dirty="0" smtClean="0"/>
+                        <a:t>(con Médico como líder – en % -).</a:t>
                       </a:r>
                     </a:p>
                     <a:p>
                       <a:pPr algn="just"/>
                       <a:r>
                         <a:rPr lang="es-CL" baseline="0" dirty="0" smtClean="0"/>
-                        <a:t>Instanciado con líder Médico y con Nutricionista.</a:t>
+                        <a:t>Instanciado con líder </a:t>
+                      </a:r>
+                      <a:r>
+                        <a:rPr lang="es-CL" baseline="0" dirty="0" smtClean="0"/>
+                        <a:t>médico </a:t>
+                      </a:r>
+                      <a:r>
+                        <a:rPr lang="es-CL" baseline="0" dirty="0" smtClean="0"/>
+                        <a:t>y con </a:t>
+                      </a:r>
+                      <a:r>
+                        <a:rPr lang="es-CL" baseline="0" dirty="0" smtClean="0"/>
+                        <a:t>nutricionista</a:t>
+                      </a:r>
+                      <a:r>
+                        <a:rPr lang="es-CL" baseline="0" dirty="0" smtClean="0"/>
+                        <a:t>.</a:t>
                       </a:r>
                       <a:endParaRPr lang="es-CL" dirty="0" smtClean="0"/>
                     </a:p>
@@ -7796,7 +7823,7 @@
                   <a:tcPr/>
                 </a:tc>
               </a:tr>
-              <a:tr h="443778">
+              <a:tr h="270275">
                 <a:tc>
                   <a:txBody>
                     <a:bodyPr/>
@@ -7845,11 +7872,27 @@
                       <a:pPr algn="just"/>
                       <a:r>
                         <a:rPr lang="es-CL" dirty="0" smtClean="0"/>
-                        <a:t>Hay roles compartidos entre los Médicos y las</a:t>
+                        <a:t>Hay roles compartidos entre los </a:t>
+                      </a:r>
+                      <a:r>
+                        <a:rPr lang="es-CL" dirty="0" smtClean="0"/>
+                        <a:t>médicos </a:t>
+                      </a:r>
+                      <a:r>
+                        <a:rPr lang="es-CL" dirty="0" smtClean="0"/>
+                        <a:t>y las</a:t>
                       </a:r>
                       <a:r>
                         <a:rPr lang="es-CL" baseline="0" dirty="0" smtClean="0"/>
-                        <a:t> Enfermeras.</a:t>
+                        <a:t> </a:t>
+                      </a:r>
+                      <a:r>
+                        <a:rPr lang="es-CL" baseline="0" dirty="0" smtClean="0"/>
+                        <a:t>enfermeras</a:t>
+                      </a:r>
+                      <a:r>
+                        <a:rPr lang="es-CL" baseline="0" dirty="0" smtClean="0"/>
+                        <a:t>.</a:t>
                       </a:r>
                       <a:endParaRPr lang="es-CL" dirty="0"/>
                     </a:p>
@@ -7857,7 +7900,7 @@
                   <a:tcPr/>
                 </a:tc>
               </a:tr>
-              <a:tr h="615503">
+              <a:tr h="472981">
                 <a:tc>
                   <a:txBody>
                     <a:bodyPr/>
@@ -7935,7 +7978,15 @@
                       </a:r>
                       <a:r>
                         <a:rPr lang="es-CL" baseline="0" dirty="0" smtClean="0"/>
-                        <a:t> Médico y la enfermera interactúan de manera muy similar apoyándose ambos en los nutricionistas.</a:t>
+                        <a:t> </a:t>
+                      </a:r>
+                      <a:r>
+                        <a:rPr lang="es-CL" baseline="0" dirty="0" smtClean="0"/>
+                        <a:t>médico </a:t>
+                      </a:r>
+                      <a:r>
+                        <a:rPr lang="es-CL" baseline="0" dirty="0" smtClean="0"/>
+                        <a:t>y la enfermera interactúan de manera muy similar apoyándose ambos en los nutricionistas.</a:t>
                       </a:r>
                       <a:endParaRPr lang="es-CL" dirty="0"/>
                     </a:p>
@@ -7943,7 +7994,7 @@
                   <a:tcPr/>
                 </a:tc>
               </a:tr>
-              <a:tr h="615503">
+              <a:tr h="472981">
                 <a:tc>
                   <a:txBody>
                     <a:bodyPr/>
@@ -7997,7 +8048,11 @@
                       </a:r>
                       <a:r>
                         <a:rPr lang="es-CL" dirty="0" smtClean="0"/>
-                        <a:t>medico es eje central de</a:t>
+                        <a:t>médico </a:t>
+                      </a:r>
+                      <a:r>
+                        <a:rPr lang="es-CL" dirty="0" smtClean="0"/>
+                        <a:t>es eje central de</a:t>
                       </a:r>
                       <a:r>
                         <a:rPr lang="es-CL" baseline="0" dirty="0" smtClean="0"/>
@@ -8009,7 +8064,7 @@
                   <a:tcPr/>
                 </a:tc>
               </a:tr>
-              <a:tr h="615503">
+              <a:tr h="472981">
                 <a:tc>
                   <a:txBody>
                     <a:bodyPr/>
@@ -8056,10 +8111,30 @@
                     <a:bodyPr/>
                     <a:lstStyle/>
                     <a:p>
-                      <a:pPr algn="ctr"/>
+                      <a:pPr marL="0" marR="0" lvl="0" indent="0" algn="l" defTabSz="914400" rtl="0" eaLnBrk="1" fontAlgn="auto" latinLnBrk="0" hangingPunct="1">
+                        <a:lnSpc>
+                          <a:spcPct val="100000"/>
+                        </a:lnSpc>
+                        <a:spcBef>
+                          <a:spcPts val="0"/>
+                        </a:spcBef>
+                        <a:spcAft>
+                          <a:spcPts val="0"/>
+                        </a:spcAft>
+                        <a:buClrTx/>
+                        <a:buSzTx/>
+                        <a:buFontTx/>
+                        <a:buNone/>
+                        <a:tabLst/>
+                        <a:defRPr/>
+                      </a:pPr>
                       <a:r>
                         <a:rPr lang="es-CL" dirty="0" smtClean="0"/>
-                        <a:t>%</a:t>
+                        <a:t>El médico es eje central de</a:t>
+                      </a:r>
+                      <a:r>
+                        <a:rPr lang="es-CL" baseline="0" dirty="0" smtClean="0"/>
+                        <a:t>l tratamiento, apoyándose en la enfermera y los nutricionistas.</a:t>
                       </a:r>
                       <a:endParaRPr lang="es-CL" dirty="0"/>
                     </a:p>
@@ -8067,7 +8142,7 @@
                   <a:tcPr/>
                 </a:tc>
               </a:tr>
-              <a:tr h="443778">
+              <a:tr h="472981">
                 <a:tc>
                   <a:txBody>
                     <a:bodyPr/>
@@ -8114,10 +8189,14 @@
                     <a:bodyPr/>
                     <a:lstStyle/>
                     <a:p>
-                      <a:pPr algn="ctr"/>
+                      <a:pPr algn="l"/>
                       <a:r>
                         <a:rPr lang="es-CL" dirty="0" smtClean="0"/>
-                        <a:t>%</a:t>
+                        <a:t>El</a:t>
+                      </a:r>
+                      <a:r>
+                        <a:rPr lang="es-CL" baseline="0" dirty="0" smtClean="0"/>
+                        <a:t> médico y la enfermera interactúan de manera muy similar apoyándose ambos en los nutricionistas</a:t>
                       </a:r>
                       <a:endParaRPr lang="es-CL" dirty="0"/>
                     </a:p>
@@ -8125,7 +8204,7 @@
                   <a:tcPr/>
                 </a:tc>
               </a:tr>
-              <a:tr h="615503">
+              <a:tr h="472981">
                 <a:tc>
                   <a:txBody>
                     <a:bodyPr/>
@@ -8172,14 +8251,38 @@
                     <a:bodyPr/>
                     <a:lstStyle/>
                     <a:p>
-                      <a:pPr algn="l"/>
+                      <a:pPr marL="0" marR="0" lvl="0" indent="0" algn="l" defTabSz="914400" rtl="0" eaLnBrk="1" fontAlgn="auto" latinLnBrk="0" hangingPunct="1">
+                        <a:lnSpc>
+                          <a:spcPct val="100000"/>
+                        </a:lnSpc>
+                        <a:spcBef>
+                          <a:spcPts val="0"/>
+                        </a:spcBef>
+                        <a:spcAft>
+                          <a:spcPts val="0"/>
+                        </a:spcAft>
+                        <a:buClrTx/>
+                        <a:buSzTx/>
+                        <a:buFontTx/>
+                        <a:buNone/>
+                        <a:tabLst/>
+                        <a:defRPr/>
+                      </a:pPr>
+                      <a:r>
+                        <a:rPr lang="es-CL" dirty="0" smtClean="0"/>
+                        <a:t>El médico es eje central de</a:t>
+                      </a:r>
+                      <a:r>
+                        <a:rPr lang="es-CL" baseline="0" dirty="0" smtClean="0"/>
+                        <a:t>l tratamiento, apoyándose en la enfermera y los nutricionistas.</a:t>
+                      </a:r>
                       <a:endParaRPr lang="es-CL" dirty="0"/>
                     </a:p>
                   </a:txBody>
                   <a:tcPr/>
                 </a:tc>
               </a:tr>
-              <a:tr h="879290">
+              <a:tr h="675688">
                 <a:tc>
                   <a:txBody>
                     <a:bodyPr/>
@@ -8245,7 +8348,31 @@
                     <a:bodyPr/>
                     <a:lstStyle/>
                     <a:p>
-                      <a:pPr algn="l"/>
+                      <a:pPr marL="0" marR="0" lvl="0" indent="0" algn="l" defTabSz="914400" rtl="0" eaLnBrk="1" fontAlgn="auto" latinLnBrk="0" hangingPunct="1">
+                        <a:lnSpc>
+                          <a:spcPct val="100000"/>
+                        </a:lnSpc>
+                        <a:spcBef>
+                          <a:spcPts val="0"/>
+                        </a:spcBef>
+                        <a:spcAft>
+                          <a:spcPts val="0"/>
+                        </a:spcAft>
+                        <a:buClrTx/>
+                        <a:buSzTx/>
+                        <a:buFontTx/>
+                        <a:buNone/>
+                        <a:tabLst/>
+                        <a:defRPr/>
+                      </a:pPr>
+                      <a:r>
+                        <a:rPr lang="es-CL" dirty="0" smtClean="0"/>
+                        <a:t>El médico es eje central de</a:t>
+                      </a:r>
+                      <a:r>
+                        <a:rPr lang="es-CL" baseline="0" dirty="0" smtClean="0"/>
+                        <a:t>l tratamiento, apoyándose en la enfermera y los nutricionistas.</a:t>
+                      </a:r>
                       <a:endParaRPr lang="es-CL" dirty="0"/>
                     </a:p>
                   </a:txBody>
@@ -9304,13 +9431,8 @@
             </a:r>
             <a:r>
               <a:rPr lang="es-CL" sz="2400" dirty="0" smtClean="0"/>
-              <a:t>orma los grupos de manera más </a:t>
-            </a:r>
-            <a:r>
-              <a:rPr lang="es-CL" sz="2400" dirty="0" smtClean="0"/>
-              <a:t>diferenciada. </a:t>
-            </a:r>
-            <a:endParaRPr lang="es-CL" sz="2400" dirty="0" smtClean="0"/>
+              <a:t>orma los grupos de manera más diferenciada. </a:t>
+            </a:r>
           </a:p>
           <a:p>
             <a:pPr lvl="1"/>
@@ -9387,15 +9509,7 @@
                   <a:srgbClr val="0070C0"/>
                 </a:solidFill>
               </a:rPr>
-              <a:t>Un</a:t>
-            </a:r>
-            <a:r>
-              <a:rPr lang="es-CL" sz="2000" dirty="0" smtClean="0">
-                <a:solidFill>
-                  <a:srgbClr val="0070C0"/>
-                </a:solidFill>
-              </a:rPr>
-              <a:t> nodo</a:t>
+              <a:t>Un nodo</a:t>
             </a:r>
             <a:endParaRPr lang="es-CL" sz="4400" dirty="0">
               <a:solidFill>

--- a/Tesis/Nicolas/Análisis de Datos.pptx
+++ b/Tesis/Nicolas/Análisis de Datos.pptx
@@ -5,7 +5,7 @@
     <p:sldMasterId id="2147483660" r:id="rId1"/>
   </p:sldMasterIdLst>
   <p:notesMasterIdLst>
-    <p:notesMasterId r:id="rId22"/>
+    <p:notesMasterId r:id="rId24"/>
   </p:notesMasterIdLst>
   <p:sldIdLst>
     <p:sldId id="256" r:id="rId2"/>
@@ -14,20 +14,22 @@
     <p:sldId id="259" r:id="rId5"/>
     <p:sldId id="261" r:id="rId6"/>
     <p:sldId id="262" r:id="rId7"/>
-    <p:sldId id="263" r:id="rId8"/>
-    <p:sldId id="264" r:id="rId9"/>
-    <p:sldId id="265" r:id="rId10"/>
-    <p:sldId id="266" r:id="rId11"/>
-    <p:sldId id="267" r:id="rId12"/>
-    <p:sldId id="268" r:id="rId13"/>
-    <p:sldId id="269" r:id="rId14"/>
-    <p:sldId id="270" r:id="rId15"/>
-    <p:sldId id="271" r:id="rId16"/>
-    <p:sldId id="272" r:id="rId17"/>
-    <p:sldId id="274" r:id="rId18"/>
-    <p:sldId id="275" r:id="rId19"/>
-    <p:sldId id="276" r:id="rId20"/>
-    <p:sldId id="273" r:id="rId21"/>
+    <p:sldId id="264" r:id="rId8"/>
+    <p:sldId id="278" r:id="rId9"/>
+    <p:sldId id="277" r:id="rId10"/>
+    <p:sldId id="279" r:id="rId11"/>
+    <p:sldId id="280" r:id="rId12"/>
+    <p:sldId id="282" r:id="rId13"/>
+    <p:sldId id="283" r:id="rId14"/>
+    <p:sldId id="281" r:id="rId15"/>
+    <p:sldId id="265" r:id="rId16"/>
+    <p:sldId id="266" r:id="rId17"/>
+    <p:sldId id="285" r:id="rId18"/>
+    <p:sldId id="286" r:id="rId19"/>
+    <p:sldId id="287" r:id="rId20"/>
+    <p:sldId id="288" r:id="rId21"/>
+    <p:sldId id="276" r:id="rId22"/>
+    <p:sldId id="273" r:id="rId23"/>
   </p:sldIdLst>
   <p:sldSz cx="12192000" cy="6858000"/>
   <p:notesSz cx="6858000" cy="9144000"/>
@@ -134,6 +136,18 @@
 </p:presentation>
 </file>
 
+<file path=ppt/commentAuthors.xml><?xml version="1.0" encoding="utf-8"?>
+<p:cmAuthorLst xmlns:a="http://schemas.openxmlformats.org/drawingml/2006/main" xmlns:r="http://schemas.openxmlformats.org/officeDocument/2006/relationships" xmlns:p="http://schemas.openxmlformats.org/presentationml/2006/main">
+  <p:cmAuthor id="1" name="Mario" initials="M" lastIdx="1" clrIdx="0">
+    <p:extLst>
+      <p:ext uri="{19B8F6BF-5375-455C-9EA6-DF929625EA0E}">
+        <p15:presenceInfo xmlns:p15="http://schemas.microsoft.com/office/powerpoint/2012/main" userId="Mario" providerId="None"/>
+      </p:ext>
+    </p:extLst>
+  </p:cmAuthor>
+</p:cmAuthorLst>
+</file>
+
 <file path=ppt/notesMasters/notesMaster1.xml><?xml version="1.0" encoding="utf-8"?>
 <p:notesMaster xmlns:a="http://schemas.openxmlformats.org/drawingml/2006/main" xmlns:r="http://schemas.openxmlformats.org/officeDocument/2006/relationships" xmlns:p="http://schemas.openxmlformats.org/presentationml/2006/main">
   <p:cSld>
@@ -216,7 +230,7 @@
           <a:p>
             <a:fld id="{E4272C49-D048-410C-98E1-591529983809}" type="datetimeFigureOut">
               <a:rPr lang="es-CL" smtClean="0"/>
-              <a:t>12-07-2017</a:t>
+              <a:t>24-07-2017</a:t>
             </a:fld>
             <a:endParaRPr lang="es-CL"/>
           </a:p>
@@ -528,21 +542,6 @@
           <a:bodyPr/>
           <a:lstStyle/>
           <a:p>
-            <a:r>
-              <a:rPr lang="es-CL" dirty="0" smtClean="0"/>
-              <a:t>Grupo 1 y</a:t>
-            </a:r>
-            <a:r>
-              <a:rPr lang="es-CL" baseline="0" dirty="0" smtClean="0"/>
-              <a:t> </a:t>
-            </a:r>
-            <a:r>
-              <a:rPr lang="es-CL" baseline="0" dirty="0" err="1" smtClean="0"/>
-              <a:t>outliers</a:t>
-            </a:r>
-            <a:endParaRPr lang="es-CL" baseline="0" dirty="0" smtClean="0"/>
-          </a:p>
-          <a:p>
             <a:endParaRPr lang="es-CL" dirty="0"/>
           </a:p>
         </p:txBody>
@@ -564,7 +563,7 @@
           <a:p>
             <a:fld id="{8C43358F-7A40-4A4A-92E6-F694386B381C}" type="slidenum">
               <a:rPr lang="es-CL" smtClean="0"/>
-              <a:t>9</a:t>
+              <a:t>5</a:t>
             </a:fld>
             <a:endParaRPr lang="es-CL"/>
           </a:p>
@@ -573,7 +572,7 @@
     </p:spTree>
     <p:extLst>
       <p:ext uri="{BB962C8B-B14F-4D97-AF65-F5344CB8AC3E}">
-        <p14:creationId xmlns:p14="http://schemas.microsoft.com/office/powerpoint/2010/main" val="4163027840"/>
+        <p14:creationId xmlns:p14="http://schemas.microsoft.com/office/powerpoint/2010/main" val="4233849689"/>
       </p:ext>
     </p:extLst>
   </p:cSld>
@@ -663,7 +662,7 @@
           <a:p>
             <a:fld id="{8C43358F-7A40-4A4A-92E6-F694386B381C}" type="slidenum">
               <a:rPr lang="es-CL" smtClean="0"/>
-              <a:t>11</a:t>
+              <a:t>15</a:t>
             </a:fld>
             <a:endParaRPr lang="es-CL"/>
           </a:p>
@@ -672,7 +671,7 @@
     </p:spTree>
     <p:extLst>
       <p:ext uri="{BB962C8B-B14F-4D97-AF65-F5344CB8AC3E}">
-        <p14:creationId xmlns:p14="http://schemas.microsoft.com/office/powerpoint/2010/main" val="347114345"/>
+        <p14:creationId xmlns:p14="http://schemas.microsoft.com/office/powerpoint/2010/main" val="4163027840"/>
       </p:ext>
     </p:extLst>
   </p:cSld>
@@ -728,19 +727,12 @@
           <a:p>
             <a:r>
               <a:rPr lang="es-CL" dirty="0" smtClean="0"/>
-              <a:t>Grupo 1 y</a:t>
+              <a:t>Se</a:t>
             </a:r>
             <a:r>
               <a:rPr lang="es-CL" baseline="0" dirty="0" smtClean="0"/>
-              <a:t> </a:t>
-            </a:r>
-            <a:r>
-              <a:rPr lang="es-CL" baseline="0" dirty="0" err="1" smtClean="0"/>
-              <a:t>outliers</a:t>
-            </a:r>
-            <a:endParaRPr lang="es-CL" baseline="0" dirty="0" smtClean="0"/>
-          </a:p>
-          <a:p>
+              <a:t> hace esta pregunta para poder dejar como lideres de este grafo al médico y la enfermera, los cuales se apoyan en el nutricionista de vez en cuando, pero ¿Importa a quien deriva el nutricionista?</a:t>
+            </a:r>
             <a:endParaRPr lang="es-CL" dirty="0"/>
           </a:p>
         </p:txBody>
@@ -762,7 +754,7 @@
           <a:p>
             <a:fld id="{8C43358F-7A40-4A4A-92E6-F694386B381C}" type="slidenum">
               <a:rPr lang="es-CL" smtClean="0"/>
-              <a:t>13</a:t>
+              <a:t>17</a:t>
             </a:fld>
             <a:endParaRPr lang="es-CL"/>
           </a:p>
@@ -771,205 +763,7 @@
     </p:spTree>
     <p:extLst>
       <p:ext uri="{BB962C8B-B14F-4D97-AF65-F5344CB8AC3E}">
-        <p14:creationId xmlns:p14="http://schemas.microsoft.com/office/powerpoint/2010/main" val="4215949159"/>
-      </p:ext>
-    </p:extLst>
-  </p:cSld>
-  <p:clrMapOvr>
-    <a:masterClrMapping/>
-  </p:clrMapOvr>
-</p:notes>
-</file>
-
-<file path=ppt/notesSlides/notesSlide4.xml><?xml version="1.0" encoding="utf-8"?>
-<p:notes xmlns:a="http://schemas.openxmlformats.org/drawingml/2006/main" xmlns:r="http://schemas.openxmlformats.org/officeDocument/2006/relationships" xmlns:p="http://schemas.openxmlformats.org/presentationml/2006/main">
-  <p:cSld>
-    <p:spTree>
-      <p:nvGrpSpPr>
-        <p:cNvPr id="1" name=""/>
-        <p:cNvGrpSpPr/>
-        <p:nvPr/>
-      </p:nvGrpSpPr>
-      <p:grpSpPr>
-        <a:xfrm>
-          <a:off x="0" y="0"/>
-          <a:ext cx="0" cy="0"/>
-          <a:chOff x="0" y="0"/>
-          <a:chExt cx="0" cy="0"/>
-        </a:xfrm>
-      </p:grpSpPr>
-      <p:sp>
-        <p:nvSpPr>
-          <p:cNvPr id="2" name="Marcador de imagen de diapositiva 1"/>
-          <p:cNvSpPr>
-            <a:spLocks noGrp="1" noRot="1" noChangeAspect="1"/>
-          </p:cNvSpPr>
-          <p:nvPr>
-            <p:ph type="sldImg"/>
-          </p:nvPr>
-        </p:nvSpPr>
-        <p:spPr/>
-      </p:sp>
-      <p:sp>
-        <p:nvSpPr>
-          <p:cNvPr id="3" name="Marcador de notas 2"/>
-          <p:cNvSpPr>
-            <a:spLocks noGrp="1"/>
-          </p:cNvSpPr>
-          <p:nvPr>
-            <p:ph type="body" idx="1"/>
-          </p:nvPr>
-        </p:nvSpPr>
-        <p:spPr/>
-        <p:txBody>
-          <a:bodyPr/>
-          <a:lstStyle/>
-          <a:p>
-            <a:r>
-              <a:rPr lang="es-CL" dirty="0" smtClean="0"/>
-              <a:t>Grupo 1 y</a:t>
-            </a:r>
-            <a:r>
-              <a:rPr lang="es-CL" baseline="0" dirty="0" smtClean="0"/>
-              <a:t> </a:t>
-            </a:r>
-            <a:r>
-              <a:rPr lang="es-CL" baseline="0" dirty="0" err="1" smtClean="0"/>
-              <a:t>outliers</a:t>
-            </a:r>
-            <a:endParaRPr lang="es-CL" baseline="0" dirty="0" smtClean="0"/>
-          </a:p>
-          <a:p>
-            <a:endParaRPr lang="es-CL" dirty="0"/>
-          </a:p>
-        </p:txBody>
-      </p:sp>
-      <p:sp>
-        <p:nvSpPr>
-          <p:cNvPr id="4" name="Marcador de número de diapositiva 3"/>
-          <p:cNvSpPr>
-            <a:spLocks noGrp="1"/>
-          </p:cNvSpPr>
-          <p:nvPr>
-            <p:ph type="sldNum" sz="quarter" idx="10"/>
-          </p:nvPr>
-        </p:nvSpPr>
-        <p:spPr/>
-        <p:txBody>
-          <a:bodyPr/>
-          <a:lstStyle/>
-          <a:p>
-            <a:fld id="{8C43358F-7A40-4A4A-92E6-F694386B381C}" type="slidenum">
-              <a:rPr lang="es-CL" smtClean="0"/>
-              <a:t>15</a:t>
-            </a:fld>
-            <a:endParaRPr lang="es-CL"/>
-          </a:p>
-        </p:txBody>
-      </p:sp>
-    </p:spTree>
-    <p:extLst>
-      <p:ext uri="{BB962C8B-B14F-4D97-AF65-F5344CB8AC3E}">
-        <p14:creationId xmlns:p14="http://schemas.microsoft.com/office/powerpoint/2010/main" val="3977647254"/>
-      </p:ext>
-    </p:extLst>
-  </p:cSld>
-  <p:clrMapOvr>
-    <a:masterClrMapping/>
-  </p:clrMapOvr>
-</p:notes>
-</file>
-
-<file path=ppt/notesSlides/notesSlide5.xml><?xml version="1.0" encoding="utf-8"?>
-<p:notes xmlns:a="http://schemas.openxmlformats.org/drawingml/2006/main" xmlns:r="http://schemas.openxmlformats.org/officeDocument/2006/relationships" xmlns:p="http://schemas.openxmlformats.org/presentationml/2006/main">
-  <p:cSld>
-    <p:spTree>
-      <p:nvGrpSpPr>
-        <p:cNvPr id="1" name=""/>
-        <p:cNvGrpSpPr/>
-        <p:nvPr/>
-      </p:nvGrpSpPr>
-      <p:grpSpPr>
-        <a:xfrm>
-          <a:off x="0" y="0"/>
-          <a:ext cx="0" cy="0"/>
-          <a:chOff x="0" y="0"/>
-          <a:chExt cx="0" cy="0"/>
-        </a:xfrm>
-      </p:grpSpPr>
-      <p:sp>
-        <p:nvSpPr>
-          <p:cNvPr id="2" name="Marcador de imagen de diapositiva 1"/>
-          <p:cNvSpPr>
-            <a:spLocks noGrp="1" noRot="1" noChangeAspect="1"/>
-          </p:cNvSpPr>
-          <p:nvPr>
-            <p:ph type="sldImg"/>
-          </p:nvPr>
-        </p:nvSpPr>
-        <p:spPr/>
-      </p:sp>
-      <p:sp>
-        <p:nvSpPr>
-          <p:cNvPr id="3" name="Marcador de notas 2"/>
-          <p:cNvSpPr>
-            <a:spLocks noGrp="1"/>
-          </p:cNvSpPr>
-          <p:nvPr>
-            <p:ph type="body" idx="1"/>
-          </p:nvPr>
-        </p:nvSpPr>
-        <p:spPr/>
-        <p:txBody>
-          <a:bodyPr/>
-          <a:lstStyle/>
-          <a:p>
-            <a:r>
-              <a:rPr lang="es-CL" dirty="0" smtClean="0"/>
-              <a:t>Grupo 1 y</a:t>
-            </a:r>
-            <a:r>
-              <a:rPr lang="es-CL" baseline="0" dirty="0" smtClean="0"/>
-              <a:t> </a:t>
-            </a:r>
-            <a:r>
-              <a:rPr lang="es-CL" baseline="0" dirty="0" err="1" smtClean="0"/>
-              <a:t>outliers</a:t>
-            </a:r>
-            <a:endParaRPr lang="es-CL" baseline="0" dirty="0" smtClean="0"/>
-          </a:p>
-          <a:p>
-            <a:endParaRPr lang="es-CL" dirty="0"/>
-          </a:p>
-        </p:txBody>
-      </p:sp>
-      <p:sp>
-        <p:nvSpPr>
-          <p:cNvPr id="4" name="Marcador de número de diapositiva 3"/>
-          <p:cNvSpPr>
-            <a:spLocks noGrp="1"/>
-          </p:cNvSpPr>
-          <p:nvPr>
-            <p:ph type="sldNum" sz="quarter" idx="10"/>
-          </p:nvPr>
-        </p:nvSpPr>
-        <p:spPr/>
-        <p:txBody>
-          <a:bodyPr/>
-          <a:lstStyle/>
-          <a:p>
-            <a:fld id="{8C43358F-7A40-4A4A-92E6-F694386B381C}" type="slidenum">
-              <a:rPr lang="es-CL" smtClean="0"/>
-              <a:t>18</a:t>
-            </a:fld>
-            <a:endParaRPr lang="es-CL"/>
-          </a:p>
-        </p:txBody>
-      </p:sp>
-    </p:spTree>
-    <p:extLst>
-      <p:ext uri="{BB962C8B-B14F-4D97-AF65-F5344CB8AC3E}">
-        <p14:creationId xmlns:p14="http://schemas.microsoft.com/office/powerpoint/2010/main" val="3568538829"/>
+        <p14:creationId xmlns:p14="http://schemas.microsoft.com/office/powerpoint/2010/main" val="3678631739"/>
       </p:ext>
     </p:extLst>
   </p:cSld>
@@ -1205,7 +999,7 @@
           <a:p>
             <a:fld id="{4F5AD7BA-F6AA-4AAB-9A4E-937765467DC4}" type="datetimeFigureOut">
               <a:rPr lang="es-CL" smtClean="0"/>
-              <a:t>12-07-2017</a:t>
+              <a:t>24-07-2017</a:t>
             </a:fld>
             <a:endParaRPr lang="es-CL"/>
           </a:p>
@@ -1413,7 +1207,7 @@
           <a:p>
             <a:fld id="{4F5AD7BA-F6AA-4AAB-9A4E-937765467DC4}" type="datetimeFigureOut">
               <a:rPr lang="es-CL" smtClean="0"/>
-              <a:t>12-07-2017</a:t>
+              <a:t>24-07-2017</a:t>
             </a:fld>
             <a:endParaRPr lang="es-CL"/>
           </a:p>
@@ -1669,7 +1463,7 @@
           <a:p>
             <a:fld id="{4F5AD7BA-F6AA-4AAB-9A4E-937765467DC4}" type="datetimeFigureOut">
               <a:rPr lang="es-CL" smtClean="0"/>
-              <a:t>12-07-2017</a:t>
+              <a:t>24-07-2017</a:t>
             </a:fld>
             <a:endParaRPr lang="es-CL"/>
           </a:p>
@@ -1843,7 +1637,7 @@
           <a:p>
             <a:fld id="{4F5AD7BA-F6AA-4AAB-9A4E-937765467DC4}" type="datetimeFigureOut">
               <a:rPr lang="es-CL" smtClean="0"/>
-              <a:t>12-07-2017</a:t>
+              <a:t>24-07-2017</a:t>
             </a:fld>
             <a:endParaRPr lang="es-CL"/>
           </a:p>
@@ -2186,7 +1980,7 @@
           <a:p>
             <a:fld id="{4F5AD7BA-F6AA-4AAB-9A4E-937765467DC4}" type="datetimeFigureOut">
               <a:rPr lang="es-CL" smtClean="0"/>
-              <a:t>12-07-2017</a:t>
+              <a:t>24-07-2017</a:t>
             </a:fld>
             <a:endParaRPr lang="es-CL"/>
           </a:p>
@@ -2461,7 +2255,7 @@
           <a:p>
             <a:fld id="{4F5AD7BA-F6AA-4AAB-9A4E-937765467DC4}" type="datetimeFigureOut">
               <a:rPr lang="es-CL" smtClean="0"/>
-              <a:t>12-07-2017</a:t>
+              <a:t>24-07-2017</a:t>
             </a:fld>
             <a:endParaRPr lang="es-CL"/>
           </a:p>
@@ -2840,7 +2634,7 @@
           <a:p>
             <a:fld id="{4F5AD7BA-F6AA-4AAB-9A4E-937765467DC4}" type="datetimeFigureOut">
               <a:rPr lang="es-CL" smtClean="0"/>
-              <a:t>12-07-2017</a:t>
+              <a:t>24-07-2017</a:t>
             </a:fld>
             <a:endParaRPr lang="es-CL"/>
           </a:p>
@@ -2958,7 +2752,7 @@
           <a:p>
             <a:fld id="{4F5AD7BA-F6AA-4AAB-9A4E-937765467DC4}" type="datetimeFigureOut">
               <a:rPr lang="es-CL" smtClean="0"/>
-              <a:t>12-07-2017</a:t>
+              <a:t>24-07-2017</a:t>
             </a:fld>
             <a:endParaRPr lang="es-CL"/>
           </a:p>
@@ -3129,7 +2923,7 @@
           <a:p>
             <a:fld id="{4F5AD7BA-F6AA-4AAB-9A4E-937765467DC4}" type="datetimeFigureOut">
               <a:rPr lang="es-CL" smtClean="0"/>
-              <a:t>12-07-2017</a:t>
+              <a:t>24-07-2017</a:t>
             </a:fld>
             <a:endParaRPr lang="es-CL"/>
           </a:p>
@@ -3483,7 +3277,7 @@
           <a:p>
             <a:fld id="{4F5AD7BA-F6AA-4AAB-9A4E-937765467DC4}" type="datetimeFigureOut">
               <a:rPr lang="es-CL" smtClean="0"/>
-              <a:t>12-07-2017</a:t>
+              <a:t>24-07-2017</a:t>
             </a:fld>
             <a:endParaRPr lang="es-CL"/>
           </a:p>
@@ -3865,7 +3659,7 @@
           <a:p>
             <a:fld id="{4F5AD7BA-F6AA-4AAB-9A4E-937765467DC4}" type="datetimeFigureOut">
               <a:rPr lang="es-CL" smtClean="0"/>
-              <a:t>12-07-2017</a:t>
+              <a:t>24-07-2017</a:t>
             </a:fld>
             <a:endParaRPr lang="es-CL"/>
           </a:p>
@@ -4152,7 +3946,7 @@
           <a:p>
             <a:fld id="{4F5AD7BA-F6AA-4AAB-9A4E-937765467DC4}" type="datetimeFigureOut">
               <a:rPr lang="es-CL" smtClean="0"/>
-              <a:t>12-07-2017</a:t>
+              <a:t>24-07-2017</a:t>
             </a:fld>
             <a:endParaRPr lang="es-CL"/>
           </a:p>
@@ -4732,8 +4526,9 @@
             <a:pPr algn="ctr"/>
             <a:r>
               <a:rPr lang="es-CL" sz="4000" dirty="0" smtClean="0"/>
-              <a:t>3369 pacientes</a:t>
-            </a:r>
+              <a:t>1873 pacientes</a:t>
+            </a:r>
+            <a:endParaRPr lang="es-CL" sz="4000" dirty="0" smtClean="0"/>
           </a:p>
           <a:p>
             <a:pPr algn="r"/>
@@ -4799,15 +4594,30 @@
           <a:p>
             <a:r>
               <a:rPr lang="es-CL" dirty="0" smtClean="0"/>
-              <a:t>Primer grupo de 3 nodos </a:t>
-            </a:r>
-            <a:endParaRPr lang="es-CL" dirty="0"/>
+              <a:t>Patrones</a:t>
+            </a:r>
+            <a:br>
+              <a:rPr lang="es-CL" dirty="0" smtClean="0"/>
+            </a:br>
+            <a:r>
+              <a:rPr lang="es-CL" sz="2000" dirty="0" smtClean="0">
+                <a:solidFill>
+                  <a:srgbClr val="0070C0"/>
+                </a:solidFill>
+              </a:rPr>
+              <a:t>Cruce primer y tercer grupo (dos nodos)</a:t>
+            </a:r>
+            <a:endParaRPr lang="es-CL" dirty="0">
+              <a:solidFill>
+                <a:srgbClr val="0070C0"/>
+              </a:solidFill>
+            </a:endParaRPr>
           </a:p>
         </p:txBody>
       </p:sp>
       <p:pic>
         <p:nvPicPr>
-          <p:cNvPr id="7" name="Imagen 6"/>
+          <p:cNvPr id="4" name="Imagen 3"/>
           <p:cNvPicPr>
             <a:picLocks noChangeAspect="1"/>
           </p:cNvPicPr>
@@ -4815,13 +4625,13 @@
         </p:nvPicPr>
         <p:blipFill rotWithShape="1">
           <a:blip r:embed="rId2"/>
-          <a:srcRect l="6107" t="29002" r="25341" b="40515"/>
+          <a:srcRect l="6970" t="49835" r="19546" b="31524"/>
           <a:stretch/>
         </p:blipFill>
         <p:spPr>
           <a:xfrm>
-            <a:off x="415491" y="2406315"/>
-            <a:ext cx="11421977" cy="2855495"/>
+            <a:off x="403459" y="2556184"/>
+            <a:ext cx="11446042" cy="2304573"/>
           </a:xfrm>
           <a:prstGeom prst="rect">
             <a:avLst/>
@@ -4831,7 +4641,7 @@
     </p:spTree>
     <p:extLst>
       <p:ext uri="{BB962C8B-B14F-4D97-AF65-F5344CB8AC3E}">
-        <p14:creationId xmlns:p14="http://schemas.microsoft.com/office/powerpoint/2010/main" val="4007790779"/>
+        <p14:creationId xmlns:p14="http://schemas.microsoft.com/office/powerpoint/2010/main" val="1375418600"/>
       </p:ext>
     </p:extLst>
   </p:cSld>
@@ -4875,12 +4685,7 @@
             <p:ph type="title"/>
           </p:nvPr>
         </p:nvSpPr>
-        <p:spPr>
-          <a:xfrm>
-            <a:off x="984002" y="146760"/>
-            <a:ext cx="10058400" cy="1450757"/>
-          </a:xfrm>
-        </p:spPr>
+        <p:spPr/>
         <p:txBody>
           <a:bodyPr/>
           <a:lstStyle/>
@@ -4898,7 +4703,7 @@
                   <a:srgbClr val="0070C0"/>
                 </a:solidFill>
               </a:rPr>
-              <a:t>Tres nodos</a:t>
+              <a:t>Cruce segundo y tercer grupo (dos nodos)</a:t>
             </a:r>
             <a:endParaRPr lang="es-CL" dirty="0">
               <a:solidFill>
@@ -4917,351 +4722,24 @@
           <p:nvPr/>
         </p:nvPicPr>
         <p:blipFill rotWithShape="1">
-          <a:blip r:embed="rId3"/>
-          <a:srcRect l="7763" t="17490" r="59511" b="40159"/>
+          <a:blip r:embed="rId2"/>
+          <a:srcRect l="7093" t="55537" r="19670" b="26700"/>
           <a:stretch/>
         </p:blipFill>
         <p:spPr>
           <a:xfrm>
-            <a:off x="1033139" y="2014480"/>
-            <a:ext cx="2845613" cy="2070365"/>
+            <a:off x="370423" y="2646947"/>
+            <a:ext cx="11512113" cy="2197769"/>
           </a:xfrm>
           <a:prstGeom prst="rect">
             <a:avLst/>
           </a:prstGeom>
         </p:spPr>
       </p:pic>
-      <p:pic>
-        <p:nvPicPr>
-          <p:cNvPr id="6" name="Imagen 5"/>
-          <p:cNvPicPr>
-            <a:picLocks noChangeAspect="1"/>
-          </p:cNvPicPr>
-          <p:nvPr/>
-        </p:nvPicPr>
-        <p:blipFill rotWithShape="1">
-          <a:blip r:embed="rId4"/>
-          <a:srcRect l="6819" t="27379" r="58042" b="28218"/>
-          <a:stretch/>
-        </p:blipFill>
-        <p:spPr>
-          <a:xfrm>
-            <a:off x="4550399" y="3966497"/>
-            <a:ext cx="3067851" cy="2179548"/>
-          </a:xfrm>
-          <a:prstGeom prst="rect">
-            <a:avLst/>
-          </a:prstGeom>
-        </p:spPr>
-      </p:pic>
-      <p:pic>
-        <p:nvPicPr>
-          <p:cNvPr id="7" name="Imagen 6"/>
-          <p:cNvPicPr>
-            <a:picLocks noChangeAspect="1"/>
-          </p:cNvPicPr>
-          <p:nvPr/>
-        </p:nvPicPr>
-        <p:blipFill rotWithShape="1">
-          <a:blip r:embed="rId5"/>
-          <a:srcRect l="7868" t="28498" r="60035" b="30644"/>
-          <a:stretch/>
-        </p:blipFill>
-        <p:spPr>
-          <a:xfrm>
-            <a:off x="8229133" y="2030105"/>
-            <a:ext cx="2892839" cy="2070365"/>
-          </a:xfrm>
-          <a:prstGeom prst="rect">
-            <a:avLst/>
-          </a:prstGeom>
-        </p:spPr>
-      </p:pic>
-      <p:pic>
-        <p:nvPicPr>
-          <p:cNvPr id="8" name="Imagen 7"/>
-          <p:cNvPicPr>
-            <a:picLocks noChangeAspect="1"/>
-          </p:cNvPicPr>
-          <p:nvPr/>
-        </p:nvPicPr>
-        <p:blipFill rotWithShape="1">
-          <a:blip r:embed="rId6"/>
-          <a:srcRect l="7344" t="28498" r="62447" b="33255"/>
-          <a:stretch/>
-        </p:blipFill>
-        <p:spPr>
-          <a:xfrm>
-            <a:off x="4644990" y="1967667"/>
-            <a:ext cx="2847256" cy="2026692"/>
-          </a:xfrm>
-          <a:prstGeom prst="rect">
-            <a:avLst/>
-          </a:prstGeom>
-        </p:spPr>
-      </p:pic>
-      <p:pic>
-        <p:nvPicPr>
-          <p:cNvPr id="9" name="Imagen 8"/>
-          <p:cNvPicPr>
-            <a:picLocks noChangeAspect="1"/>
-          </p:cNvPicPr>
-          <p:nvPr/>
-        </p:nvPicPr>
-        <p:blipFill rotWithShape="1">
-          <a:blip r:embed="rId7"/>
-          <a:srcRect l="7553" t="32043" r="62133" b="26726"/>
-          <a:stretch/>
-        </p:blipFill>
-        <p:spPr>
-          <a:xfrm>
-            <a:off x="8242951" y="4006075"/>
-            <a:ext cx="2629178" cy="2010548"/>
-          </a:xfrm>
-          <a:prstGeom prst="rect">
-            <a:avLst/>
-          </a:prstGeom>
-        </p:spPr>
-      </p:pic>
-      <p:pic>
-        <p:nvPicPr>
-          <p:cNvPr id="10" name="Imagen 9"/>
-          <p:cNvPicPr>
-            <a:picLocks noChangeAspect="1"/>
-          </p:cNvPicPr>
-          <p:nvPr/>
-        </p:nvPicPr>
-        <p:blipFill rotWithShape="1">
-          <a:blip r:embed="rId8"/>
-          <a:srcRect l="3357" t="31856" r="60664" b="17211"/>
-          <a:stretch/>
-        </p:blipFill>
-        <p:spPr>
-          <a:xfrm>
-            <a:off x="1291787" y="4198192"/>
-            <a:ext cx="2456597" cy="1955251"/>
-          </a:xfrm>
-          <a:prstGeom prst="rect">
-            <a:avLst/>
-          </a:prstGeom>
-        </p:spPr>
-      </p:pic>
-      <p:sp>
-        <p:nvSpPr>
-          <p:cNvPr id="11" name="Rectángulo redondeado 10"/>
-          <p:cNvSpPr/>
-          <p:nvPr/>
-        </p:nvSpPr>
-        <p:spPr>
-          <a:xfrm>
-            <a:off x="982639" y="1901133"/>
-            <a:ext cx="2960253" cy="4209885"/>
-          </a:xfrm>
-          <a:prstGeom prst="roundRect">
-            <a:avLst/>
-          </a:prstGeom>
-          <a:noFill/>
-          <a:ln>
-            <a:solidFill>
-              <a:srgbClr val="FF0000"/>
-            </a:solidFill>
-          </a:ln>
-        </p:spPr>
-        <p:style>
-          <a:lnRef idx="2">
-            <a:schemeClr val="accent6"/>
-          </a:lnRef>
-          <a:fillRef idx="1">
-            <a:schemeClr val="lt1"/>
-          </a:fillRef>
-          <a:effectRef idx="0">
-            <a:schemeClr val="accent6"/>
-          </a:effectRef>
-          <a:fontRef idx="minor">
-            <a:schemeClr val="dk1"/>
-          </a:fontRef>
-        </p:style>
-        <p:txBody>
-          <a:bodyPr rtlCol="0" anchor="ctr"/>
-          <a:lstStyle/>
-          <a:p>
-            <a:pPr algn="ctr"/>
-            <a:endParaRPr lang="es-CL"/>
-          </a:p>
-        </p:txBody>
-      </p:sp>
-      <p:sp>
-        <p:nvSpPr>
-          <p:cNvPr id="12" name="Rectángulo redondeado 11"/>
-          <p:cNvSpPr/>
-          <p:nvPr/>
-        </p:nvSpPr>
-        <p:spPr>
-          <a:xfrm>
-            <a:off x="4533076" y="1861555"/>
-            <a:ext cx="2960253" cy="4209885"/>
-          </a:xfrm>
-          <a:prstGeom prst="roundRect">
-            <a:avLst/>
-          </a:prstGeom>
-          <a:noFill/>
-          <a:ln>
-            <a:solidFill>
-              <a:srgbClr val="FF0000"/>
-            </a:solidFill>
-          </a:ln>
-        </p:spPr>
-        <p:style>
-          <a:lnRef idx="2">
-            <a:schemeClr val="accent6"/>
-          </a:lnRef>
-          <a:fillRef idx="1">
-            <a:schemeClr val="lt1"/>
-          </a:fillRef>
-          <a:effectRef idx="0">
-            <a:schemeClr val="accent6"/>
-          </a:effectRef>
-          <a:fontRef idx="minor">
-            <a:schemeClr val="dk1"/>
-          </a:fontRef>
-        </p:style>
-        <p:txBody>
-          <a:bodyPr rtlCol="0" anchor="ctr"/>
-          <a:lstStyle/>
-          <a:p>
-            <a:pPr algn="ctr"/>
-            <a:endParaRPr lang="es-CL"/>
-          </a:p>
-        </p:txBody>
-      </p:sp>
-      <p:sp>
-        <p:nvSpPr>
-          <p:cNvPr id="13" name="Rectángulo redondeado 12"/>
-          <p:cNvSpPr/>
-          <p:nvPr/>
-        </p:nvSpPr>
-        <p:spPr>
-          <a:xfrm>
-            <a:off x="8195427" y="1861555"/>
-            <a:ext cx="2960253" cy="4209885"/>
-          </a:xfrm>
-          <a:prstGeom prst="roundRect">
-            <a:avLst/>
-          </a:prstGeom>
-          <a:noFill/>
-          <a:ln>
-            <a:solidFill>
-              <a:srgbClr val="FF0000"/>
-            </a:solidFill>
-          </a:ln>
-        </p:spPr>
-        <p:style>
-          <a:lnRef idx="2">
-            <a:schemeClr val="accent6"/>
-          </a:lnRef>
-          <a:fillRef idx="1">
-            <a:schemeClr val="lt1"/>
-          </a:fillRef>
-          <a:effectRef idx="0">
-            <a:schemeClr val="accent6"/>
-          </a:effectRef>
-          <a:fontRef idx="minor">
-            <a:schemeClr val="dk1"/>
-          </a:fontRef>
-        </p:style>
-        <p:txBody>
-          <a:bodyPr rtlCol="0" anchor="ctr"/>
-          <a:lstStyle/>
-          <a:p>
-            <a:pPr algn="ctr"/>
-            <a:endParaRPr lang="es-CL"/>
-          </a:p>
-        </p:txBody>
-      </p:sp>
-      <p:sp>
-        <p:nvSpPr>
-          <p:cNvPr id="21" name="Multiplicar 20"/>
-          <p:cNvSpPr/>
-          <p:nvPr/>
-        </p:nvSpPr>
-        <p:spPr>
-          <a:xfrm>
-            <a:off x="1226931" y="1772266"/>
-            <a:ext cx="2586307" cy="2554792"/>
-          </a:xfrm>
-          <a:prstGeom prst="mathMultiply">
-            <a:avLst/>
-          </a:prstGeom>
-        </p:spPr>
-        <p:style>
-          <a:lnRef idx="2">
-            <a:schemeClr val="accent1">
-              <a:shade val="50000"/>
-            </a:schemeClr>
-          </a:lnRef>
-          <a:fillRef idx="1">
-            <a:schemeClr val="accent1"/>
-          </a:fillRef>
-          <a:effectRef idx="0">
-            <a:schemeClr val="accent1"/>
-          </a:effectRef>
-          <a:fontRef idx="minor">
-            <a:schemeClr val="lt1"/>
-          </a:fontRef>
-        </p:style>
-        <p:txBody>
-          <a:bodyPr rtlCol="0" anchor="ctr"/>
-          <a:lstStyle/>
-          <a:p>
-            <a:pPr algn="ctr"/>
-            <a:endParaRPr lang="es-CL"/>
-          </a:p>
-        </p:txBody>
-      </p:sp>
-      <p:sp>
-        <p:nvSpPr>
-          <p:cNvPr id="22" name="Multiplicar 21"/>
-          <p:cNvSpPr/>
-          <p:nvPr/>
-        </p:nvSpPr>
-        <p:spPr>
-          <a:xfrm>
-            <a:off x="1169611" y="3733953"/>
-            <a:ext cx="2586307" cy="2554792"/>
-          </a:xfrm>
-          <a:prstGeom prst="mathMultiply">
-            <a:avLst/>
-          </a:prstGeom>
-        </p:spPr>
-        <p:style>
-          <a:lnRef idx="2">
-            <a:schemeClr val="accent1">
-              <a:shade val="50000"/>
-            </a:schemeClr>
-          </a:lnRef>
-          <a:fillRef idx="1">
-            <a:schemeClr val="accent1"/>
-          </a:fillRef>
-          <a:effectRef idx="0">
-            <a:schemeClr val="accent1"/>
-          </a:effectRef>
-          <a:fontRef idx="minor">
-            <a:schemeClr val="lt1"/>
-          </a:fontRef>
-        </p:style>
-        <p:txBody>
-          <a:bodyPr rtlCol="0" anchor="ctr"/>
-          <a:lstStyle/>
-          <a:p>
-            <a:pPr algn="ctr"/>
-            <a:endParaRPr lang="es-CL"/>
-          </a:p>
-        </p:txBody>
-      </p:sp>
     </p:spTree>
     <p:extLst>
       <p:ext uri="{BB962C8B-B14F-4D97-AF65-F5344CB8AC3E}">
-        <p14:creationId xmlns:p14="http://schemas.microsoft.com/office/powerpoint/2010/main" val="2363067675"/>
+        <p14:creationId xmlns:p14="http://schemas.microsoft.com/office/powerpoint/2010/main" val="1248857968"/>
       </p:ext>
     </p:extLst>
   </p:cSld>
@@ -5295,32 +4773,75 @@
           <a:chExt cx="0" cy="0"/>
         </a:xfrm>
       </p:grpSpPr>
-      <p:sp>
-        <p:nvSpPr>
-          <p:cNvPr id="2" name="Título 1"/>
-          <p:cNvSpPr>
-            <a:spLocks noGrp="1"/>
-          </p:cNvSpPr>
-          <p:nvPr>
-            <p:ph type="title"/>
-          </p:nvPr>
-        </p:nvSpPr>
-        <p:spPr/>
-        <p:txBody>
-          <a:bodyPr/>
-          <a:lstStyle/>
-          <a:p>
-            <a:r>
-              <a:rPr lang="es-CL" dirty="0" smtClean="0"/>
-              <a:t>Segundo grupo </a:t>
-            </a:r>
-            <a:r>
-              <a:rPr lang="es-CL" dirty="0"/>
-              <a:t>de 3 nodos </a:t>
-            </a:r>
-          </a:p>
-        </p:txBody>
-      </p:sp>
+      <p:pic>
+        <p:nvPicPr>
+          <p:cNvPr id="12" name="Imagen 11"/>
+          <p:cNvPicPr>
+            <a:picLocks noChangeAspect="1"/>
+          </p:cNvPicPr>
+          <p:nvPr/>
+        </p:nvPicPr>
+        <p:blipFill rotWithShape="1">
+          <a:blip r:embed="rId2"/>
+          <a:srcRect l="45808" t="20450" r="25094" b="41173"/>
+          <a:stretch/>
+        </p:blipFill>
+        <p:spPr>
+          <a:xfrm>
+            <a:off x="1219199" y="4198219"/>
+            <a:ext cx="2602312" cy="1929680"/>
+          </a:xfrm>
+          <a:prstGeom prst="rect">
+            <a:avLst/>
+          </a:prstGeom>
+        </p:spPr>
+      </p:pic>
+      <p:pic>
+        <p:nvPicPr>
+          <p:cNvPr id="11" name="Imagen 10"/>
+          <p:cNvPicPr>
+            <a:picLocks noChangeAspect="1"/>
+          </p:cNvPicPr>
+          <p:nvPr/>
+        </p:nvPicPr>
+        <p:blipFill rotWithShape="1">
+          <a:blip r:embed="rId3"/>
+          <a:srcRect l="45562" t="28783" r="26820" b="36787"/>
+          <a:stretch/>
+        </p:blipFill>
+        <p:spPr>
+          <a:xfrm>
+            <a:off x="8110606" y="1900654"/>
+            <a:ext cx="3045074" cy="2134270"/>
+          </a:xfrm>
+          <a:prstGeom prst="rect">
+            <a:avLst/>
+          </a:prstGeom>
+        </p:spPr>
+      </p:pic>
+      <p:pic>
+        <p:nvPicPr>
+          <p:cNvPr id="10" name="Imagen 9"/>
+          <p:cNvPicPr>
+            <a:picLocks noChangeAspect="1"/>
+          </p:cNvPicPr>
+          <p:nvPr/>
+        </p:nvPicPr>
+        <p:blipFill rotWithShape="1">
+          <a:blip r:embed="rId4"/>
+          <a:srcRect l="45438" t="22643" r="25464" b="38761"/>
+          <a:stretch/>
+        </p:blipFill>
+        <p:spPr>
+          <a:xfrm>
+            <a:off x="4658353" y="1916741"/>
+            <a:ext cx="2936254" cy="2189749"/>
+          </a:xfrm>
+          <a:prstGeom prst="rect">
+            <a:avLst/>
+          </a:prstGeom>
+        </p:spPr>
+      </p:pic>
       <p:pic>
         <p:nvPicPr>
           <p:cNvPr id="6" name="Imagen 5"/>
@@ -5330,24 +4851,286 @@
           <p:nvPr/>
         </p:nvPicPr>
         <p:blipFill rotWithShape="1">
-          <a:blip r:embed="rId2"/>
-          <a:srcRect l="6230" t="52906" r="25341" b="17050"/>
+          <a:blip r:embed="rId5"/>
+          <a:srcRect l="45931" t="22862" r="25711" b="39638"/>
           <a:stretch/>
         </p:blipFill>
         <p:spPr>
           <a:xfrm>
-            <a:off x="440023" y="2470484"/>
-            <a:ext cx="11372914" cy="2807368"/>
+            <a:off x="1219199" y="1941094"/>
+            <a:ext cx="2761871" cy="2053391"/>
           </a:xfrm>
           <a:prstGeom prst="rect">
             <a:avLst/>
           </a:prstGeom>
         </p:spPr>
       </p:pic>
+      <p:sp>
+        <p:nvSpPr>
+          <p:cNvPr id="2" name="Título 1"/>
+          <p:cNvSpPr>
+            <a:spLocks noGrp="1"/>
+          </p:cNvSpPr>
+          <p:nvPr>
+            <p:ph type="title"/>
+          </p:nvPr>
+        </p:nvSpPr>
+        <p:spPr/>
+        <p:txBody>
+          <a:bodyPr/>
+          <a:lstStyle/>
+          <a:p>
+            <a:r>
+              <a:rPr lang="es-CL" dirty="0" smtClean="0"/>
+              <a:t>Patrones</a:t>
+            </a:r>
+            <a:br>
+              <a:rPr lang="es-CL" dirty="0" smtClean="0"/>
+            </a:br>
+            <a:r>
+              <a:rPr lang="es-CL" sz="2000" dirty="0" smtClean="0">
+                <a:solidFill>
+                  <a:srgbClr val="0070C0"/>
+                </a:solidFill>
+              </a:rPr>
+              <a:t>Tres nodos</a:t>
+            </a:r>
+            <a:endParaRPr lang="es-CL" dirty="0">
+              <a:solidFill>
+                <a:srgbClr val="0070C0"/>
+              </a:solidFill>
+            </a:endParaRPr>
+          </a:p>
+        </p:txBody>
+      </p:sp>
+      <p:sp>
+        <p:nvSpPr>
+          <p:cNvPr id="7" name="CuadroTexto 6"/>
+          <p:cNvSpPr txBox="1"/>
+          <p:nvPr/>
+        </p:nvSpPr>
+        <p:spPr>
+          <a:xfrm>
+            <a:off x="1219199" y="1950975"/>
+            <a:ext cx="449179" cy="369332"/>
+          </a:xfrm>
+          <a:prstGeom prst="rect">
+            <a:avLst/>
+          </a:prstGeom>
+          <a:noFill/>
+        </p:spPr>
+        <p:txBody>
+          <a:bodyPr wrap="square" rtlCol="0">
+            <a:spAutoFit/>
+          </a:bodyPr>
+          <a:lstStyle/>
+          <a:p>
+            <a:r>
+              <a:rPr lang="es-CL" dirty="0" smtClean="0"/>
+              <a:t>1</a:t>
+            </a:r>
+            <a:endParaRPr lang="es-CL" dirty="0"/>
+          </a:p>
+        </p:txBody>
+      </p:sp>
+      <p:sp>
+        <p:nvSpPr>
+          <p:cNvPr id="8" name="CuadroTexto 7"/>
+          <p:cNvSpPr txBox="1"/>
+          <p:nvPr/>
+        </p:nvSpPr>
+        <p:spPr>
+          <a:xfrm>
+            <a:off x="5220101" y="1916741"/>
+            <a:ext cx="449179" cy="369332"/>
+          </a:xfrm>
+          <a:prstGeom prst="rect">
+            <a:avLst/>
+          </a:prstGeom>
+          <a:noFill/>
+        </p:spPr>
+        <p:txBody>
+          <a:bodyPr wrap="square" rtlCol="0">
+            <a:spAutoFit/>
+          </a:bodyPr>
+          <a:lstStyle/>
+          <a:p>
+            <a:r>
+              <a:rPr lang="es-CL" dirty="0"/>
+              <a:t>2</a:t>
+            </a:r>
+            <a:endParaRPr lang="es-CL" dirty="0"/>
+          </a:p>
+        </p:txBody>
+      </p:sp>
+      <p:sp>
+        <p:nvSpPr>
+          <p:cNvPr id="9" name="CuadroTexto 8"/>
+          <p:cNvSpPr txBox="1"/>
+          <p:nvPr/>
+        </p:nvSpPr>
+        <p:spPr>
+          <a:xfrm>
+            <a:off x="8590547" y="1916741"/>
+            <a:ext cx="449179" cy="369332"/>
+          </a:xfrm>
+          <a:prstGeom prst="rect">
+            <a:avLst/>
+          </a:prstGeom>
+          <a:noFill/>
+        </p:spPr>
+        <p:txBody>
+          <a:bodyPr wrap="square" rtlCol="0">
+            <a:spAutoFit/>
+          </a:bodyPr>
+          <a:lstStyle/>
+          <a:p>
+            <a:r>
+              <a:rPr lang="es-CL" dirty="0" smtClean="0"/>
+              <a:t>3</a:t>
+            </a:r>
+            <a:endParaRPr lang="es-CL" dirty="0"/>
+          </a:p>
+        </p:txBody>
+      </p:sp>
+      <p:sp>
+        <p:nvSpPr>
+          <p:cNvPr id="13" name="CuadroTexto 12"/>
+          <p:cNvSpPr txBox="1"/>
+          <p:nvPr/>
+        </p:nvSpPr>
+        <p:spPr>
+          <a:xfrm>
+            <a:off x="1427745" y="4106381"/>
+            <a:ext cx="449179" cy="369332"/>
+          </a:xfrm>
+          <a:prstGeom prst="rect">
+            <a:avLst/>
+          </a:prstGeom>
+          <a:noFill/>
+        </p:spPr>
+        <p:txBody>
+          <a:bodyPr wrap="square" rtlCol="0">
+            <a:spAutoFit/>
+          </a:bodyPr>
+          <a:lstStyle/>
+          <a:p>
+            <a:r>
+              <a:rPr lang="es-CL" dirty="0"/>
+              <a:t>4</a:t>
+            </a:r>
+          </a:p>
+        </p:txBody>
+      </p:sp>
+      <p:pic>
+        <p:nvPicPr>
+          <p:cNvPr id="14" name="Imagen 13"/>
+          <p:cNvPicPr>
+            <a:picLocks noChangeAspect="1"/>
+          </p:cNvPicPr>
+          <p:nvPr/>
+        </p:nvPicPr>
+        <p:blipFill rotWithShape="1">
+          <a:blip r:embed="rId6"/>
+          <a:srcRect l="45808" t="32730" r="23491" b="33498"/>
+          <a:stretch/>
+        </p:blipFill>
+        <p:spPr>
+          <a:xfrm>
+            <a:off x="4485371" y="4148077"/>
+            <a:ext cx="3282217" cy="2029964"/>
+          </a:xfrm>
+          <a:prstGeom prst="rect">
+            <a:avLst/>
+          </a:prstGeom>
+        </p:spPr>
+      </p:pic>
+      <p:sp>
+        <p:nvSpPr>
+          <p:cNvPr id="15" name="CuadroTexto 14"/>
+          <p:cNvSpPr txBox="1"/>
+          <p:nvPr/>
+        </p:nvSpPr>
+        <p:spPr>
+          <a:xfrm>
+            <a:off x="5204058" y="4198219"/>
+            <a:ext cx="449179" cy="369332"/>
+          </a:xfrm>
+          <a:prstGeom prst="rect">
+            <a:avLst/>
+          </a:prstGeom>
+          <a:noFill/>
+        </p:spPr>
+        <p:txBody>
+          <a:bodyPr wrap="square" rtlCol="0">
+            <a:spAutoFit/>
+          </a:bodyPr>
+          <a:lstStyle/>
+          <a:p>
+            <a:r>
+              <a:rPr lang="es-CL" dirty="0" smtClean="0"/>
+              <a:t>5</a:t>
+            </a:r>
+          </a:p>
+        </p:txBody>
+      </p:sp>
+      <p:pic>
+        <p:nvPicPr>
+          <p:cNvPr id="16" name="Imagen 15"/>
+          <p:cNvPicPr>
+            <a:picLocks noChangeAspect="1"/>
+          </p:cNvPicPr>
+          <p:nvPr/>
+        </p:nvPicPr>
+        <p:blipFill rotWithShape="1">
+          <a:blip r:embed="rId7"/>
+          <a:srcRect l="45192" t="27029" r="23861" b="35252"/>
+          <a:stretch/>
+        </p:blipFill>
+        <p:spPr>
+          <a:xfrm>
+            <a:off x="8110606" y="4068542"/>
+            <a:ext cx="3194461" cy="2189034"/>
+          </a:xfrm>
+          <a:prstGeom prst="rect">
+            <a:avLst/>
+          </a:prstGeom>
+        </p:spPr>
+      </p:pic>
+      <p:sp>
+        <p:nvSpPr>
+          <p:cNvPr id="17" name="CuadroTexto 16"/>
+          <p:cNvSpPr txBox="1"/>
+          <p:nvPr/>
+        </p:nvSpPr>
+        <p:spPr>
+          <a:xfrm>
+            <a:off x="8757385" y="4141855"/>
+            <a:ext cx="449179" cy="369332"/>
+          </a:xfrm>
+          <a:prstGeom prst="rect">
+            <a:avLst/>
+          </a:prstGeom>
+          <a:noFill/>
+        </p:spPr>
+        <p:txBody>
+          <a:bodyPr wrap="square" rtlCol="0">
+            <a:spAutoFit/>
+          </a:bodyPr>
+          <a:lstStyle/>
+          <a:p>
+            <a:r>
+              <a:rPr lang="es-CL" dirty="0"/>
+              <a:t>6</a:t>
+            </a:r>
+            <a:endParaRPr lang="es-CL" dirty="0" smtClean="0"/>
+          </a:p>
+        </p:txBody>
+      </p:sp>
     </p:spTree>
     <p:extLst>
       <p:ext uri="{BB962C8B-B14F-4D97-AF65-F5344CB8AC3E}">
-        <p14:creationId xmlns:p14="http://schemas.microsoft.com/office/powerpoint/2010/main" val="1968836119"/>
+        <p14:creationId xmlns:p14="http://schemas.microsoft.com/office/powerpoint/2010/main" val="3782853564"/>
       </p:ext>
     </p:extLst>
   </p:cSld>
@@ -5381,49 +5164,6 @@
           <a:chExt cx="0" cy="0"/>
         </a:xfrm>
       </p:grpSpPr>
-      <p:sp>
-        <p:nvSpPr>
-          <p:cNvPr id="2" name="Título 1"/>
-          <p:cNvSpPr>
-            <a:spLocks noGrp="1"/>
-          </p:cNvSpPr>
-          <p:nvPr>
-            <p:ph type="title"/>
-          </p:nvPr>
-        </p:nvSpPr>
-        <p:spPr>
-          <a:xfrm>
-            <a:off x="984002" y="146760"/>
-            <a:ext cx="10058400" cy="1450757"/>
-          </a:xfrm>
-        </p:spPr>
-        <p:txBody>
-          <a:bodyPr/>
-          <a:lstStyle/>
-          <a:p>
-            <a:r>
-              <a:rPr lang="es-CL" dirty="0" smtClean="0"/>
-              <a:t>Patrones</a:t>
-            </a:r>
-            <a:br>
-              <a:rPr lang="es-CL" dirty="0" smtClean="0"/>
-            </a:br>
-            <a:r>
-              <a:rPr lang="es-CL" sz="2000" dirty="0" smtClean="0">
-                <a:solidFill>
-                  <a:srgbClr val="0070C0"/>
-                </a:solidFill>
-              </a:rPr>
-              <a:t>Tres nodos</a:t>
-            </a:r>
-            <a:endParaRPr lang="es-CL" dirty="0">
-              <a:solidFill>
-                <a:srgbClr val="0070C0"/>
-              </a:solidFill>
-            </a:endParaRPr>
-          </a:p>
-        </p:txBody>
-      </p:sp>
       <p:pic>
         <p:nvPicPr>
           <p:cNvPr id="5" name="Imagen 4"/>
@@ -5433,444 +5173,98 @@
           <p:nvPr/>
         </p:nvPicPr>
         <p:blipFill rotWithShape="1">
-          <a:blip r:embed="rId3"/>
-          <a:srcRect l="7763" t="17490" r="59511" b="40159"/>
+          <a:blip r:embed="rId2"/>
+          <a:srcRect l="45685" t="25712" r="28916" b="34595"/>
           <a:stretch/>
         </p:blipFill>
         <p:spPr>
           <a:xfrm>
-            <a:off x="1033139" y="2014480"/>
-            <a:ext cx="2845613" cy="2070365"/>
+            <a:off x="3866145" y="2197405"/>
+            <a:ext cx="4012131" cy="3525223"/>
           </a:xfrm>
           <a:prstGeom prst="rect">
             <a:avLst/>
           </a:prstGeom>
         </p:spPr>
       </p:pic>
-      <p:pic>
-        <p:nvPicPr>
-          <p:cNvPr id="6" name="Imagen 5"/>
-          <p:cNvPicPr>
-            <a:picLocks noChangeAspect="1"/>
-          </p:cNvPicPr>
+      <p:sp>
+        <p:nvSpPr>
+          <p:cNvPr id="6" name="Título 1"/>
+          <p:cNvSpPr>
+            <a:spLocks noGrp="1"/>
+          </p:cNvSpPr>
+          <p:nvPr>
+            <p:ph type="title"/>
+          </p:nvPr>
+        </p:nvSpPr>
+        <p:spPr/>
+        <p:txBody>
+          <a:bodyPr/>
+          <a:lstStyle/>
+          <a:p>
+            <a:r>
+              <a:rPr lang="es-CL" dirty="0" smtClean="0"/>
+              <a:t>Patrones</a:t>
+            </a:r>
+            <a:br>
+              <a:rPr lang="es-CL" dirty="0" smtClean="0"/>
+            </a:br>
+            <a:r>
+              <a:rPr lang="es-CL" sz="2000" dirty="0" smtClean="0">
+                <a:solidFill>
+                  <a:srgbClr val="0070C0"/>
+                </a:solidFill>
+              </a:rPr>
+              <a:t>Tres nodos</a:t>
+            </a:r>
+            <a:endParaRPr lang="es-CL" dirty="0">
+              <a:solidFill>
+                <a:srgbClr val="0070C0"/>
+              </a:solidFill>
+            </a:endParaRPr>
+          </a:p>
+        </p:txBody>
+      </p:sp>
+      <p:sp>
+        <p:nvSpPr>
+          <p:cNvPr id="7" name="CuadroTexto 6"/>
+          <p:cNvSpPr txBox="1"/>
           <p:nvPr/>
-        </p:nvPicPr>
-        <p:blipFill rotWithShape="1">
-          <a:blip r:embed="rId4"/>
-          <a:srcRect l="6819" t="27379" r="58042" b="28218"/>
-          <a:stretch/>
-        </p:blipFill>
+        </p:nvSpPr>
         <p:spPr>
           <a:xfrm>
-            <a:off x="4550399" y="3966497"/>
-            <a:ext cx="3067851" cy="2179548"/>
+            <a:off x="4411577" y="2373869"/>
+            <a:ext cx="449179" cy="369332"/>
           </a:xfrm>
           <a:prstGeom prst="rect">
             <a:avLst/>
           </a:prstGeom>
+          <a:noFill/>
         </p:spPr>
-      </p:pic>
-      <p:pic>
-        <p:nvPicPr>
-          <p:cNvPr id="7" name="Imagen 6"/>
-          <p:cNvPicPr>
-            <a:picLocks noChangeAspect="1"/>
-          </p:cNvPicPr>
-          <p:nvPr/>
-        </p:nvPicPr>
-        <p:blipFill rotWithShape="1">
-          <a:blip r:embed="rId5"/>
-          <a:srcRect l="7868" t="28498" r="60035" b="30644"/>
-          <a:stretch/>
-        </p:blipFill>
-        <p:spPr>
-          <a:xfrm>
-            <a:off x="8229133" y="2030105"/>
-            <a:ext cx="2892839" cy="2070365"/>
-          </a:xfrm>
-          <a:prstGeom prst="rect">
-            <a:avLst/>
-          </a:prstGeom>
-        </p:spPr>
-      </p:pic>
-      <p:pic>
-        <p:nvPicPr>
-          <p:cNvPr id="8" name="Imagen 7"/>
-          <p:cNvPicPr>
-            <a:picLocks noChangeAspect="1"/>
-          </p:cNvPicPr>
-          <p:nvPr/>
-        </p:nvPicPr>
-        <p:blipFill rotWithShape="1">
-          <a:blip r:embed="rId6"/>
-          <a:srcRect l="7344" t="28498" r="62447" b="33255"/>
-          <a:stretch/>
-        </p:blipFill>
-        <p:spPr>
-          <a:xfrm>
-            <a:off x="4644990" y="1967667"/>
-            <a:ext cx="2847256" cy="2026692"/>
-          </a:xfrm>
-          <a:prstGeom prst="rect">
-            <a:avLst/>
-          </a:prstGeom>
-        </p:spPr>
-      </p:pic>
-      <p:pic>
-        <p:nvPicPr>
-          <p:cNvPr id="9" name="Imagen 8"/>
-          <p:cNvPicPr>
-            <a:picLocks noChangeAspect="1"/>
-          </p:cNvPicPr>
-          <p:nvPr/>
-        </p:nvPicPr>
-        <p:blipFill rotWithShape="1">
-          <a:blip r:embed="rId7"/>
-          <a:srcRect l="7553" t="32043" r="62133" b="26726"/>
-          <a:stretch/>
-        </p:blipFill>
-        <p:spPr>
-          <a:xfrm>
-            <a:off x="8242951" y="4006075"/>
-            <a:ext cx="2629178" cy="2010548"/>
-          </a:xfrm>
-          <a:prstGeom prst="rect">
-            <a:avLst/>
-          </a:prstGeom>
-        </p:spPr>
-      </p:pic>
-      <p:pic>
-        <p:nvPicPr>
-          <p:cNvPr id="10" name="Imagen 9"/>
-          <p:cNvPicPr>
-            <a:picLocks noChangeAspect="1"/>
-          </p:cNvPicPr>
-          <p:nvPr/>
-        </p:nvPicPr>
-        <p:blipFill rotWithShape="1">
-          <a:blip r:embed="rId8"/>
-          <a:srcRect l="3357" t="31856" r="60664" b="17211"/>
-          <a:stretch/>
-        </p:blipFill>
-        <p:spPr>
-          <a:xfrm>
-            <a:off x="1291787" y="4198192"/>
-            <a:ext cx="2456597" cy="1955251"/>
-          </a:xfrm>
-          <a:prstGeom prst="rect">
-            <a:avLst/>
-          </a:prstGeom>
-        </p:spPr>
-      </p:pic>
-      <p:sp>
-        <p:nvSpPr>
-          <p:cNvPr id="11" name="Rectángulo redondeado 10"/>
-          <p:cNvSpPr/>
-          <p:nvPr/>
-        </p:nvSpPr>
-        <p:spPr>
-          <a:xfrm>
-            <a:off x="982639" y="1901133"/>
-            <a:ext cx="2960253" cy="4209885"/>
-          </a:xfrm>
-          <a:prstGeom prst="roundRect">
-            <a:avLst/>
-          </a:prstGeom>
-          <a:noFill/>
-          <a:ln>
-            <a:solidFill>
-              <a:srgbClr val="FF0000"/>
-            </a:solidFill>
-          </a:ln>
-        </p:spPr>
-        <p:style>
-          <a:lnRef idx="2">
-            <a:schemeClr val="accent6"/>
-          </a:lnRef>
-          <a:fillRef idx="1">
-            <a:schemeClr val="lt1"/>
-          </a:fillRef>
-          <a:effectRef idx="0">
-            <a:schemeClr val="accent6"/>
-          </a:effectRef>
-          <a:fontRef idx="minor">
-            <a:schemeClr val="dk1"/>
-          </a:fontRef>
-        </p:style>
-        <p:txBody>
-          <a:bodyPr rtlCol="0" anchor="ctr"/>
-          <a:lstStyle/>
-          <a:p>
-            <a:pPr algn="ctr"/>
-            <a:endParaRPr lang="es-CL"/>
-          </a:p>
-        </p:txBody>
-      </p:sp>
-      <p:sp>
-        <p:nvSpPr>
-          <p:cNvPr id="12" name="Rectángulo redondeado 11"/>
-          <p:cNvSpPr/>
-          <p:nvPr/>
-        </p:nvSpPr>
-        <p:spPr>
-          <a:xfrm>
-            <a:off x="4533076" y="1861555"/>
-            <a:ext cx="2960253" cy="4209885"/>
-          </a:xfrm>
-          <a:prstGeom prst="roundRect">
-            <a:avLst/>
-          </a:prstGeom>
-          <a:noFill/>
-          <a:ln>
-            <a:solidFill>
-              <a:srgbClr val="FF0000"/>
-            </a:solidFill>
-          </a:ln>
-        </p:spPr>
-        <p:style>
-          <a:lnRef idx="2">
-            <a:schemeClr val="accent6"/>
-          </a:lnRef>
-          <a:fillRef idx="1">
-            <a:schemeClr val="lt1"/>
-          </a:fillRef>
-          <a:effectRef idx="0">
-            <a:schemeClr val="accent6"/>
-          </a:effectRef>
-          <a:fontRef idx="minor">
-            <a:schemeClr val="dk1"/>
-          </a:fontRef>
-        </p:style>
-        <p:txBody>
-          <a:bodyPr rtlCol="0" anchor="ctr"/>
-          <a:lstStyle/>
-          <a:p>
-            <a:pPr algn="ctr"/>
-            <a:endParaRPr lang="es-CL"/>
-          </a:p>
-        </p:txBody>
-      </p:sp>
-      <p:sp>
-        <p:nvSpPr>
-          <p:cNvPr id="13" name="Rectángulo redondeado 12"/>
-          <p:cNvSpPr/>
-          <p:nvPr/>
-        </p:nvSpPr>
-        <p:spPr>
-          <a:xfrm>
-            <a:off x="8195427" y="1861555"/>
-            <a:ext cx="2960253" cy="4209885"/>
-          </a:xfrm>
-          <a:prstGeom prst="roundRect">
-            <a:avLst/>
-          </a:prstGeom>
-          <a:noFill/>
-          <a:ln>
-            <a:solidFill>
-              <a:srgbClr val="FF0000"/>
-            </a:solidFill>
-          </a:ln>
-        </p:spPr>
-        <p:style>
-          <a:lnRef idx="2">
-            <a:schemeClr val="accent6"/>
-          </a:lnRef>
-          <a:fillRef idx="1">
-            <a:schemeClr val="lt1"/>
-          </a:fillRef>
-          <a:effectRef idx="0">
-            <a:schemeClr val="accent6"/>
-          </a:effectRef>
-          <a:fontRef idx="minor">
-            <a:schemeClr val="dk1"/>
-          </a:fontRef>
-        </p:style>
-        <p:txBody>
-          <a:bodyPr rtlCol="0" anchor="ctr"/>
-          <a:lstStyle/>
-          <a:p>
-            <a:pPr algn="ctr"/>
-            <a:endParaRPr lang="es-CL"/>
-          </a:p>
-        </p:txBody>
-      </p:sp>
-      <p:sp>
-        <p:nvSpPr>
-          <p:cNvPr id="21" name="Multiplicar 20"/>
-          <p:cNvSpPr/>
-          <p:nvPr/>
-        </p:nvSpPr>
-        <p:spPr>
-          <a:xfrm>
-            <a:off x="1226931" y="1772266"/>
-            <a:ext cx="2586307" cy="2554792"/>
-          </a:xfrm>
-          <a:prstGeom prst="mathMultiply">
-            <a:avLst/>
-          </a:prstGeom>
-        </p:spPr>
-        <p:style>
-          <a:lnRef idx="2">
-            <a:schemeClr val="accent1">
-              <a:shade val="50000"/>
-            </a:schemeClr>
-          </a:lnRef>
-          <a:fillRef idx="1">
-            <a:schemeClr val="accent1"/>
-          </a:fillRef>
-          <a:effectRef idx="0">
-            <a:schemeClr val="accent1"/>
-          </a:effectRef>
-          <a:fontRef idx="minor">
-            <a:schemeClr val="lt1"/>
-          </a:fontRef>
-        </p:style>
-        <p:txBody>
-          <a:bodyPr rtlCol="0" anchor="ctr"/>
-          <a:lstStyle/>
-          <a:p>
-            <a:pPr algn="ctr"/>
-            <a:endParaRPr lang="es-CL"/>
-          </a:p>
-        </p:txBody>
-      </p:sp>
-      <p:sp>
-        <p:nvSpPr>
-          <p:cNvPr id="22" name="Multiplicar 21"/>
-          <p:cNvSpPr/>
-          <p:nvPr/>
-        </p:nvSpPr>
-        <p:spPr>
-          <a:xfrm>
-            <a:off x="1169611" y="3733953"/>
-            <a:ext cx="2586307" cy="2554792"/>
-          </a:xfrm>
-          <a:prstGeom prst="mathMultiply">
-            <a:avLst/>
-          </a:prstGeom>
-        </p:spPr>
-        <p:style>
-          <a:lnRef idx="2">
-            <a:schemeClr val="accent1">
-              <a:shade val="50000"/>
-            </a:schemeClr>
-          </a:lnRef>
-          <a:fillRef idx="1">
-            <a:schemeClr val="accent1"/>
-          </a:fillRef>
-          <a:effectRef idx="0">
-            <a:schemeClr val="accent1"/>
-          </a:effectRef>
-          <a:fontRef idx="minor">
-            <a:schemeClr val="lt1"/>
-          </a:fontRef>
-        </p:style>
-        <p:txBody>
-          <a:bodyPr rtlCol="0" anchor="ctr"/>
-          <a:lstStyle/>
-          <a:p>
-            <a:pPr algn="ctr"/>
-            <a:endParaRPr lang="es-CL"/>
-          </a:p>
-        </p:txBody>
-      </p:sp>
-      <p:sp>
-        <p:nvSpPr>
-          <p:cNvPr id="14" name="Multiplicar 13"/>
-          <p:cNvSpPr/>
-          <p:nvPr/>
-        </p:nvSpPr>
-        <p:spPr>
-          <a:xfrm>
-            <a:off x="4791170" y="1786950"/>
-            <a:ext cx="2586307" cy="2554792"/>
-          </a:xfrm>
-          <a:prstGeom prst="mathMultiply">
-            <a:avLst/>
-          </a:prstGeom>
-        </p:spPr>
-        <p:style>
-          <a:lnRef idx="2">
-            <a:schemeClr val="accent1">
-              <a:shade val="50000"/>
-            </a:schemeClr>
-          </a:lnRef>
-          <a:fillRef idx="1">
-            <a:schemeClr val="accent1"/>
-          </a:fillRef>
-          <a:effectRef idx="0">
-            <a:schemeClr val="accent1"/>
-          </a:effectRef>
-          <a:fontRef idx="minor">
-            <a:schemeClr val="lt1"/>
-          </a:fontRef>
-        </p:style>
-        <p:txBody>
-          <a:bodyPr rtlCol="0" anchor="ctr"/>
-          <a:lstStyle/>
-          <a:p>
-            <a:pPr algn="ctr"/>
-            <a:endParaRPr lang="es-CL"/>
-          </a:p>
-        </p:txBody>
-      </p:sp>
-      <p:sp>
-        <p:nvSpPr>
-          <p:cNvPr id="15" name="Multiplicar 14"/>
-          <p:cNvSpPr/>
-          <p:nvPr/>
-        </p:nvSpPr>
-        <p:spPr>
-          <a:xfrm>
-            <a:off x="4790087" y="3755504"/>
-            <a:ext cx="2586307" cy="2554792"/>
-          </a:xfrm>
-          <a:prstGeom prst="mathMultiply">
-            <a:avLst/>
-          </a:prstGeom>
-        </p:spPr>
-        <p:style>
-          <a:lnRef idx="2">
-            <a:schemeClr val="accent1">
-              <a:shade val="50000"/>
-            </a:schemeClr>
-          </a:lnRef>
-          <a:fillRef idx="1">
-            <a:schemeClr val="accent1"/>
-          </a:fillRef>
-          <a:effectRef idx="0">
-            <a:schemeClr val="accent1"/>
-          </a:effectRef>
-          <a:fontRef idx="minor">
-            <a:schemeClr val="lt1"/>
-          </a:fontRef>
-        </p:style>
-        <p:txBody>
-          <a:bodyPr rtlCol="0" anchor="ctr"/>
-          <a:lstStyle/>
-          <a:p>
-            <a:pPr algn="ctr"/>
-            <a:endParaRPr lang="es-CL"/>
+        <p:txBody>
+          <a:bodyPr wrap="square" rtlCol="0">
+            <a:spAutoFit/>
+          </a:bodyPr>
+          <a:lstStyle/>
+          <a:p>
+            <a:r>
+              <a:rPr lang="es-CL" dirty="0" smtClean="0"/>
+              <a:t>7</a:t>
+            </a:r>
+            <a:endParaRPr lang="es-CL" dirty="0"/>
           </a:p>
         </p:txBody>
       </p:sp>
     </p:spTree>
     <p:extLst>
       <p:ext uri="{BB962C8B-B14F-4D97-AF65-F5344CB8AC3E}">
-        <p14:creationId xmlns:p14="http://schemas.microsoft.com/office/powerpoint/2010/main" val="2286029842"/>
+        <p14:creationId xmlns:p14="http://schemas.microsoft.com/office/powerpoint/2010/main" val="2715601750"/>
       </p:ext>
     </p:extLst>
   </p:cSld>
   <p:clrMapOvr>
     <a:masterClrMapping/>
   </p:clrMapOvr>
-  <p:timing>
-    <p:tnLst>
-      <p:par>
-        <p:cTn id="1" dur="indefinite" restart="never" nodeType="tmRoot"/>
-      </p:par>
-    </p:tnLst>
-  </p:timing>
 </p:sld>
 </file>
 
@@ -5898,7 +5292,7 @@
             <a:spLocks noGrp="1"/>
           </p:cNvSpPr>
           <p:nvPr>
-            <p:ph type="title"/>
+            <p:ph type="ctrTitle"/>
           </p:nvPr>
         </p:nvSpPr>
         <p:spPr/>
@@ -5908,55 +5302,22 @@
           <a:p>
             <a:r>
               <a:rPr lang="es-CL" dirty="0" smtClean="0"/>
-              <a:t>Tercer grupo </a:t>
-            </a:r>
-            <a:r>
-              <a:rPr lang="es-CL" dirty="0"/>
-              <a:t>de 3 nodos </a:t>
-            </a:r>
-          </a:p>
-        </p:txBody>
-      </p:sp>
-      <p:pic>
-        <p:nvPicPr>
-          <p:cNvPr id="3" name="Imagen 2"/>
-          <p:cNvPicPr>
-            <a:picLocks noChangeAspect="1"/>
-          </p:cNvPicPr>
-          <p:nvPr/>
-        </p:nvPicPr>
-        <p:blipFill rotWithShape="1">
-          <a:blip r:embed="rId2"/>
-          <a:srcRect l="6135" t="45000" r="25344" b="24688"/>
-          <a:stretch/>
-        </p:blipFill>
-        <p:spPr>
-          <a:xfrm>
-            <a:off x="365759" y="2491739"/>
-            <a:ext cx="11521441" cy="2865589"/>
-          </a:xfrm>
-          <a:prstGeom prst="rect">
-            <a:avLst/>
-          </a:prstGeom>
-        </p:spPr>
-      </p:pic>
+              <a:t>Cruce de los siete grupos para re - agrupar</a:t>
+            </a:r>
+            <a:endParaRPr lang="es-CL" dirty="0"/>
+          </a:p>
+        </p:txBody>
+      </p:sp>
     </p:spTree>
     <p:extLst>
       <p:ext uri="{BB962C8B-B14F-4D97-AF65-F5344CB8AC3E}">
-        <p14:creationId xmlns:p14="http://schemas.microsoft.com/office/powerpoint/2010/main" val="18778382"/>
+        <p14:creationId xmlns:p14="http://schemas.microsoft.com/office/powerpoint/2010/main" val="2392473736"/>
       </p:ext>
     </p:extLst>
   </p:cSld>
   <p:clrMapOvr>
     <a:masterClrMapping/>
   </p:clrMapOvr>
-  <p:timing>
-    <p:tnLst>
-      <p:par>
-        <p:cTn id="1" dur="indefinite" restart="never" nodeType="tmRoot"/>
-      </p:par>
-    </p:tnLst>
-  </p:timing>
 </p:sld>
 </file>
 
@@ -5987,12 +5348,7 @@
             <p:ph type="title"/>
           </p:nvPr>
         </p:nvSpPr>
-        <p:spPr>
-          <a:xfrm>
-            <a:off x="984002" y="146760"/>
-            <a:ext cx="10058400" cy="1450757"/>
-          </a:xfrm>
-        </p:spPr>
+        <p:spPr/>
         <p:txBody>
           <a:bodyPr/>
           <a:lstStyle/>
@@ -6001,8 +5357,12 @@
               <a:rPr lang="es-CL" dirty="0" smtClean="0"/>
               <a:t>Patrones</a:t>
             </a:r>
+            <a:r>
+              <a:rPr lang="es-CL" dirty="0"/>
+              <a:t/>
+            </a:r>
             <a:br>
-              <a:rPr lang="es-CL" dirty="0" smtClean="0"/>
+              <a:rPr lang="es-CL" dirty="0"/>
             </a:br>
             <a:r>
               <a:rPr lang="es-CL" sz="2000" dirty="0" smtClean="0">
@@ -6020,520 +5380,151 @@
           </a:p>
         </p:txBody>
       </p:sp>
-      <p:pic>
-        <p:nvPicPr>
-          <p:cNvPr id="5" name="Imagen 4"/>
-          <p:cNvPicPr>
-            <a:picLocks noChangeAspect="1"/>
-          </p:cNvPicPr>
+      <p:sp>
+        <p:nvSpPr>
+          <p:cNvPr id="3" name="Marcador de contenido 2"/>
+          <p:cNvSpPr>
+            <a:spLocks noGrp="1"/>
+          </p:cNvSpPr>
+          <p:nvPr>
+            <p:ph idx="1"/>
+          </p:nvPr>
+        </p:nvSpPr>
+        <p:spPr/>
+        <p:txBody>
+          <a:bodyPr>
+            <a:normAutofit lnSpcReduction="10000"/>
+          </a:bodyPr>
+          <a:lstStyle/>
+          <a:p>
+            <a:pPr>
+              <a:buFont typeface="Arial" panose="020B0604020202020204" pitchFamily="34" charset="0"/>
+              <a:buChar char="•"/>
+            </a:pPr>
+            <a:r>
+              <a:rPr lang="es-CL" dirty="0" smtClean="0"/>
+              <a:t>  En el cruce de todos los grupos con todos, ninguno paso a 100% los test de proporciones.</a:t>
+            </a:r>
+          </a:p>
+          <a:p>
+            <a:pPr>
+              <a:buFont typeface="Arial" panose="020B0604020202020204" pitchFamily="34" charset="0"/>
+              <a:buChar char="•"/>
+            </a:pPr>
+            <a:r>
+              <a:rPr lang="es-CL" dirty="0"/>
+              <a:t> </a:t>
+            </a:r>
+            <a:r>
+              <a:rPr lang="es-CL" dirty="0" smtClean="0"/>
+              <a:t> Notamos que el grupo 4 - 5 tiene todas las relaciones parecidas, con excepción las que provienen del nutricionista.</a:t>
+            </a:r>
+          </a:p>
+          <a:p>
+            <a:pPr>
+              <a:buFont typeface="Arial" panose="020B0604020202020204" pitchFamily="34" charset="0"/>
+              <a:buChar char="•"/>
+            </a:pPr>
+            <a:endParaRPr lang="es-CL" dirty="0"/>
+          </a:p>
+          <a:p>
+            <a:pPr marL="0" indent="0">
+              <a:buNone/>
+            </a:pPr>
+            <a:r>
+              <a:rPr lang="es-CL" dirty="0" smtClean="0"/>
+              <a:t> 		Relación :</a:t>
+            </a:r>
+          </a:p>
+          <a:p>
+            <a:pPr marL="0" indent="0">
+              <a:buNone/>
+            </a:pPr>
+            <a:r>
+              <a:rPr lang="es-CL" dirty="0"/>
+              <a:t>	</a:t>
+            </a:r>
+            <a:r>
+              <a:rPr lang="es-CL" dirty="0" smtClean="0"/>
+              <a:t>		</a:t>
+            </a:r>
+          </a:p>
+          <a:p>
+            <a:pPr marL="0" indent="0">
+              <a:buNone/>
+            </a:pPr>
+            <a:r>
+              <a:rPr lang="es-CL" dirty="0"/>
+              <a:t>	</a:t>
+            </a:r>
+            <a:r>
+              <a:rPr lang="es-CL" dirty="0" smtClean="0"/>
+              <a:t>		                        </a:t>
+            </a:r>
+            <a:r>
+              <a:rPr lang="es-CL" sz="4800" dirty="0" smtClean="0"/>
+              <a:t>N        X</a:t>
+            </a:r>
+          </a:p>
+          <a:p>
+            <a:pPr marL="0" indent="0">
+              <a:buNone/>
+            </a:pPr>
+            <a:endParaRPr lang="es-CL" dirty="0"/>
+          </a:p>
+          <a:p>
+            <a:pPr marL="0" indent="0">
+              <a:buNone/>
+            </a:pPr>
+            <a:r>
+              <a:rPr lang="es-CL" dirty="0" smtClean="0"/>
+              <a:t>Con X enfermera, médico o @</a:t>
+            </a:r>
+            <a:r>
+              <a:rPr lang="es-CL" dirty="0" err="1" smtClean="0"/>
+              <a:t>End</a:t>
+            </a:r>
+            <a:endParaRPr lang="es-CL" dirty="0"/>
+          </a:p>
+        </p:txBody>
+      </p:sp>
+      <p:cxnSp>
+        <p:nvCxnSpPr>
+          <p:cNvPr id="14" name="Conector recto de flecha 13"/>
+          <p:cNvCxnSpPr/>
           <p:nvPr/>
-        </p:nvPicPr>
-        <p:blipFill rotWithShape="1">
-          <a:blip r:embed="rId3"/>
-          <a:srcRect l="7763" t="17490" r="59511" b="40159"/>
-          <a:stretch/>
-        </p:blipFill>
+        </p:nvCxnSpPr>
         <p:spPr>
           <a:xfrm>
-            <a:off x="1033139" y="2014480"/>
-            <a:ext cx="2845613" cy="2070365"/>
+            <a:off x="5967662" y="4475746"/>
+            <a:ext cx="449180" cy="0"/>
           </a:xfrm>
-          <a:prstGeom prst="rect">
+          <a:prstGeom prst="straightConnector1">
             <a:avLst/>
           </a:prstGeom>
-        </p:spPr>
-      </p:pic>
-      <p:pic>
-        <p:nvPicPr>
-          <p:cNvPr id="6" name="Imagen 5"/>
-          <p:cNvPicPr>
-            <a:picLocks noChangeAspect="1"/>
-          </p:cNvPicPr>
-          <p:nvPr/>
-        </p:nvPicPr>
-        <p:blipFill rotWithShape="1">
-          <a:blip r:embed="rId4"/>
-          <a:srcRect l="6819" t="27379" r="58042" b="28218"/>
-          <a:stretch/>
-        </p:blipFill>
-        <p:spPr>
-          <a:xfrm>
-            <a:off x="4550399" y="3966497"/>
-            <a:ext cx="3067851" cy="2179548"/>
-          </a:xfrm>
-          <a:prstGeom prst="rect">
-            <a:avLst/>
-          </a:prstGeom>
-        </p:spPr>
-      </p:pic>
-      <p:pic>
-        <p:nvPicPr>
-          <p:cNvPr id="7" name="Imagen 6"/>
-          <p:cNvPicPr>
-            <a:picLocks noChangeAspect="1"/>
-          </p:cNvPicPr>
-          <p:nvPr/>
-        </p:nvPicPr>
-        <p:blipFill rotWithShape="1">
-          <a:blip r:embed="rId5"/>
-          <a:srcRect l="7868" t="28498" r="60035" b="30644"/>
-          <a:stretch/>
-        </p:blipFill>
-        <p:spPr>
-          <a:xfrm>
-            <a:off x="8229133" y="2030105"/>
-            <a:ext cx="2892839" cy="2070365"/>
-          </a:xfrm>
-          <a:prstGeom prst="rect">
-            <a:avLst/>
-          </a:prstGeom>
-        </p:spPr>
-      </p:pic>
-      <p:pic>
-        <p:nvPicPr>
-          <p:cNvPr id="8" name="Imagen 7"/>
-          <p:cNvPicPr>
-            <a:picLocks noChangeAspect="1"/>
-          </p:cNvPicPr>
-          <p:nvPr/>
-        </p:nvPicPr>
-        <p:blipFill rotWithShape="1">
-          <a:blip r:embed="rId6"/>
-          <a:srcRect l="7344" t="28498" r="62447" b="33255"/>
-          <a:stretch/>
-        </p:blipFill>
-        <p:spPr>
-          <a:xfrm>
-            <a:off x="4644990" y="1967667"/>
-            <a:ext cx="2847256" cy="2026692"/>
-          </a:xfrm>
-          <a:prstGeom prst="rect">
-            <a:avLst/>
-          </a:prstGeom>
-        </p:spPr>
-      </p:pic>
-      <p:pic>
-        <p:nvPicPr>
-          <p:cNvPr id="9" name="Imagen 8"/>
-          <p:cNvPicPr>
-            <a:picLocks noChangeAspect="1"/>
-          </p:cNvPicPr>
-          <p:nvPr/>
-        </p:nvPicPr>
-        <p:blipFill rotWithShape="1">
-          <a:blip r:embed="rId7"/>
-          <a:srcRect l="7553" t="32043" r="62133" b="26726"/>
-          <a:stretch/>
-        </p:blipFill>
-        <p:spPr>
-          <a:xfrm>
-            <a:off x="8242951" y="4006075"/>
-            <a:ext cx="2629178" cy="2010548"/>
-          </a:xfrm>
-          <a:prstGeom prst="rect">
-            <a:avLst/>
-          </a:prstGeom>
-        </p:spPr>
-      </p:pic>
-      <p:pic>
-        <p:nvPicPr>
-          <p:cNvPr id="10" name="Imagen 9"/>
-          <p:cNvPicPr>
-            <a:picLocks noChangeAspect="1"/>
-          </p:cNvPicPr>
-          <p:nvPr/>
-        </p:nvPicPr>
-        <p:blipFill rotWithShape="1">
-          <a:blip r:embed="rId8"/>
-          <a:srcRect l="3357" t="31856" r="60664" b="17211"/>
-          <a:stretch/>
-        </p:blipFill>
-        <p:spPr>
-          <a:xfrm>
-            <a:off x="1291787" y="4198192"/>
-            <a:ext cx="2456597" cy="1955251"/>
-          </a:xfrm>
-          <a:prstGeom prst="rect">
-            <a:avLst/>
-          </a:prstGeom>
-        </p:spPr>
-      </p:pic>
-      <p:sp>
-        <p:nvSpPr>
-          <p:cNvPr id="11" name="Rectángulo redondeado 10"/>
-          <p:cNvSpPr/>
-          <p:nvPr/>
-        </p:nvSpPr>
-        <p:spPr>
-          <a:xfrm>
-            <a:off x="982639" y="1901133"/>
-            <a:ext cx="2960253" cy="4209885"/>
-          </a:xfrm>
-          <a:prstGeom prst="roundRect">
-            <a:avLst/>
-          </a:prstGeom>
-          <a:noFill/>
           <a:ln>
-            <a:solidFill>
-              <a:srgbClr val="FF0000"/>
-            </a:solidFill>
+            <a:tailEnd type="triangle"/>
           </a:ln>
         </p:spPr>
         <p:style>
-          <a:lnRef idx="2">
-            <a:schemeClr val="accent6"/>
+          <a:lnRef idx="1">
+            <a:schemeClr val="accent1"/>
           </a:lnRef>
-          <a:fillRef idx="1">
-            <a:schemeClr val="lt1"/>
-          </a:fillRef>
-          <a:effectRef idx="0">
-            <a:schemeClr val="accent6"/>
-          </a:effectRef>
-          <a:fontRef idx="minor">
-            <a:schemeClr val="dk1"/>
-          </a:fontRef>
-        </p:style>
-        <p:txBody>
-          <a:bodyPr rtlCol="0" anchor="ctr"/>
-          <a:lstStyle/>
-          <a:p>
-            <a:pPr algn="ctr"/>
-            <a:endParaRPr lang="es-CL"/>
-          </a:p>
-        </p:txBody>
-      </p:sp>
-      <p:sp>
-        <p:nvSpPr>
-          <p:cNvPr id="12" name="Rectángulo redondeado 11"/>
-          <p:cNvSpPr/>
-          <p:nvPr/>
-        </p:nvSpPr>
-        <p:spPr>
-          <a:xfrm>
-            <a:off x="4533076" y="1861555"/>
-            <a:ext cx="2960253" cy="4209885"/>
-          </a:xfrm>
-          <a:prstGeom prst="roundRect">
-            <a:avLst/>
-          </a:prstGeom>
-          <a:noFill/>
-          <a:ln>
-            <a:solidFill>
-              <a:srgbClr val="FF0000"/>
-            </a:solidFill>
-          </a:ln>
-        </p:spPr>
-        <p:style>
-          <a:lnRef idx="2">
-            <a:schemeClr val="accent6"/>
-          </a:lnRef>
-          <a:fillRef idx="1">
-            <a:schemeClr val="lt1"/>
-          </a:fillRef>
-          <a:effectRef idx="0">
-            <a:schemeClr val="accent6"/>
-          </a:effectRef>
-          <a:fontRef idx="minor">
-            <a:schemeClr val="dk1"/>
-          </a:fontRef>
-        </p:style>
-        <p:txBody>
-          <a:bodyPr rtlCol="0" anchor="ctr"/>
-          <a:lstStyle/>
-          <a:p>
-            <a:pPr algn="ctr"/>
-            <a:endParaRPr lang="es-CL"/>
-          </a:p>
-        </p:txBody>
-      </p:sp>
-      <p:sp>
-        <p:nvSpPr>
-          <p:cNvPr id="13" name="Rectángulo redondeado 12"/>
-          <p:cNvSpPr/>
-          <p:nvPr/>
-        </p:nvSpPr>
-        <p:spPr>
-          <a:xfrm>
-            <a:off x="8195427" y="1861555"/>
-            <a:ext cx="2960253" cy="4209885"/>
-          </a:xfrm>
-          <a:prstGeom prst="roundRect">
-            <a:avLst/>
-          </a:prstGeom>
-          <a:noFill/>
-          <a:ln>
-            <a:solidFill>
-              <a:srgbClr val="FF0000"/>
-            </a:solidFill>
-          </a:ln>
-        </p:spPr>
-        <p:style>
-          <a:lnRef idx="2">
-            <a:schemeClr val="accent6"/>
-          </a:lnRef>
-          <a:fillRef idx="1">
-            <a:schemeClr val="lt1"/>
-          </a:fillRef>
-          <a:effectRef idx="0">
-            <a:schemeClr val="accent6"/>
-          </a:effectRef>
-          <a:fontRef idx="minor">
-            <a:schemeClr val="dk1"/>
-          </a:fontRef>
-        </p:style>
-        <p:txBody>
-          <a:bodyPr rtlCol="0" anchor="ctr"/>
-          <a:lstStyle/>
-          <a:p>
-            <a:pPr algn="ctr"/>
-            <a:endParaRPr lang="es-CL"/>
-          </a:p>
-        </p:txBody>
-      </p:sp>
-      <p:sp>
-        <p:nvSpPr>
-          <p:cNvPr id="21" name="Multiplicar 20"/>
-          <p:cNvSpPr/>
-          <p:nvPr/>
-        </p:nvSpPr>
-        <p:spPr>
-          <a:xfrm>
-            <a:off x="1226931" y="1772266"/>
-            <a:ext cx="2586307" cy="2554792"/>
-          </a:xfrm>
-          <a:prstGeom prst="mathMultiply">
-            <a:avLst/>
-          </a:prstGeom>
-        </p:spPr>
-        <p:style>
-          <a:lnRef idx="2">
-            <a:schemeClr val="accent1">
-              <a:shade val="50000"/>
-            </a:schemeClr>
-          </a:lnRef>
-          <a:fillRef idx="1">
+          <a:fillRef idx="0">
             <a:schemeClr val="accent1"/>
           </a:fillRef>
           <a:effectRef idx="0">
             <a:schemeClr val="accent1"/>
           </a:effectRef>
           <a:fontRef idx="minor">
-            <a:schemeClr val="lt1"/>
+            <a:schemeClr val="tx1"/>
           </a:fontRef>
         </p:style>
-        <p:txBody>
-          <a:bodyPr rtlCol="0" anchor="ctr"/>
-          <a:lstStyle/>
-          <a:p>
-            <a:pPr algn="ctr"/>
-            <a:endParaRPr lang="es-CL"/>
-          </a:p>
-        </p:txBody>
-      </p:sp>
-      <p:sp>
-        <p:nvSpPr>
-          <p:cNvPr id="22" name="Multiplicar 21"/>
-          <p:cNvSpPr/>
-          <p:nvPr/>
-        </p:nvSpPr>
-        <p:spPr>
-          <a:xfrm>
-            <a:off x="1169611" y="3733953"/>
-            <a:ext cx="2586307" cy="2554792"/>
-          </a:xfrm>
-          <a:prstGeom prst="mathMultiply">
-            <a:avLst/>
-          </a:prstGeom>
-        </p:spPr>
-        <p:style>
-          <a:lnRef idx="2">
-            <a:schemeClr val="accent1">
-              <a:shade val="50000"/>
-            </a:schemeClr>
-          </a:lnRef>
-          <a:fillRef idx="1">
-            <a:schemeClr val="accent1"/>
-          </a:fillRef>
-          <a:effectRef idx="0">
-            <a:schemeClr val="accent1"/>
-          </a:effectRef>
-          <a:fontRef idx="minor">
-            <a:schemeClr val="lt1"/>
-          </a:fontRef>
-        </p:style>
-        <p:txBody>
-          <a:bodyPr rtlCol="0" anchor="ctr"/>
-          <a:lstStyle/>
-          <a:p>
-            <a:pPr algn="ctr"/>
-            <a:endParaRPr lang="es-CL"/>
-          </a:p>
-        </p:txBody>
-      </p:sp>
-      <p:sp>
-        <p:nvSpPr>
-          <p:cNvPr id="14" name="Multiplicar 13"/>
-          <p:cNvSpPr/>
-          <p:nvPr/>
-        </p:nvSpPr>
-        <p:spPr>
-          <a:xfrm>
-            <a:off x="4791170" y="1786950"/>
-            <a:ext cx="2586307" cy="2554792"/>
-          </a:xfrm>
-          <a:prstGeom prst="mathMultiply">
-            <a:avLst/>
-          </a:prstGeom>
-        </p:spPr>
-        <p:style>
-          <a:lnRef idx="2">
-            <a:schemeClr val="accent1">
-              <a:shade val="50000"/>
-            </a:schemeClr>
-          </a:lnRef>
-          <a:fillRef idx="1">
-            <a:schemeClr val="accent1"/>
-          </a:fillRef>
-          <a:effectRef idx="0">
-            <a:schemeClr val="accent1"/>
-          </a:effectRef>
-          <a:fontRef idx="minor">
-            <a:schemeClr val="lt1"/>
-          </a:fontRef>
-        </p:style>
-        <p:txBody>
-          <a:bodyPr rtlCol="0" anchor="ctr"/>
-          <a:lstStyle/>
-          <a:p>
-            <a:pPr algn="ctr"/>
-            <a:endParaRPr lang="es-CL"/>
-          </a:p>
-        </p:txBody>
-      </p:sp>
-      <p:sp>
-        <p:nvSpPr>
-          <p:cNvPr id="15" name="Multiplicar 14"/>
-          <p:cNvSpPr/>
-          <p:nvPr/>
-        </p:nvSpPr>
-        <p:spPr>
-          <a:xfrm>
-            <a:off x="4790087" y="3755504"/>
-            <a:ext cx="2586307" cy="2554792"/>
-          </a:xfrm>
-          <a:prstGeom prst="mathMultiply">
-            <a:avLst/>
-          </a:prstGeom>
-        </p:spPr>
-        <p:style>
-          <a:lnRef idx="2">
-            <a:schemeClr val="accent1">
-              <a:shade val="50000"/>
-            </a:schemeClr>
-          </a:lnRef>
-          <a:fillRef idx="1">
-            <a:schemeClr val="accent1"/>
-          </a:fillRef>
-          <a:effectRef idx="0">
-            <a:schemeClr val="accent1"/>
-          </a:effectRef>
-          <a:fontRef idx="minor">
-            <a:schemeClr val="lt1"/>
-          </a:fontRef>
-        </p:style>
-        <p:txBody>
-          <a:bodyPr rtlCol="0" anchor="ctr"/>
-          <a:lstStyle/>
-          <a:p>
-            <a:pPr algn="ctr"/>
-            <a:endParaRPr lang="es-CL"/>
-          </a:p>
-        </p:txBody>
-      </p:sp>
-      <p:sp>
-        <p:nvSpPr>
-          <p:cNvPr id="16" name="Multiplicar 15"/>
-          <p:cNvSpPr/>
-          <p:nvPr/>
-        </p:nvSpPr>
-        <p:spPr>
-          <a:xfrm>
-            <a:off x="8382398" y="1786950"/>
-            <a:ext cx="2586307" cy="2554792"/>
-          </a:xfrm>
-          <a:prstGeom prst="mathMultiply">
-            <a:avLst/>
-          </a:prstGeom>
-        </p:spPr>
-        <p:style>
-          <a:lnRef idx="2">
-            <a:schemeClr val="accent1">
-              <a:shade val="50000"/>
-            </a:schemeClr>
-          </a:lnRef>
-          <a:fillRef idx="1">
-            <a:schemeClr val="accent1"/>
-          </a:fillRef>
-          <a:effectRef idx="0">
-            <a:schemeClr val="accent1"/>
-          </a:effectRef>
-          <a:fontRef idx="minor">
-            <a:schemeClr val="lt1"/>
-          </a:fontRef>
-        </p:style>
-        <p:txBody>
-          <a:bodyPr rtlCol="0" anchor="ctr"/>
-          <a:lstStyle/>
-          <a:p>
-            <a:pPr algn="ctr"/>
-            <a:endParaRPr lang="es-CL"/>
-          </a:p>
-        </p:txBody>
-      </p:sp>
-      <p:sp>
-        <p:nvSpPr>
-          <p:cNvPr id="17" name="Multiplicar 16"/>
-          <p:cNvSpPr/>
-          <p:nvPr/>
-        </p:nvSpPr>
-        <p:spPr>
-          <a:xfrm>
-            <a:off x="8441883" y="3748605"/>
-            <a:ext cx="2586307" cy="2554792"/>
-          </a:xfrm>
-          <a:prstGeom prst="mathMultiply">
-            <a:avLst/>
-          </a:prstGeom>
-        </p:spPr>
-        <p:style>
-          <a:lnRef idx="2">
-            <a:schemeClr val="accent1">
-              <a:shade val="50000"/>
-            </a:schemeClr>
-          </a:lnRef>
-          <a:fillRef idx="1">
-            <a:schemeClr val="accent1"/>
-          </a:fillRef>
-          <a:effectRef idx="0">
-            <a:schemeClr val="accent1"/>
-          </a:effectRef>
-          <a:fontRef idx="minor">
-            <a:schemeClr val="lt1"/>
-          </a:fontRef>
-        </p:style>
-        <p:txBody>
-          <a:bodyPr rtlCol="0" anchor="ctr"/>
-          <a:lstStyle/>
-          <a:p>
-            <a:pPr algn="ctr"/>
-            <a:endParaRPr lang="es-CL"/>
-          </a:p>
-        </p:txBody>
-      </p:sp>
+      </p:cxnSp>
     </p:spTree>
     <p:extLst>
       <p:ext uri="{BB962C8B-B14F-4D97-AF65-F5344CB8AC3E}">
-        <p14:creationId xmlns:p14="http://schemas.microsoft.com/office/powerpoint/2010/main" val="3420206497"/>
+        <p14:creationId xmlns:p14="http://schemas.microsoft.com/office/powerpoint/2010/main" val="267140976"/>
       </p:ext>
     </p:extLst>
   </p:cSld>
@@ -6577,83 +5568,51 @@
             <p:ph type="title"/>
           </p:nvPr>
         </p:nvSpPr>
-        <p:spPr/>
-        <p:txBody>
-          <a:bodyPr/>
-          <a:lstStyle/>
-          <a:p>
-            <a:r>
-              <a:rPr lang="es-CL" dirty="0" smtClean="0"/>
-              <a:t>Conclusión</a:t>
-            </a:r>
-            <a:br>
-              <a:rPr lang="es-CL" dirty="0" smtClean="0"/>
-            </a:br>
-            <a:r>
-              <a:rPr lang="es-CL" sz="2000" dirty="0" smtClean="0">
-                <a:solidFill>
-                  <a:srgbClr val="0070C0"/>
-                </a:solidFill>
-              </a:rPr>
-              <a:t>Palia</a:t>
-            </a:r>
-            <a:endParaRPr lang="es-CL" dirty="0">
-              <a:solidFill>
-                <a:srgbClr val="0070C0"/>
-              </a:solidFill>
-            </a:endParaRPr>
-          </a:p>
-        </p:txBody>
-      </p:sp>
-      <p:sp>
-        <p:nvSpPr>
-          <p:cNvPr id="5" name="Marcador de contenido 4"/>
-          <p:cNvSpPr>
-            <a:spLocks noGrp="1"/>
-          </p:cNvSpPr>
-          <p:nvPr>
-            <p:ph idx="1"/>
-          </p:nvPr>
-        </p:nvSpPr>
         <p:spPr>
           <a:xfrm>
-            <a:off x="1097280" y="1737360"/>
-            <a:ext cx="10058400" cy="4023360"/>
+            <a:off x="1177489" y="270561"/>
+            <a:ext cx="10058400" cy="1450757"/>
           </a:xfrm>
         </p:spPr>
         <p:txBody>
-          <a:bodyPr>
-            <a:normAutofit/>
-          </a:bodyPr>
-          <a:lstStyle/>
-          <a:p>
-            <a:pPr marL="201168" lvl="1" indent="0">
-              <a:buNone/>
-            </a:pPr>
-            <a:endParaRPr lang="es-CL" sz="3000" dirty="0" smtClean="0"/>
-          </a:p>
-          <a:p>
-            <a:pPr lvl="1"/>
-            <a:endParaRPr lang="es-CL" sz="3000" dirty="0"/>
-          </a:p>
-          <a:p>
-            <a:pPr lvl="1"/>
-            <a:endParaRPr lang="es-CL" sz="3000" dirty="0" smtClean="0"/>
-          </a:p>
-          <a:p>
-            <a:pPr lvl="1"/>
-            <a:r>
-              <a:rPr lang="es-CL" sz="3000" dirty="0" smtClean="0"/>
-              <a:t>Nos quedaremos con los 9 grupos propuestos por Palia para el desarrollo de este trabajo. </a:t>
-            </a:r>
-            <a:endParaRPr lang="es-CL" sz="3000" dirty="0"/>
-          </a:p>
-        </p:txBody>
-      </p:sp>
+          <a:bodyPr/>
+          <a:lstStyle/>
+          <a:p>
+            <a:r>
+              <a:rPr lang="es-CL" dirty="0" smtClean="0"/>
+              <a:t>Grupos 4 - 5</a:t>
+            </a:r>
+            <a:endParaRPr lang="es-CL" dirty="0"/>
+          </a:p>
+        </p:txBody>
+      </p:sp>
+      <p:pic>
+        <p:nvPicPr>
+          <p:cNvPr id="3" name="Imagen 2"/>
+          <p:cNvPicPr>
+            <a:picLocks noChangeAspect="1"/>
+          </p:cNvPicPr>
+          <p:nvPr/>
+        </p:nvPicPr>
+        <p:blipFill rotWithShape="1">
+          <a:blip r:embed="rId2"/>
+          <a:srcRect l="5861" t="38871" r="24971" b="29770"/>
+          <a:stretch/>
+        </p:blipFill>
+        <p:spPr>
+          <a:xfrm>
+            <a:off x="668461" y="2342146"/>
+            <a:ext cx="11076455" cy="3128212"/>
+          </a:xfrm>
+          <a:prstGeom prst="rect">
+            <a:avLst/>
+          </a:prstGeom>
+        </p:spPr>
+      </p:pic>
     </p:spTree>
     <p:extLst>
       <p:ext uri="{BB962C8B-B14F-4D97-AF65-F5344CB8AC3E}">
-        <p14:creationId xmlns:p14="http://schemas.microsoft.com/office/powerpoint/2010/main" val="667444613"/>
+        <p14:creationId xmlns:p14="http://schemas.microsoft.com/office/powerpoint/2010/main" val="4007790779"/>
       </p:ext>
     </p:extLst>
   </p:cSld>
@@ -6694,200 +5653,40 @@
             <a:spLocks noGrp="1"/>
           </p:cNvSpPr>
           <p:nvPr>
-            <p:ph type="title"/>
-          </p:nvPr>
-        </p:nvSpPr>
-        <p:spPr/>
-        <p:txBody>
-          <a:bodyPr/>
-          <a:lstStyle/>
-          <a:p>
-            <a:r>
-              <a:rPr lang="es-CL" dirty="0" smtClean="0"/>
-              <a:t>Patrones</a:t>
-            </a:r>
-            <a:endParaRPr lang="es-CL" sz="4400" dirty="0">
-              <a:solidFill>
-                <a:srgbClr val="0070C0"/>
-              </a:solidFill>
-            </a:endParaRPr>
-          </a:p>
-        </p:txBody>
-      </p:sp>
-      <p:pic>
-        <p:nvPicPr>
-          <p:cNvPr id="5" name="Imagen 4"/>
-          <p:cNvPicPr>
-            <a:picLocks noChangeAspect="1"/>
-          </p:cNvPicPr>
-          <p:nvPr/>
-        </p:nvPicPr>
-        <p:blipFill rotWithShape="1">
-          <a:blip r:embed="rId2"/>
-          <a:srcRect l="31259" t="39879" r="33288" b="38666"/>
-          <a:stretch/>
-        </p:blipFill>
+            <p:ph type="title" idx="4294967295"/>
+          </p:nvPr>
+        </p:nvSpPr>
         <p:spPr>
           <a:xfrm>
-            <a:off x="921146" y="1997846"/>
-            <a:ext cx="4359587" cy="1483291"/>
+            <a:off x="1171074" y="1321052"/>
+            <a:ext cx="10058400" cy="3565525"/>
           </a:xfrm>
-          <a:prstGeom prst="rect">
-            <a:avLst/>
-          </a:prstGeom>
         </p:spPr>
-      </p:pic>
-      <p:pic>
-        <p:nvPicPr>
-          <p:cNvPr id="4" name="Imagen 3"/>
-          <p:cNvPicPr>
-            <a:picLocks noChangeAspect="1"/>
-          </p:cNvPicPr>
-          <p:nvPr/>
-        </p:nvPicPr>
-        <p:blipFill rotWithShape="1">
-          <a:blip r:embed="rId3"/>
-          <a:srcRect l="8244" t="42500" r="62240" b="25000"/>
-          <a:stretch/>
-        </p:blipFill>
-        <p:spPr>
-          <a:xfrm>
-            <a:off x="1241659" y="3729393"/>
-            <a:ext cx="4193866" cy="2344842"/>
-          </a:xfrm>
-          <a:prstGeom prst="rect">
-            <a:avLst/>
-          </a:prstGeom>
-        </p:spPr>
-      </p:pic>
-      <p:pic>
-        <p:nvPicPr>
-          <p:cNvPr id="6" name="Imagen 5"/>
-          <p:cNvPicPr>
-            <a:picLocks noChangeAspect="1"/>
-          </p:cNvPicPr>
-          <p:nvPr/>
-        </p:nvPicPr>
-        <p:blipFill rotWithShape="1">
-          <a:blip r:embed="rId4"/>
-          <a:srcRect l="31488" t="23823" r="32448" b="33443"/>
-          <a:stretch/>
-        </p:blipFill>
-        <p:spPr>
-          <a:xfrm>
-            <a:off x="5741469" y="2185496"/>
-            <a:ext cx="5130702" cy="3418102"/>
-          </a:xfrm>
-          <a:prstGeom prst="rect">
-            <a:avLst/>
-          </a:prstGeom>
-        </p:spPr>
-      </p:pic>
-      <p:sp>
-        <p:nvSpPr>
-          <p:cNvPr id="3" name="CuadroTexto 2"/>
-          <p:cNvSpPr txBox="1"/>
-          <p:nvPr/>
-        </p:nvSpPr>
-        <p:spPr>
-          <a:xfrm>
-            <a:off x="1241659" y="2185496"/>
-            <a:ext cx="282341" cy="369332"/>
-          </a:xfrm>
-          <a:prstGeom prst="rect">
-            <a:avLst/>
-          </a:prstGeom>
-          <a:noFill/>
-        </p:spPr>
-        <p:txBody>
-          <a:bodyPr wrap="square" rtlCol="0">
-            <a:spAutoFit/>
+        <p:txBody>
+          <a:bodyPr>
+            <a:normAutofit/>
           </a:bodyPr>
           <a:lstStyle/>
           <a:p>
-            <a:r>
-              <a:rPr lang="es-CL" dirty="0" smtClean="0"/>
-              <a:t>1</a:t>
-            </a:r>
-            <a:endParaRPr lang="es-CL" dirty="0"/>
-          </a:p>
-        </p:txBody>
-      </p:sp>
-      <p:sp>
-        <p:nvSpPr>
-          <p:cNvPr id="7" name="CuadroTexto 6"/>
-          <p:cNvSpPr txBox="1"/>
-          <p:nvPr/>
-        </p:nvSpPr>
-        <p:spPr>
-          <a:xfrm>
-            <a:off x="1241659" y="3668787"/>
-            <a:ext cx="258278" cy="369332"/>
-          </a:xfrm>
-          <a:prstGeom prst="rect">
-            <a:avLst/>
-          </a:prstGeom>
-          <a:noFill/>
-        </p:spPr>
-        <p:txBody>
-          <a:bodyPr wrap="square" rtlCol="0">
-            <a:spAutoFit/>
-          </a:bodyPr>
-          <a:lstStyle/>
-          <a:p>
-            <a:r>
-              <a:rPr lang="es-CL" dirty="0"/>
-              <a:t>2</a:t>
-            </a:r>
-          </a:p>
-        </p:txBody>
-      </p:sp>
-      <p:sp>
-        <p:nvSpPr>
-          <p:cNvPr id="8" name="CuadroTexto 7"/>
-          <p:cNvSpPr txBox="1"/>
-          <p:nvPr/>
-        </p:nvSpPr>
-        <p:spPr>
-          <a:xfrm>
-            <a:off x="6142522" y="2364044"/>
-            <a:ext cx="282341" cy="369332"/>
-          </a:xfrm>
-          <a:prstGeom prst="rect">
-            <a:avLst/>
-          </a:prstGeom>
-          <a:noFill/>
-        </p:spPr>
-        <p:txBody>
-          <a:bodyPr wrap="square" rtlCol="0">
-            <a:spAutoFit/>
-          </a:bodyPr>
-          <a:lstStyle/>
-          <a:p>
-            <a:r>
-              <a:rPr lang="es-CL" dirty="0"/>
-              <a:t>3</a:t>
-            </a:r>
+            <a:pPr algn="ctr"/>
+            <a:r>
+              <a:rPr lang="es-CL" sz="7200" dirty="0" smtClean="0"/>
+              <a:t>¿Es efectivamente significante el Nutricionista en estos grupos?</a:t>
+            </a:r>
+            <a:endParaRPr lang="es-CL" sz="7200" dirty="0"/>
           </a:p>
         </p:txBody>
       </p:sp>
     </p:spTree>
     <p:extLst>
       <p:ext uri="{BB962C8B-B14F-4D97-AF65-F5344CB8AC3E}">
-        <p14:creationId xmlns:p14="http://schemas.microsoft.com/office/powerpoint/2010/main" val="3118635631"/>
+        <p14:creationId xmlns:p14="http://schemas.microsoft.com/office/powerpoint/2010/main" val="1985297845"/>
       </p:ext>
     </p:extLst>
   </p:cSld>
   <p:clrMapOvr>
     <a:masterClrMapping/>
   </p:clrMapOvr>
-  <p:timing>
-    <p:tnLst>
-      <p:par>
-        <p:cTn id="1" dur="indefinite" restart="never" nodeType="tmRoot"/>
-      </p:par>
-    </p:tnLst>
-  </p:timing>
 </p:sld>
 </file>
 
@@ -6908,357 +5707,328 @@
           <a:chExt cx="0" cy="0"/>
         </a:xfrm>
       </p:grpSpPr>
-      <p:sp>
-        <p:nvSpPr>
-          <p:cNvPr id="2" name="Título 1"/>
-          <p:cNvSpPr>
-            <a:spLocks noGrp="1"/>
-          </p:cNvSpPr>
-          <p:nvPr>
-            <p:ph type="title"/>
-          </p:nvPr>
-        </p:nvSpPr>
-        <p:spPr>
-          <a:xfrm>
-            <a:off x="1097278" y="841955"/>
-            <a:ext cx="10058400" cy="1450757"/>
-          </a:xfrm>
-        </p:spPr>
-        <p:txBody>
-          <a:bodyPr/>
-          <a:lstStyle/>
-          <a:p>
-            <a:r>
-              <a:rPr lang="es-CL" dirty="0" smtClean="0"/>
-              <a:t>Patrones</a:t>
-            </a:r>
-            <a:br>
-              <a:rPr lang="es-CL" dirty="0" smtClean="0"/>
-            </a:br>
-            <a:endParaRPr lang="es-CL" dirty="0">
-              <a:solidFill>
-                <a:srgbClr val="0070C0"/>
-              </a:solidFill>
-            </a:endParaRPr>
-          </a:p>
-        </p:txBody>
-      </p:sp>
       <p:pic>
         <p:nvPicPr>
-          <p:cNvPr id="5" name="Imagen 4"/>
+          <p:cNvPr id="2" name="Imagen 1"/>
           <p:cNvPicPr>
             <a:picLocks noChangeAspect="1"/>
           </p:cNvPicPr>
           <p:nvPr/>
         </p:nvPicPr>
         <p:blipFill rotWithShape="1">
-          <a:blip r:embed="rId3"/>
-          <a:srcRect l="7763" t="17490" r="59511" b="40159"/>
+          <a:blip r:embed="rId2"/>
+          <a:srcRect l="6477" t="28783" r="42232" b="32401"/>
           <a:stretch/>
         </p:blipFill>
         <p:spPr>
           <a:xfrm>
-            <a:off x="1097278" y="2014480"/>
-            <a:ext cx="2845613" cy="2070365"/>
+            <a:off x="1451249" y="1925053"/>
+            <a:ext cx="9350462" cy="3978442"/>
           </a:xfrm>
           <a:prstGeom prst="rect">
             <a:avLst/>
           </a:prstGeom>
         </p:spPr>
       </p:pic>
-      <p:pic>
-        <p:nvPicPr>
-          <p:cNvPr id="6" name="Imagen 5"/>
-          <p:cNvPicPr>
-            <a:picLocks noChangeAspect="1"/>
-          </p:cNvPicPr>
-          <p:nvPr/>
-        </p:nvPicPr>
-        <p:blipFill rotWithShape="1">
-          <a:blip r:embed="rId4"/>
-          <a:srcRect l="6819" t="27379" r="58042" b="28218"/>
-          <a:stretch/>
-        </p:blipFill>
-        <p:spPr>
-          <a:xfrm>
-            <a:off x="4550399" y="3966497"/>
-            <a:ext cx="3067851" cy="2179548"/>
-          </a:xfrm>
-          <a:prstGeom prst="rect">
-            <a:avLst/>
-          </a:prstGeom>
-        </p:spPr>
-      </p:pic>
-      <p:pic>
-        <p:nvPicPr>
-          <p:cNvPr id="7" name="Imagen 6"/>
-          <p:cNvPicPr>
-            <a:picLocks noChangeAspect="1"/>
-          </p:cNvPicPr>
-          <p:nvPr/>
-        </p:nvPicPr>
-        <p:blipFill rotWithShape="1">
-          <a:blip r:embed="rId5"/>
-          <a:srcRect l="7868" t="28498" r="60035" b="30644"/>
-          <a:stretch/>
-        </p:blipFill>
-        <p:spPr>
-          <a:xfrm>
-            <a:off x="8229133" y="2030105"/>
-            <a:ext cx="2892839" cy="2070365"/>
-          </a:xfrm>
-          <a:prstGeom prst="rect">
-            <a:avLst/>
-          </a:prstGeom>
-        </p:spPr>
-      </p:pic>
-      <p:pic>
-        <p:nvPicPr>
-          <p:cNvPr id="8" name="Imagen 7"/>
-          <p:cNvPicPr>
-            <a:picLocks noChangeAspect="1"/>
-          </p:cNvPicPr>
-          <p:nvPr/>
-        </p:nvPicPr>
-        <p:blipFill rotWithShape="1">
-          <a:blip r:embed="rId6"/>
-          <a:srcRect l="7344" t="28498" r="62447" b="33255"/>
-          <a:stretch/>
-        </p:blipFill>
-        <p:spPr>
-          <a:xfrm>
-            <a:off x="4644990" y="1967667"/>
-            <a:ext cx="2847256" cy="2026692"/>
-          </a:xfrm>
-          <a:prstGeom prst="rect">
-            <a:avLst/>
-          </a:prstGeom>
-        </p:spPr>
-      </p:pic>
-      <p:pic>
-        <p:nvPicPr>
-          <p:cNvPr id="9" name="Imagen 8"/>
-          <p:cNvPicPr>
-            <a:picLocks noChangeAspect="1"/>
-          </p:cNvPicPr>
-          <p:nvPr/>
-        </p:nvPicPr>
-        <p:blipFill rotWithShape="1">
-          <a:blip r:embed="rId7"/>
-          <a:srcRect l="7553" t="32043" r="62133" b="26726"/>
-          <a:stretch/>
-        </p:blipFill>
-        <p:spPr>
-          <a:xfrm>
-            <a:off x="8242951" y="4006075"/>
-            <a:ext cx="2629178" cy="2010548"/>
-          </a:xfrm>
-          <a:prstGeom prst="rect">
-            <a:avLst/>
-          </a:prstGeom>
-        </p:spPr>
-      </p:pic>
-      <p:pic>
-        <p:nvPicPr>
-          <p:cNvPr id="10" name="Imagen 9"/>
-          <p:cNvPicPr>
-            <a:picLocks noChangeAspect="1"/>
-          </p:cNvPicPr>
-          <p:nvPr/>
-        </p:nvPicPr>
-        <p:blipFill rotWithShape="1">
-          <a:blip r:embed="rId8"/>
-          <a:srcRect l="3357" t="31856" r="60664" b="17211"/>
-          <a:stretch/>
-        </p:blipFill>
-        <p:spPr>
-          <a:xfrm>
-            <a:off x="1291787" y="4198192"/>
-            <a:ext cx="2456597" cy="1955251"/>
-          </a:xfrm>
-          <a:prstGeom prst="rect">
-            <a:avLst/>
-          </a:prstGeom>
-        </p:spPr>
-      </p:pic>
-      <p:sp>
-        <p:nvSpPr>
-          <p:cNvPr id="14" name="CuadroTexto 13"/>
-          <p:cNvSpPr txBox="1"/>
-          <p:nvPr/>
-        </p:nvSpPr>
-        <p:spPr>
-          <a:xfrm>
-            <a:off x="1150616" y="2160774"/>
-            <a:ext cx="282341" cy="369332"/>
-          </a:xfrm>
-          <a:prstGeom prst="rect">
-            <a:avLst/>
-          </a:prstGeom>
-          <a:noFill/>
-        </p:spPr>
-        <p:txBody>
-          <a:bodyPr wrap="square" rtlCol="0">
-            <a:spAutoFit/>
-          </a:bodyPr>
+      <p:sp>
+        <p:nvSpPr>
+          <p:cNvPr id="3" name="Título 2"/>
+          <p:cNvSpPr>
+            <a:spLocks noGrp="1"/>
+          </p:cNvSpPr>
+          <p:nvPr>
+            <p:ph type="title"/>
+          </p:nvPr>
+        </p:nvSpPr>
+        <p:spPr/>
+        <p:txBody>
+          <a:bodyPr/>
           <a:lstStyle/>
           <a:p>
             <a:r>
               <a:rPr lang="es-CL" dirty="0" smtClean="0"/>
-              <a:t>4</a:t>
-            </a:r>
-          </a:p>
-        </p:txBody>
-      </p:sp>
-      <p:sp>
-        <p:nvSpPr>
-          <p:cNvPr id="15" name="CuadroTexto 14"/>
-          <p:cNvSpPr txBox="1"/>
-          <p:nvPr/>
-        </p:nvSpPr>
-        <p:spPr>
-          <a:xfrm>
-            <a:off x="4538607" y="2160774"/>
-            <a:ext cx="282341" cy="369332"/>
-          </a:xfrm>
-          <a:prstGeom prst="rect">
-            <a:avLst/>
-          </a:prstGeom>
-          <a:noFill/>
-        </p:spPr>
-        <p:txBody>
-          <a:bodyPr wrap="square" rtlCol="0">
-            <a:spAutoFit/>
-          </a:bodyPr>
-          <a:lstStyle/>
-          <a:p>
-            <a:r>
-              <a:rPr lang="es-CL" dirty="0"/>
-              <a:t>5</a:t>
-            </a:r>
-          </a:p>
-        </p:txBody>
-      </p:sp>
-      <p:sp>
-        <p:nvSpPr>
-          <p:cNvPr id="16" name="CuadroTexto 15"/>
-          <p:cNvSpPr txBox="1"/>
-          <p:nvPr/>
-        </p:nvSpPr>
-        <p:spPr>
-          <a:xfrm>
-            <a:off x="8053174" y="2160774"/>
-            <a:ext cx="282341" cy="369332"/>
-          </a:xfrm>
-          <a:prstGeom prst="rect">
-            <a:avLst/>
-          </a:prstGeom>
-          <a:noFill/>
-        </p:spPr>
-        <p:txBody>
-          <a:bodyPr wrap="square" rtlCol="0">
-            <a:spAutoFit/>
-          </a:bodyPr>
-          <a:lstStyle/>
-          <a:p>
-            <a:r>
-              <a:rPr lang="es-CL" dirty="0"/>
-              <a:t>6</a:t>
-            </a:r>
-          </a:p>
-        </p:txBody>
-      </p:sp>
-      <p:sp>
-        <p:nvSpPr>
-          <p:cNvPr id="17" name="CuadroTexto 16"/>
-          <p:cNvSpPr txBox="1"/>
-          <p:nvPr/>
-        </p:nvSpPr>
-        <p:spPr>
-          <a:xfrm>
-            <a:off x="1171868" y="4242271"/>
-            <a:ext cx="282341" cy="369332"/>
-          </a:xfrm>
-          <a:prstGeom prst="rect">
-            <a:avLst/>
-          </a:prstGeom>
-          <a:noFill/>
-        </p:spPr>
-        <p:txBody>
-          <a:bodyPr wrap="square" rtlCol="0">
-            <a:spAutoFit/>
-          </a:bodyPr>
-          <a:lstStyle/>
-          <a:p>
-            <a:r>
-              <a:rPr lang="es-CL" dirty="0"/>
-              <a:t>7</a:t>
-            </a:r>
-          </a:p>
-        </p:txBody>
-      </p:sp>
-      <p:sp>
-        <p:nvSpPr>
-          <p:cNvPr id="18" name="CuadroTexto 17"/>
-          <p:cNvSpPr txBox="1"/>
-          <p:nvPr/>
-        </p:nvSpPr>
-        <p:spPr>
-          <a:xfrm>
-            <a:off x="4513775" y="4242271"/>
-            <a:ext cx="282341" cy="369332"/>
-          </a:xfrm>
-          <a:prstGeom prst="rect">
-            <a:avLst/>
-          </a:prstGeom>
-          <a:noFill/>
-        </p:spPr>
-        <p:txBody>
-          <a:bodyPr wrap="square" rtlCol="0">
-            <a:spAutoFit/>
-          </a:bodyPr>
-          <a:lstStyle/>
-          <a:p>
-            <a:r>
-              <a:rPr lang="es-CL" dirty="0"/>
-              <a:t>8</a:t>
-            </a:r>
-          </a:p>
-        </p:txBody>
-      </p:sp>
-      <p:sp>
-        <p:nvSpPr>
-          <p:cNvPr id="19" name="CuadroTexto 18"/>
-          <p:cNvSpPr txBox="1"/>
-          <p:nvPr/>
-        </p:nvSpPr>
-        <p:spPr>
-          <a:xfrm>
-            <a:off x="8070040" y="4242271"/>
-            <a:ext cx="282341" cy="369332"/>
-          </a:xfrm>
-          <a:prstGeom prst="rect">
-            <a:avLst/>
-          </a:prstGeom>
-          <a:noFill/>
-        </p:spPr>
-        <p:txBody>
-          <a:bodyPr wrap="square" rtlCol="0">
-            <a:spAutoFit/>
-          </a:bodyPr>
-          <a:lstStyle/>
-          <a:p>
-            <a:r>
-              <a:rPr lang="es-CL" dirty="0"/>
-              <a:t>9</a:t>
-            </a:r>
+              <a:t>Test de proporción </a:t>
+            </a:r>
+            <a:endParaRPr lang="es-CL" dirty="0"/>
           </a:p>
         </p:txBody>
       </p:sp>
     </p:spTree>
     <p:extLst>
       <p:ext uri="{BB962C8B-B14F-4D97-AF65-F5344CB8AC3E}">
-        <p14:creationId xmlns:p14="http://schemas.microsoft.com/office/powerpoint/2010/main" val="1796845243"/>
+        <p14:creationId xmlns:p14="http://schemas.microsoft.com/office/powerpoint/2010/main" val="613522774"/>
+      </p:ext>
+    </p:extLst>
+  </p:cSld>
+  <p:clrMapOvr>
+    <a:masterClrMapping/>
+  </p:clrMapOvr>
+</p:sld>
+</file>
+
+<file path=ppt/slides/slide19.xml><?xml version="1.0" encoding="utf-8"?>
+<p:sld xmlns:a="http://schemas.openxmlformats.org/drawingml/2006/main" xmlns:r="http://schemas.openxmlformats.org/officeDocument/2006/relationships" xmlns:p="http://schemas.openxmlformats.org/presentationml/2006/main">
+  <p:cSld>
+    <p:spTree>
+      <p:nvGrpSpPr>
+        <p:cNvPr id="1" name=""/>
+        <p:cNvGrpSpPr/>
+        <p:nvPr/>
+      </p:nvGrpSpPr>
+      <p:grpSpPr>
+        <a:xfrm>
+          <a:off x="0" y="0"/>
+          <a:ext cx="0" cy="0"/>
+          <a:chOff x="0" y="0"/>
+          <a:chExt cx="0" cy="0"/>
+        </a:xfrm>
+      </p:grpSpPr>
+      <p:sp>
+        <p:nvSpPr>
+          <p:cNvPr id="2" name="Título 1"/>
+          <p:cNvSpPr>
+            <a:spLocks noGrp="1"/>
+          </p:cNvSpPr>
+          <p:nvPr>
+            <p:ph type="title"/>
+          </p:nvPr>
+        </p:nvSpPr>
+        <p:spPr/>
+        <p:txBody>
+          <a:bodyPr/>
+          <a:lstStyle/>
+          <a:p>
+            <a:r>
+              <a:rPr lang="es-CL" dirty="0" smtClean="0"/>
+              <a:t>Conclusión</a:t>
+            </a:r>
+            <a:endParaRPr lang="es-CL" dirty="0"/>
+          </a:p>
+        </p:txBody>
+      </p:sp>
+      <p:sp>
+        <p:nvSpPr>
+          <p:cNvPr id="3" name="Marcador de contenido 2"/>
+          <p:cNvSpPr>
+            <a:spLocks noGrp="1"/>
+          </p:cNvSpPr>
+          <p:nvPr>
+            <p:ph idx="1"/>
+          </p:nvPr>
+        </p:nvSpPr>
+        <p:spPr/>
+        <p:txBody>
+          <a:bodyPr/>
+          <a:lstStyle/>
+          <a:p>
+            <a:endParaRPr lang="es-CL" dirty="0" smtClean="0"/>
+          </a:p>
+          <a:p>
+            <a:pPr>
+              <a:buFont typeface="Arial" panose="020B0604020202020204" pitchFamily="34" charset="0"/>
+              <a:buChar char="•"/>
+            </a:pPr>
+            <a:r>
+              <a:rPr lang="es-CL" dirty="0"/>
+              <a:t> </a:t>
+            </a:r>
+            <a:r>
+              <a:rPr lang="es-CL" dirty="0" smtClean="0"/>
+              <a:t>  Por Test de proporción tenemos que el aporte del nutricionista frente al medico o el enfermero es mucho menor, por lo que se descarta el aporte de su derivación al grafo. </a:t>
+            </a:r>
+          </a:p>
+          <a:p>
+            <a:pPr>
+              <a:buFont typeface="Arial" panose="020B0604020202020204" pitchFamily="34" charset="0"/>
+              <a:buChar char="•"/>
+            </a:pPr>
+            <a:r>
+              <a:rPr lang="es-CL" dirty="0"/>
+              <a:t> </a:t>
+            </a:r>
+            <a:r>
+              <a:rPr lang="es-CL" dirty="0" smtClean="0"/>
+              <a:t>  Se une el grupo 4 – 5</a:t>
+            </a:r>
+          </a:p>
+          <a:p>
+            <a:pPr>
+              <a:buFont typeface="Arial" panose="020B0604020202020204" pitchFamily="34" charset="0"/>
+              <a:buChar char="•"/>
+            </a:pPr>
+            <a:endParaRPr lang="es-CL" dirty="0"/>
+          </a:p>
+        </p:txBody>
+      </p:sp>
+    </p:spTree>
+    <p:extLst>
+      <p:ext uri="{BB962C8B-B14F-4D97-AF65-F5344CB8AC3E}">
+        <p14:creationId xmlns:p14="http://schemas.microsoft.com/office/powerpoint/2010/main" val="1743309770"/>
+      </p:ext>
+    </p:extLst>
+  </p:cSld>
+  <p:clrMapOvr>
+    <a:masterClrMapping/>
+  </p:clrMapOvr>
+</p:sld>
+</file>
+
+<file path=ppt/slides/slide2.xml><?xml version="1.0" encoding="utf-8"?>
+<p:sld xmlns:a="http://schemas.openxmlformats.org/drawingml/2006/main" xmlns:r="http://schemas.openxmlformats.org/officeDocument/2006/relationships" xmlns:p="http://schemas.openxmlformats.org/presentationml/2006/main">
+  <p:cSld>
+    <p:spTree>
+      <p:nvGrpSpPr>
+        <p:cNvPr id="1" name=""/>
+        <p:cNvGrpSpPr/>
+        <p:nvPr/>
+      </p:nvGrpSpPr>
+      <p:grpSpPr>
+        <a:xfrm>
+          <a:off x="0" y="0"/>
+          <a:ext cx="0" cy="0"/>
+          <a:chOff x="0" y="0"/>
+          <a:chExt cx="0" cy="0"/>
+        </a:xfrm>
+      </p:grpSpPr>
+      <p:sp>
+        <p:nvSpPr>
+          <p:cNvPr id="2" name="Título 1"/>
+          <p:cNvSpPr>
+            <a:spLocks noGrp="1"/>
+          </p:cNvSpPr>
+          <p:nvPr>
+            <p:ph type="title"/>
+          </p:nvPr>
+        </p:nvSpPr>
+        <p:spPr/>
+        <p:txBody>
+          <a:bodyPr/>
+          <a:lstStyle/>
+          <a:p>
+            <a:r>
+              <a:rPr lang="es-CL" dirty="0" smtClean="0"/>
+              <a:t>Pacientes	</a:t>
+            </a:r>
+            <a:endParaRPr lang="es-CL" dirty="0"/>
+          </a:p>
+        </p:txBody>
+      </p:sp>
+      <p:sp>
+        <p:nvSpPr>
+          <p:cNvPr id="3" name="Marcador de contenido 2"/>
+          <p:cNvSpPr>
+            <a:spLocks noGrp="1"/>
+          </p:cNvSpPr>
+          <p:nvPr>
+            <p:ph idx="1"/>
+          </p:nvPr>
+        </p:nvSpPr>
+        <p:spPr/>
+        <p:txBody>
+          <a:bodyPr>
+            <a:normAutofit lnSpcReduction="10000"/>
+          </a:bodyPr>
+          <a:lstStyle/>
+          <a:p>
+            <a:pPr marL="0" indent="0" algn="just">
+              <a:buNone/>
+            </a:pPr>
+            <a:endParaRPr lang="es-CL" sz="2800" dirty="0" smtClean="0"/>
+          </a:p>
+          <a:p>
+            <a:pPr algn="just">
+              <a:buFont typeface="Wingdings" panose="05000000000000000000" pitchFamily="2" charset="2"/>
+              <a:buChar char="§"/>
+            </a:pPr>
+            <a:r>
+              <a:rPr lang="es-CL" sz="2800" dirty="0" smtClean="0"/>
+              <a:t>    Para el estudio de los patrones se trabajará con todos los pacientes del log de eventos.</a:t>
+            </a:r>
+          </a:p>
+          <a:p>
+            <a:pPr marL="0" indent="0">
+              <a:buNone/>
+            </a:pPr>
+            <a:endParaRPr lang="es-CL" sz="2800" dirty="0" smtClean="0"/>
+          </a:p>
+          <a:p>
+            <a:pPr marL="0" indent="0">
+              <a:buNone/>
+            </a:pPr>
+            <a:r>
+              <a:rPr lang="es-CL" sz="2800" dirty="0" smtClean="0"/>
+              <a:t>Se utilizaran los siguientes parámetros para formar los grupos:</a:t>
+            </a:r>
+          </a:p>
+          <a:p>
+            <a:pPr>
+              <a:buFontTx/>
+              <a:buChar char="-"/>
+            </a:pPr>
+            <a:r>
+              <a:rPr lang="es-CL" sz="2800" dirty="0" smtClean="0"/>
+              <a:t> </a:t>
+            </a:r>
+            <a:r>
+              <a:rPr lang="es-CL" sz="2800" dirty="0" smtClean="0"/>
+              <a:t>10% </a:t>
+            </a:r>
+            <a:r>
+              <a:rPr lang="es-CL" sz="2800" dirty="0" smtClean="0"/>
+              <a:t>y 3% </a:t>
+            </a:r>
+          </a:p>
+          <a:p>
+            <a:pPr>
+              <a:buFontTx/>
+              <a:buChar char="-"/>
+            </a:pPr>
+            <a:r>
+              <a:rPr lang="es-CL" sz="2800" dirty="0" smtClean="0"/>
+              <a:t> </a:t>
+            </a:r>
+            <a:r>
+              <a:rPr lang="es-CL" sz="2800" dirty="0" smtClean="0"/>
+              <a:t>12,5% </a:t>
+            </a:r>
+            <a:r>
+              <a:rPr lang="es-CL" sz="2800" dirty="0" smtClean="0"/>
+              <a:t>y </a:t>
+            </a:r>
+            <a:r>
+              <a:rPr lang="es-CL" sz="2800" dirty="0" smtClean="0"/>
+              <a:t>3%</a:t>
+            </a:r>
+            <a:endParaRPr lang="es-CL" sz="2800" dirty="0" smtClean="0"/>
+          </a:p>
+          <a:p>
+            <a:pPr>
+              <a:buFontTx/>
+              <a:buChar char="-"/>
+            </a:pPr>
+            <a:r>
+              <a:rPr lang="es-CL" sz="2800" dirty="0" smtClean="0"/>
+              <a:t> 10% y </a:t>
+            </a:r>
+            <a:r>
+              <a:rPr lang="es-CL" sz="2800" dirty="0" smtClean="0"/>
+              <a:t>3%</a:t>
+            </a:r>
+            <a:endParaRPr lang="es-CL" sz="2800" dirty="0" smtClean="0"/>
+          </a:p>
+          <a:p>
+            <a:pPr>
+              <a:buFontTx/>
+              <a:buChar char="-"/>
+            </a:pPr>
+            <a:endParaRPr lang="es-CL" dirty="0"/>
+          </a:p>
+        </p:txBody>
+      </p:sp>
+    </p:spTree>
+    <p:extLst>
+      <p:ext uri="{BB962C8B-B14F-4D97-AF65-F5344CB8AC3E}">
+        <p14:creationId xmlns:p14="http://schemas.microsoft.com/office/powerpoint/2010/main" val="3382447669"/>
       </p:ext>
     </p:extLst>
   </p:cSld>
@@ -7275,7 +6045,524 @@
 </p:sld>
 </file>
 
-<file path=ppt/slides/slide19.xml><?xml version="1.0" encoding="utf-8"?>
+<file path=ppt/slides/slide20.xml><?xml version="1.0" encoding="utf-8"?>
+<p:sld xmlns:a="http://schemas.openxmlformats.org/drawingml/2006/main" xmlns:r="http://schemas.openxmlformats.org/officeDocument/2006/relationships" xmlns:p="http://schemas.openxmlformats.org/presentationml/2006/main">
+  <p:cSld>
+    <p:spTree>
+      <p:nvGrpSpPr>
+        <p:cNvPr id="1" name=""/>
+        <p:cNvGrpSpPr/>
+        <p:nvPr/>
+      </p:nvGrpSpPr>
+      <p:grpSpPr>
+        <a:xfrm>
+          <a:off x="0" y="0"/>
+          <a:ext cx="0" cy="0"/>
+          <a:chOff x="0" y="0"/>
+          <a:chExt cx="0" cy="0"/>
+        </a:xfrm>
+      </p:grpSpPr>
+      <p:pic>
+        <p:nvPicPr>
+          <p:cNvPr id="12" name="Imagen 11"/>
+          <p:cNvPicPr>
+            <a:picLocks noChangeAspect="1"/>
+          </p:cNvPicPr>
+          <p:nvPr/>
+        </p:nvPicPr>
+        <p:blipFill rotWithShape="1">
+          <a:blip r:embed="rId2"/>
+          <a:srcRect l="45808" t="20450" r="25094" b="41173"/>
+          <a:stretch/>
+        </p:blipFill>
+        <p:spPr>
+          <a:xfrm>
+            <a:off x="1219199" y="4198219"/>
+            <a:ext cx="2602312" cy="1929680"/>
+          </a:xfrm>
+          <a:prstGeom prst="rect">
+            <a:avLst/>
+          </a:prstGeom>
+        </p:spPr>
+      </p:pic>
+      <p:pic>
+        <p:nvPicPr>
+          <p:cNvPr id="11" name="Imagen 10"/>
+          <p:cNvPicPr>
+            <a:picLocks noChangeAspect="1"/>
+          </p:cNvPicPr>
+          <p:nvPr/>
+        </p:nvPicPr>
+        <p:blipFill rotWithShape="1">
+          <a:blip r:embed="rId3"/>
+          <a:srcRect l="45562" t="28783" r="26820" b="36787"/>
+          <a:stretch/>
+        </p:blipFill>
+        <p:spPr>
+          <a:xfrm>
+            <a:off x="8110606" y="1900654"/>
+            <a:ext cx="3045074" cy="2134270"/>
+          </a:xfrm>
+          <a:prstGeom prst="rect">
+            <a:avLst/>
+          </a:prstGeom>
+        </p:spPr>
+      </p:pic>
+      <p:pic>
+        <p:nvPicPr>
+          <p:cNvPr id="10" name="Imagen 9"/>
+          <p:cNvPicPr>
+            <a:picLocks noChangeAspect="1"/>
+          </p:cNvPicPr>
+          <p:nvPr/>
+        </p:nvPicPr>
+        <p:blipFill rotWithShape="1">
+          <a:blip r:embed="rId4"/>
+          <a:srcRect l="45438" t="22643" r="25464" b="38761"/>
+          <a:stretch/>
+        </p:blipFill>
+        <p:spPr>
+          <a:xfrm>
+            <a:off x="4658353" y="1916741"/>
+            <a:ext cx="2936254" cy="2189749"/>
+          </a:xfrm>
+          <a:prstGeom prst="rect">
+            <a:avLst/>
+          </a:prstGeom>
+        </p:spPr>
+      </p:pic>
+      <p:pic>
+        <p:nvPicPr>
+          <p:cNvPr id="6" name="Imagen 5"/>
+          <p:cNvPicPr>
+            <a:picLocks noChangeAspect="1"/>
+          </p:cNvPicPr>
+          <p:nvPr/>
+        </p:nvPicPr>
+        <p:blipFill rotWithShape="1">
+          <a:blip r:embed="rId5"/>
+          <a:srcRect l="45931" t="22862" r="25711" b="39638"/>
+          <a:stretch/>
+        </p:blipFill>
+        <p:spPr>
+          <a:xfrm>
+            <a:off x="1219199" y="1941094"/>
+            <a:ext cx="2761871" cy="2053391"/>
+          </a:xfrm>
+          <a:prstGeom prst="rect">
+            <a:avLst/>
+          </a:prstGeom>
+        </p:spPr>
+      </p:pic>
+      <p:sp>
+        <p:nvSpPr>
+          <p:cNvPr id="2" name="Título 1"/>
+          <p:cNvSpPr>
+            <a:spLocks noGrp="1"/>
+          </p:cNvSpPr>
+          <p:nvPr>
+            <p:ph type="title"/>
+          </p:nvPr>
+        </p:nvSpPr>
+        <p:spPr/>
+        <p:txBody>
+          <a:bodyPr/>
+          <a:lstStyle/>
+          <a:p>
+            <a:r>
+              <a:rPr lang="es-CL" dirty="0" smtClean="0"/>
+              <a:t>Patrones</a:t>
+            </a:r>
+            <a:br>
+              <a:rPr lang="es-CL" dirty="0" smtClean="0"/>
+            </a:br>
+            <a:r>
+              <a:rPr lang="es-CL" sz="2000" dirty="0" smtClean="0">
+                <a:solidFill>
+                  <a:srgbClr val="0070C0"/>
+                </a:solidFill>
+              </a:rPr>
+              <a:t>Tres nodos</a:t>
+            </a:r>
+            <a:endParaRPr lang="es-CL" dirty="0">
+              <a:solidFill>
+                <a:srgbClr val="0070C0"/>
+              </a:solidFill>
+            </a:endParaRPr>
+          </a:p>
+        </p:txBody>
+      </p:sp>
+      <p:sp>
+        <p:nvSpPr>
+          <p:cNvPr id="7" name="CuadroTexto 6"/>
+          <p:cNvSpPr txBox="1"/>
+          <p:nvPr/>
+        </p:nvSpPr>
+        <p:spPr>
+          <a:xfrm>
+            <a:off x="1219199" y="1950975"/>
+            <a:ext cx="449179" cy="369332"/>
+          </a:xfrm>
+          <a:prstGeom prst="rect">
+            <a:avLst/>
+          </a:prstGeom>
+          <a:noFill/>
+        </p:spPr>
+        <p:txBody>
+          <a:bodyPr wrap="square" rtlCol="0">
+            <a:spAutoFit/>
+          </a:bodyPr>
+          <a:lstStyle/>
+          <a:p>
+            <a:r>
+              <a:rPr lang="es-CL" dirty="0" smtClean="0"/>
+              <a:t>1</a:t>
+            </a:r>
+            <a:endParaRPr lang="es-CL" dirty="0"/>
+          </a:p>
+        </p:txBody>
+      </p:sp>
+      <p:sp>
+        <p:nvSpPr>
+          <p:cNvPr id="8" name="CuadroTexto 7"/>
+          <p:cNvSpPr txBox="1"/>
+          <p:nvPr/>
+        </p:nvSpPr>
+        <p:spPr>
+          <a:xfrm>
+            <a:off x="5220101" y="1916741"/>
+            <a:ext cx="449179" cy="369332"/>
+          </a:xfrm>
+          <a:prstGeom prst="rect">
+            <a:avLst/>
+          </a:prstGeom>
+          <a:noFill/>
+        </p:spPr>
+        <p:txBody>
+          <a:bodyPr wrap="square" rtlCol="0">
+            <a:spAutoFit/>
+          </a:bodyPr>
+          <a:lstStyle/>
+          <a:p>
+            <a:r>
+              <a:rPr lang="es-CL" dirty="0"/>
+              <a:t>2</a:t>
+            </a:r>
+            <a:endParaRPr lang="es-CL" dirty="0"/>
+          </a:p>
+        </p:txBody>
+      </p:sp>
+      <p:sp>
+        <p:nvSpPr>
+          <p:cNvPr id="9" name="CuadroTexto 8"/>
+          <p:cNvSpPr txBox="1"/>
+          <p:nvPr/>
+        </p:nvSpPr>
+        <p:spPr>
+          <a:xfrm>
+            <a:off x="8590547" y="1916741"/>
+            <a:ext cx="449179" cy="369332"/>
+          </a:xfrm>
+          <a:prstGeom prst="rect">
+            <a:avLst/>
+          </a:prstGeom>
+          <a:noFill/>
+        </p:spPr>
+        <p:txBody>
+          <a:bodyPr wrap="square" rtlCol="0">
+            <a:spAutoFit/>
+          </a:bodyPr>
+          <a:lstStyle/>
+          <a:p>
+            <a:r>
+              <a:rPr lang="es-CL" dirty="0" smtClean="0"/>
+              <a:t>3</a:t>
+            </a:r>
+            <a:endParaRPr lang="es-CL" dirty="0"/>
+          </a:p>
+        </p:txBody>
+      </p:sp>
+      <p:sp>
+        <p:nvSpPr>
+          <p:cNvPr id="13" name="CuadroTexto 12"/>
+          <p:cNvSpPr txBox="1"/>
+          <p:nvPr/>
+        </p:nvSpPr>
+        <p:spPr>
+          <a:xfrm>
+            <a:off x="1427745" y="4106381"/>
+            <a:ext cx="449179" cy="369332"/>
+          </a:xfrm>
+          <a:prstGeom prst="rect">
+            <a:avLst/>
+          </a:prstGeom>
+          <a:noFill/>
+        </p:spPr>
+        <p:txBody>
+          <a:bodyPr wrap="square" rtlCol="0">
+            <a:spAutoFit/>
+          </a:bodyPr>
+          <a:lstStyle/>
+          <a:p>
+            <a:r>
+              <a:rPr lang="es-CL" dirty="0"/>
+              <a:t>4</a:t>
+            </a:r>
+          </a:p>
+        </p:txBody>
+      </p:sp>
+      <p:pic>
+        <p:nvPicPr>
+          <p:cNvPr id="14" name="Imagen 13"/>
+          <p:cNvPicPr>
+            <a:picLocks noChangeAspect="1"/>
+          </p:cNvPicPr>
+          <p:nvPr/>
+        </p:nvPicPr>
+        <p:blipFill rotWithShape="1">
+          <a:blip r:embed="rId6"/>
+          <a:srcRect l="45808" t="32730" r="23491" b="33498"/>
+          <a:stretch/>
+        </p:blipFill>
+        <p:spPr>
+          <a:xfrm>
+            <a:off x="4485371" y="4148077"/>
+            <a:ext cx="3282217" cy="2029964"/>
+          </a:xfrm>
+          <a:prstGeom prst="rect">
+            <a:avLst/>
+          </a:prstGeom>
+        </p:spPr>
+      </p:pic>
+      <p:sp>
+        <p:nvSpPr>
+          <p:cNvPr id="15" name="CuadroTexto 14"/>
+          <p:cNvSpPr txBox="1"/>
+          <p:nvPr/>
+        </p:nvSpPr>
+        <p:spPr>
+          <a:xfrm>
+            <a:off x="5204058" y="4198219"/>
+            <a:ext cx="449179" cy="369332"/>
+          </a:xfrm>
+          <a:prstGeom prst="rect">
+            <a:avLst/>
+          </a:prstGeom>
+          <a:noFill/>
+        </p:spPr>
+        <p:txBody>
+          <a:bodyPr wrap="square" rtlCol="0">
+            <a:spAutoFit/>
+          </a:bodyPr>
+          <a:lstStyle/>
+          <a:p>
+            <a:r>
+              <a:rPr lang="es-CL" dirty="0" smtClean="0"/>
+              <a:t>5</a:t>
+            </a:r>
+          </a:p>
+        </p:txBody>
+      </p:sp>
+      <p:pic>
+        <p:nvPicPr>
+          <p:cNvPr id="16" name="Imagen 15"/>
+          <p:cNvPicPr>
+            <a:picLocks noChangeAspect="1"/>
+          </p:cNvPicPr>
+          <p:nvPr/>
+        </p:nvPicPr>
+        <p:blipFill rotWithShape="1">
+          <a:blip r:embed="rId7"/>
+          <a:srcRect l="45192" t="27029" r="23861" b="35252"/>
+          <a:stretch/>
+        </p:blipFill>
+        <p:spPr>
+          <a:xfrm>
+            <a:off x="8110606" y="4068542"/>
+            <a:ext cx="3194461" cy="2189034"/>
+          </a:xfrm>
+          <a:prstGeom prst="rect">
+            <a:avLst/>
+          </a:prstGeom>
+        </p:spPr>
+      </p:pic>
+      <p:sp>
+        <p:nvSpPr>
+          <p:cNvPr id="17" name="CuadroTexto 16"/>
+          <p:cNvSpPr txBox="1"/>
+          <p:nvPr/>
+        </p:nvSpPr>
+        <p:spPr>
+          <a:xfrm>
+            <a:off x="8757385" y="4141855"/>
+            <a:ext cx="449179" cy="369332"/>
+          </a:xfrm>
+          <a:prstGeom prst="rect">
+            <a:avLst/>
+          </a:prstGeom>
+          <a:noFill/>
+        </p:spPr>
+        <p:txBody>
+          <a:bodyPr wrap="square" rtlCol="0">
+            <a:spAutoFit/>
+          </a:bodyPr>
+          <a:lstStyle/>
+          <a:p>
+            <a:r>
+              <a:rPr lang="es-CL" dirty="0"/>
+              <a:t>6</a:t>
+            </a:r>
+            <a:endParaRPr lang="es-CL" dirty="0" smtClean="0"/>
+          </a:p>
+        </p:txBody>
+      </p:sp>
+      <p:sp>
+        <p:nvSpPr>
+          <p:cNvPr id="18" name="Rectángulo redondeado 17"/>
+          <p:cNvSpPr/>
+          <p:nvPr/>
+        </p:nvSpPr>
+        <p:spPr>
+          <a:xfrm>
+            <a:off x="834189" y="4034924"/>
+            <a:ext cx="7276417" cy="2143117"/>
+          </a:xfrm>
+          <a:prstGeom prst="roundRect">
+            <a:avLst/>
+          </a:prstGeom>
+          <a:noFill/>
+          <a:ln>
+            <a:solidFill>
+              <a:schemeClr val="accent1"/>
+            </a:solidFill>
+          </a:ln>
+        </p:spPr>
+        <p:style>
+          <a:lnRef idx="2">
+            <a:schemeClr val="accent6"/>
+          </a:lnRef>
+          <a:fillRef idx="1">
+            <a:schemeClr val="lt1"/>
+          </a:fillRef>
+          <a:effectRef idx="0">
+            <a:schemeClr val="accent6"/>
+          </a:effectRef>
+          <a:fontRef idx="minor">
+            <a:schemeClr val="dk1"/>
+          </a:fontRef>
+        </p:style>
+        <p:txBody>
+          <a:bodyPr rtlCol="0" anchor="ctr"/>
+          <a:lstStyle/>
+          <a:p>
+            <a:pPr algn="ctr"/>
+            <a:endParaRPr lang="es-CL"/>
+          </a:p>
+        </p:txBody>
+      </p:sp>
+      <p:pic>
+        <p:nvPicPr>
+          <p:cNvPr id="1026" name="Picture 2" descr="Imagen relacionada"/>
+          <p:cNvPicPr>
+            <a:picLocks noChangeAspect="1" noChangeArrowheads="1"/>
+          </p:cNvPicPr>
+          <p:nvPr/>
+        </p:nvPicPr>
+        <p:blipFill>
+          <a:blip r:embed="rId8">
+            <a:extLst>
+              <a:ext uri="{28A0092B-C50C-407E-A947-70E740481C1C}">
+                <a14:useLocalDpi xmlns:a14="http://schemas.microsoft.com/office/drawing/2010/main" val="0"/>
+              </a:ext>
+            </a:extLst>
+          </a:blip>
+          <a:srcRect/>
+          <a:stretch>
+            <a:fillRect/>
+          </a:stretch>
+        </p:blipFill>
+        <p:spPr bwMode="auto">
+          <a:xfrm>
+            <a:off x="1320342" y="4012181"/>
+            <a:ext cx="2138446" cy="2188601"/>
+          </a:xfrm>
+          <a:prstGeom prst="rect">
+            <a:avLst/>
+          </a:prstGeom>
+          <a:noFill/>
+          <a:extLst>
+            <a:ext uri="{909E8E84-426E-40DD-AFC4-6F175D3DCCD1}">
+              <a14:hiddenFill xmlns:a14="http://schemas.microsoft.com/office/drawing/2010/main">
+                <a:solidFill>
+                  <a:srgbClr val="FFFFFF"/>
+                </a:solidFill>
+              </a14:hiddenFill>
+            </a:ext>
+          </a:extLst>
+        </p:spPr>
+      </p:pic>
+      <p:pic>
+        <p:nvPicPr>
+          <p:cNvPr id="19" name="Picture 2" descr="Imagen relacionada"/>
+          <p:cNvPicPr>
+            <a:picLocks noChangeAspect="1" noChangeArrowheads="1"/>
+          </p:cNvPicPr>
+          <p:nvPr/>
+        </p:nvPicPr>
+        <p:blipFill>
+          <a:blip r:embed="rId8">
+            <a:extLst>
+              <a:ext uri="{28A0092B-C50C-407E-A947-70E740481C1C}">
+                <a14:useLocalDpi xmlns:a14="http://schemas.microsoft.com/office/drawing/2010/main" val="0"/>
+              </a:ext>
+            </a:extLst>
+          </a:blip>
+          <a:srcRect/>
+          <a:stretch>
+            <a:fillRect/>
+          </a:stretch>
+        </p:blipFill>
+        <p:spPr bwMode="auto">
+          <a:xfrm>
+            <a:off x="5014964" y="3955389"/>
+            <a:ext cx="2138446" cy="2188601"/>
+          </a:xfrm>
+          <a:prstGeom prst="rect">
+            <a:avLst/>
+          </a:prstGeom>
+          <a:noFill/>
+          <a:extLst>
+            <a:ext uri="{909E8E84-426E-40DD-AFC4-6F175D3DCCD1}">
+              <a14:hiddenFill xmlns:a14="http://schemas.microsoft.com/office/drawing/2010/main">
+                <a:solidFill>
+                  <a:srgbClr val="FFFFFF"/>
+                </a:solidFill>
+              </a14:hiddenFill>
+            </a:ext>
+          </a:extLst>
+        </p:spPr>
+      </p:pic>
+    </p:spTree>
+    <p:extLst>
+      <p:ext uri="{BB962C8B-B14F-4D97-AF65-F5344CB8AC3E}">
+        <p14:creationId xmlns:p14="http://schemas.microsoft.com/office/powerpoint/2010/main" val="540347471"/>
+      </p:ext>
+    </p:extLst>
+  </p:cSld>
+  <p:clrMapOvr>
+    <a:masterClrMapping/>
+  </p:clrMapOvr>
+  <p:timing>
+    <p:tnLst>
+      <p:par>
+        <p:cTn id="1" dur="indefinite" restart="never" nodeType="tmRoot"/>
+      </p:par>
+    </p:tnLst>
+  </p:timing>
+</p:sld>
+</file>
+
+<file path=ppt/slides/slide21.xml><?xml version="1.0" encoding="utf-8"?>
 <p:sld xmlns:a="http://schemas.openxmlformats.org/drawingml/2006/main" xmlns:r="http://schemas.openxmlformats.org/officeDocument/2006/relationships" xmlns:p="http://schemas.openxmlformats.org/presentationml/2006/main">
   <p:cSld>
     <p:spTree>
@@ -7384,153 +6671,7 @@
 </p:sld>
 </file>
 
-<file path=ppt/slides/slide2.xml><?xml version="1.0" encoding="utf-8"?>
-<p:sld xmlns:a="http://schemas.openxmlformats.org/drawingml/2006/main" xmlns:r="http://schemas.openxmlformats.org/officeDocument/2006/relationships" xmlns:p="http://schemas.openxmlformats.org/presentationml/2006/main">
-  <p:cSld>
-    <p:spTree>
-      <p:nvGrpSpPr>
-        <p:cNvPr id="1" name=""/>
-        <p:cNvGrpSpPr/>
-        <p:nvPr/>
-      </p:nvGrpSpPr>
-      <p:grpSpPr>
-        <a:xfrm>
-          <a:off x="0" y="0"/>
-          <a:ext cx="0" cy="0"/>
-          <a:chOff x="0" y="0"/>
-          <a:chExt cx="0" cy="0"/>
-        </a:xfrm>
-      </p:grpSpPr>
-      <p:sp>
-        <p:nvSpPr>
-          <p:cNvPr id="2" name="Título 1"/>
-          <p:cNvSpPr>
-            <a:spLocks noGrp="1"/>
-          </p:cNvSpPr>
-          <p:nvPr>
-            <p:ph type="title"/>
-          </p:nvPr>
-        </p:nvSpPr>
-        <p:spPr/>
-        <p:txBody>
-          <a:bodyPr/>
-          <a:lstStyle/>
-          <a:p>
-            <a:r>
-              <a:rPr lang="es-CL" dirty="0" smtClean="0"/>
-              <a:t>Pacientes	</a:t>
-            </a:r>
-            <a:endParaRPr lang="es-CL" dirty="0"/>
-          </a:p>
-        </p:txBody>
-      </p:sp>
-      <p:sp>
-        <p:nvSpPr>
-          <p:cNvPr id="3" name="Marcador de contenido 2"/>
-          <p:cNvSpPr>
-            <a:spLocks noGrp="1"/>
-          </p:cNvSpPr>
-          <p:nvPr>
-            <p:ph idx="1"/>
-          </p:nvPr>
-        </p:nvSpPr>
-        <p:spPr/>
-        <p:txBody>
-          <a:bodyPr>
-            <a:normAutofit lnSpcReduction="10000"/>
-          </a:bodyPr>
-          <a:lstStyle/>
-          <a:p>
-            <a:pPr marL="0" indent="0" algn="just">
-              <a:buNone/>
-            </a:pPr>
-            <a:endParaRPr lang="es-CL" sz="2800" dirty="0" smtClean="0"/>
-          </a:p>
-          <a:p>
-            <a:pPr algn="just">
-              <a:buFont typeface="Wingdings" panose="05000000000000000000" pitchFamily="2" charset="2"/>
-              <a:buChar char="§"/>
-            </a:pPr>
-            <a:r>
-              <a:rPr lang="es-CL" sz="2800" dirty="0" smtClean="0"/>
-              <a:t>    Para el estudio de los patrones se trabajará con todos los pacientes del log de eventos.</a:t>
-            </a:r>
-          </a:p>
-          <a:p>
-            <a:pPr marL="0" indent="0">
-              <a:buNone/>
-            </a:pPr>
-            <a:endParaRPr lang="es-CL" sz="2800" dirty="0" smtClean="0"/>
-          </a:p>
-          <a:p>
-            <a:pPr marL="0" indent="0">
-              <a:buNone/>
-            </a:pPr>
-            <a:r>
-              <a:rPr lang="es-CL" sz="2800" dirty="0" smtClean="0"/>
-              <a:t>Se utilizaran los siguientes parámetros para formar los grupos:</a:t>
-            </a:r>
-          </a:p>
-          <a:p>
-            <a:pPr>
-              <a:buFontTx/>
-              <a:buChar char="-"/>
-            </a:pPr>
-            <a:r>
-              <a:rPr lang="es-CL" sz="2800" dirty="0" smtClean="0"/>
-              <a:t> 15% y 3% </a:t>
-            </a:r>
-          </a:p>
-          <a:p>
-            <a:pPr>
-              <a:buFontTx/>
-              <a:buChar char="-"/>
-            </a:pPr>
-            <a:r>
-              <a:rPr lang="es-CL" sz="2800" dirty="0" smtClean="0"/>
-              <a:t> 20% y 3%</a:t>
-            </a:r>
-          </a:p>
-          <a:p>
-            <a:pPr>
-              <a:buFontTx/>
-              <a:buChar char="-"/>
-            </a:pPr>
-            <a:r>
-              <a:rPr lang="es-CL" sz="2800" dirty="0" smtClean="0"/>
-              <a:t> 17.5% y 3%</a:t>
-            </a:r>
-          </a:p>
-          <a:p>
-            <a:pPr>
-              <a:buFontTx/>
-              <a:buChar char="-"/>
-            </a:pPr>
-            <a:endParaRPr lang="es-CL" dirty="0"/>
-          </a:p>
-        </p:txBody>
-      </p:sp>
-    </p:spTree>
-    <p:extLst>
-      <p:ext uri="{BB962C8B-B14F-4D97-AF65-F5344CB8AC3E}">
-        <p14:creationId xmlns:p14="http://schemas.microsoft.com/office/powerpoint/2010/main" val="3382447669"/>
-      </p:ext>
-    </p:extLst>
-  </p:cSld>
-  <p:clrMapOvr>
-    <a:masterClrMapping/>
-  </p:clrMapOvr>
-  <p:timing>
-    <p:tnLst>
-      <p:par>
-        <p:cTn id="1" dur="indefinite" restart="never" nodeType="tmRoot"/>
-      </p:par>
-    </p:tnLst>
-  </p:timing>
-</p:sld>
-</file>
-
-<file path=ppt/slides/slide20.xml><?xml version="1.0" encoding="utf-8"?>
+<file path=ppt/slides/slide22.xml><?xml version="1.0" encoding="utf-8"?>
 <p:sld xmlns:a="http://schemas.openxmlformats.org/drawingml/2006/main" xmlns:r="http://schemas.openxmlformats.org/officeDocument/2006/relationships" xmlns:p="http://schemas.openxmlformats.org/presentationml/2006/main">
   <p:cSld>
     <p:spTree>
@@ -7776,46 +6917,14 @@
                       </a:r>
                       <a:r>
                         <a:rPr lang="es-CL" baseline="0" dirty="0" smtClean="0"/>
-                        <a:t> entre </a:t>
-                      </a:r>
-                      <a:r>
-                        <a:rPr lang="es-CL" baseline="0" dirty="0" smtClean="0"/>
-                        <a:t>nutricionista </a:t>
-                      </a:r>
-                      <a:r>
-                        <a:rPr lang="es-CL" baseline="0" dirty="0" smtClean="0"/>
-                        <a:t>y </a:t>
-                      </a:r>
-                      <a:r>
-                        <a:rPr lang="es-CL" baseline="0" dirty="0" smtClean="0"/>
-                        <a:t>médico </a:t>
-                      </a:r>
-                      <a:r>
-                        <a:rPr lang="es-CL" baseline="0" dirty="0" smtClean="0"/>
-                        <a:t>(con Médico como líder – en % -).</a:t>
+                        <a:t> entre nutricionista y médico (con Médico como líder – en % -).</a:t>
                       </a:r>
                     </a:p>
                     <a:p>
                       <a:pPr algn="just"/>
                       <a:r>
                         <a:rPr lang="es-CL" baseline="0" dirty="0" smtClean="0"/>
-                        <a:t>Instanciado con líder </a:t>
-                      </a:r>
-                      <a:r>
-                        <a:rPr lang="es-CL" baseline="0" dirty="0" smtClean="0"/>
-                        <a:t>médico </a:t>
-                      </a:r>
-                      <a:r>
-                        <a:rPr lang="es-CL" baseline="0" dirty="0" smtClean="0"/>
-                        <a:t>y con </a:t>
-                      </a:r>
-                      <a:r>
-                        <a:rPr lang="es-CL" baseline="0" dirty="0" smtClean="0"/>
-                        <a:t>nutricionista</a:t>
-                      </a:r>
-                      <a:r>
-                        <a:rPr lang="es-CL" baseline="0" dirty="0" smtClean="0"/>
-                        <a:t>.</a:t>
+                        <a:t>Instanciado con líder médico y con nutricionista.</a:t>
                       </a:r>
                       <a:endParaRPr lang="es-CL" dirty="0" smtClean="0"/>
                     </a:p>
@@ -7872,27 +6981,11 @@
                       <a:pPr algn="just"/>
                       <a:r>
                         <a:rPr lang="es-CL" dirty="0" smtClean="0"/>
-                        <a:t>Hay roles compartidos entre los </a:t>
-                      </a:r>
-                      <a:r>
-                        <a:rPr lang="es-CL" dirty="0" smtClean="0"/>
-                        <a:t>médicos </a:t>
-                      </a:r>
-                      <a:r>
-                        <a:rPr lang="es-CL" dirty="0" smtClean="0"/>
-                        <a:t>y las</a:t>
+                        <a:t>Hay roles compartidos entre los médicos y las</a:t>
                       </a:r>
                       <a:r>
                         <a:rPr lang="es-CL" baseline="0" dirty="0" smtClean="0"/>
-                        <a:t> </a:t>
-                      </a:r>
-                      <a:r>
-                        <a:rPr lang="es-CL" baseline="0" dirty="0" smtClean="0"/>
-                        <a:t>enfermeras</a:t>
-                      </a:r>
-                      <a:r>
-                        <a:rPr lang="es-CL" baseline="0" dirty="0" smtClean="0"/>
-                        <a:t>.</a:t>
+                        <a:t> enfermeras.</a:t>
                       </a:r>
                       <a:endParaRPr lang="es-CL" dirty="0"/>
                     </a:p>
@@ -7978,15 +7071,7 @@
                       </a:r>
                       <a:r>
                         <a:rPr lang="es-CL" baseline="0" dirty="0" smtClean="0"/>
-                        <a:t> </a:t>
-                      </a:r>
-                      <a:r>
-                        <a:rPr lang="es-CL" baseline="0" dirty="0" smtClean="0"/>
-                        <a:t>médico </a:t>
-                      </a:r>
-                      <a:r>
-                        <a:rPr lang="es-CL" baseline="0" dirty="0" smtClean="0"/>
-                        <a:t>y la enfermera interactúan de manera muy similar apoyándose ambos en los nutricionistas.</a:t>
+                        <a:t> médico y la enfermera interactúan de manera muy similar apoyándose ambos en los nutricionistas.</a:t>
                       </a:r>
                       <a:endParaRPr lang="es-CL" dirty="0"/>
                     </a:p>
@@ -8044,15 +7129,7 @@
                       <a:pPr algn="just"/>
                       <a:r>
                         <a:rPr lang="es-CL" dirty="0" smtClean="0"/>
-                        <a:t>El </a:t>
-                      </a:r>
-                      <a:r>
-                        <a:rPr lang="es-CL" dirty="0" smtClean="0"/>
-                        <a:t>médico </a:t>
-                      </a:r>
-                      <a:r>
-                        <a:rPr lang="es-CL" dirty="0" smtClean="0"/>
-                        <a:t>es eje central de</a:t>
+                        <a:t>El médico es eje central de</a:t>
                       </a:r>
                       <a:r>
                         <a:rPr lang="es-CL" baseline="0" dirty="0" smtClean="0"/>
@@ -8490,7 +7567,27 @@
                   </a:schemeClr>
                 </a:solidFill>
               </a:rPr>
-              <a:t>Grupo 1:  (di) similitud 15%, unir grupos bajo 3%</a:t>
+              <a:t>Grupo 1:  (di) similitud </a:t>
+            </a:r>
+            <a:r>
+              <a:rPr lang="es-CL" dirty="0" smtClean="0">
+                <a:solidFill>
+                  <a:schemeClr val="bg2">
+                    <a:lumMod val="50000"/>
+                  </a:schemeClr>
+                </a:solidFill>
+              </a:rPr>
+              <a:t>10%, </a:t>
+            </a:r>
+            <a:r>
+              <a:rPr lang="es-CL" dirty="0" smtClean="0">
+                <a:solidFill>
+                  <a:schemeClr val="bg2">
+                    <a:lumMod val="50000"/>
+                  </a:schemeClr>
+                </a:solidFill>
+              </a:rPr>
+              <a:t>unir grupos bajo 3%</a:t>
             </a:r>
           </a:p>
           <a:p>
@@ -8509,7 +7606,11 @@
             </a:pPr>
             <a:r>
               <a:rPr lang="es-CL" dirty="0" smtClean="0"/>
-              <a:t>    9 </a:t>
+              <a:t>    </a:t>
+            </a:r>
+            <a:r>
+              <a:rPr lang="es-CL" dirty="0" smtClean="0"/>
+              <a:t>10 </a:t>
             </a:r>
             <a:r>
               <a:rPr lang="es-CL" dirty="0"/>
@@ -8523,22 +7624,40 @@
             </a:pPr>
             <a:r>
               <a:rPr lang="es-CL" dirty="0" smtClean="0"/>
-              <a:t>    6 </a:t>
+              <a:t>    </a:t>
+            </a:r>
+            <a:r>
+              <a:rPr lang="es-CL" dirty="0" smtClean="0"/>
+              <a:t>7 </a:t>
             </a:r>
             <a:r>
               <a:rPr lang="es-CL" dirty="0"/>
-              <a:t>grupos de 3 nodos, 2 grupos de 2 nodos, 1 grupo de 1 </a:t>
+              <a:t>grupos de </a:t>
             </a:r>
             <a:r>
               <a:rPr lang="es-CL" dirty="0" smtClean="0"/>
-              <a:t>nodo.</a:t>
-            </a:r>
-          </a:p>
-          <a:p>
-            <a:pPr lvl="1">
-              <a:buFont typeface="Wingdings" panose="05000000000000000000" pitchFamily="2" charset="2"/>
-              <a:buChar char="§"/>
-            </a:pPr>
+              <a:t>tres </a:t>
+            </a:r>
+            <a:r>
+              <a:rPr lang="es-CL" dirty="0"/>
+              <a:t>nodos, </a:t>
+            </a:r>
+            <a:r>
+              <a:rPr lang="es-CL" dirty="0"/>
+              <a:t>3</a:t>
+            </a:r>
+            <a:r>
+              <a:rPr lang="es-CL" dirty="0" smtClean="0"/>
+              <a:t> </a:t>
+            </a:r>
+            <a:r>
+              <a:rPr lang="es-CL" dirty="0"/>
+              <a:t>grupos de </a:t>
+            </a:r>
+            <a:r>
+              <a:rPr lang="es-CL" dirty="0" smtClean="0"/>
+              <a:t>dos nodos.</a:t>
+            </a:r>
             <a:endParaRPr lang="es-CL" dirty="0">
               <a:solidFill>
                 <a:schemeClr val="bg2">
@@ -8563,19 +7682,18 @@
             </a:r>
           </a:p>
           <a:p>
-            <a:pPr lvl="1"/>
-            <a:endParaRPr lang="es-CL" dirty="0">
+            <a:pPr marL="292608" lvl="1" indent="0">
+              <a:buNone/>
+            </a:pPr>
+            <a:endParaRPr lang="es-CL" dirty="0" smtClean="0">
               <a:solidFill>
-                <a:schemeClr val="bg2">
-                  <a:lumMod val="50000"/>
-                </a:schemeClr>
+                <a:srgbClr val="FF0000"/>
               </a:solidFill>
             </a:endParaRPr>
           </a:p>
           <a:p>
-            <a:pPr marL="578358" lvl="1" indent="-285750">
-              <a:buFontTx/>
-              <a:buChar char="-"/>
+            <a:pPr marL="292608" lvl="1" indent="0">
+              <a:buNone/>
             </a:pPr>
             <a:r>
               <a:rPr lang="es-CL" dirty="0" smtClean="0">
@@ -8583,15 +7701,7 @@
                   <a:srgbClr val="FF0000"/>
                 </a:solidFill>
               </a:rPr>
-              <a:t>Muchos </a:t>
-            </a:r>
-            <a:r>
-              <a:rPr lang="es-CL" dirty="0">
-                <a:solidFill>
-                  <a:srgbClr val="FF0000"/>
-                </a:solidFill>
-              </a:rPr>
-              <a:t>grupos encontrados y se pueden </a:t>
+              <a:t>-</a:t>
             </a:r>
             <a:r>
               <a:rPr lang="es-CL" dirty="0" smtClean="0">
@@ -8599,29 +7709,7 @@
                   <a:srgbClr val="FF0000"/>
                 </a:solidFill>
               </a:rPr>
-              <a:t>reagrupar.</a:t>
-            </a:r>
-          </a:p>
-          <a:p>
-            <a:pPr marL="578358" lvl="1" indent="-285750">
-              <a:buFontTx/>
-              <a:buChar char="-"/>
-            </a:pPr>
-            <a:r>
-              <a:rPr lang="es-CL" dirty="0" smtClean="0">
-                <a:solidFill>
-                  <a:srgbClr val="FF0000"/>
-                </a:solidFill>
-              </a:rPr>
-              <a:t>Muchos </a:t>
-            </a:r>
-            <a:r>
-              <a:rPr lang="es-CL" dirty="0">
-                <a:solidFill>
-                  <a:srgbClr val="FF0000"/>
-                </a:solidFill>
-              </a:rPr>
-              <a:t>casos de </a:t>
+              <a:t>    Muchos </a:t>
             </a:r>
             <a:r>
               <a:rPr lang="es-CL" dirty="0" err="1" smtClean="0">
@@ -8637,11 +7725,35 @@
                   <a:srgbClr val="FF0000"/>
                 </a:solidFill>
               </a:rPr>
-              <a:t> (19.8 %).</a:t>
+              <a:t> </a:t>
+            </a:r>
+            <a:r>
+              <a:rPr lang="es-CL" dirty="0" smtClean="0">
+                <a:solidFill>
+                  <a:srgbClr val="FF0000"/>
+                </a:solidFill>
+              </a:rPr>
+              <a:t>(</a:t>
+            </a:r>
+            <a:r>
+              <a:rPr lang="es-CL" dirty="0" smtClean="0">
+                <a:solidFill>
+                  <a:srgbClr val="FF0000"/>
+                </a:solidFill>
+              </a:rPr>
+              <a:t>18.69</a:t>
+            </a:r>
+            <a:r>
+              <a:rPr lang="es-CL" dirty="0" smtClean="0">
+                <a:solidFill>
+                  <a:srgbClr val="FF0000"/>
+                </a:solidFill>
+              </a:rPr>
+              <a:t>%)</a:t>
             </a:r>
             <a:endParaRPr lang="es-CL" dirty="0">
               <a:solidFill>
-                <a:srgbClr val="00B050"/>
+                <a:srgbClr val="FF0000"/>
               </a:solidFill>
             </a:endParaRPr>
           </a:p>
@@ -8652,7 +7764,36 @@
             <a:r>
               <a:rPr lang="es-CL" dirty="0" smtClean="0">
                 <a:solidFill>
-                  <a:srgbClr val="00B050"/>
+                  <a:srgbClr val="00CC66"/>
+                </a:solidFill>
+              </a:rPr>
+              <a:t>+   Muchos </a:t>
+            </a:r>
+            <a:r>
+              <a:rPr lang="es-CL" dirty="0">
+                <a:solidFill>
+                  <a:srgbClr val="00CC66"/>
+                </a:solidFill>
+              </a:rPr>
+              <a:t>grupos encontrados y se pueden </a:t>
+            </a:r>
+            <a:r>
+              <a:rPr lang="es-CL" dirty="0" smtClean="0">
+                <a:solidFill>
+                  <a:srgbClr val="00CC66"/>
+                </a:solidFill>
+              </a:rPr>
+              <a:t>reagrupar</a:t>
+            </a:r>
+          </a:p>
+          <a:p>
+            <a:pPr marL="292608" lvl="1" indent="0">
+              <a:buNone/>
+            </a:pPr>
+            <a:r>
+              <a:rPr lang="es-CL" dirty="0" smtClean="0">
+                <a:solidFill>
+                  <a:srgbClr val="00CC66"/>
                 </a:solidFill>
               </a:rPr>
               <a:t>+   Grupos </a:t>
@@ -8660,27 +7801,24 @@
             <a:r>
               <a:rPr lang="es-CL" dirty="0">
                 <a:solidFill>
-                  <a:srgbClr val="00B050"/>
+                  <a:srgbClr val="00CC66"/>
                 </a:solidFill>
               </a:rPr>
-              <a:t>bien diferenciados por cantidad de nodos y referencias </a:t>
+              <a:t>poco específicos</a:t>
             </a:r>
             <a:r>
               <a:rPr lang="es-CL" dirty="0" smtClean="0">
                 <a:solidFill>
-                  <a:srgbClr val="00B050"/>
+                  <a:srgbClr val="00CC66"/>
                 </a:solidFill>
               </a:rPr>
-              <a:t>entre </a:t>
-            </a:r>
-            <a:r>
-              <a:rPr lang="es-CL" dirty="0">
-                <a:solidFill>
-                  <a:srgbClr val="00B050"/>
-                </a:solidFill>
-              </a:rPr>
-              <a:t>si.</a:t>
-            </a:r>
+              <a:t>.</a:t>
+            </a:r>
+            <a:endParaRPr lang="es-CL" dirty="0">
+              <a:solidFill>
+                <a:srgbClr val="00CC66"/>
+              </a:solidFill>
+            </a:endParaRPr>
           </a:p>
           <a:p>
             <a:endParaRPr lang="es-CL" dirty="0"/>
@@ -8775,7 +7913,7 @@
         <p:spPr/>
         <p:txBody>
           <a:bodyPr>
-            <a:normAutofit fontScale="92500" lnSpcReduction="10000"/>
+            <a:normAutofit/>
           </a:bodyPr>
           <a:lstStyle/>
           <a:p>
@@ -8820,7 +7958,27 @@
                   </a:schemeClr>
                 </a:solidFill>
               </a:rPr>
-              <a:t>20%, </a:t>
+              <a:t>1</a:t>
+            </a:r>
+            <a:r>
+              <a:rPr lang="es-CL" dirty="0" smtClean="0">
+                <a:solidFill>
+                  <a:schemeClr val="bg2">
+                    <a:lumMod val="50000"/>
+                  </a:schemeClr>
+                </a:solidFill>
+              </a:rPr>
+              <a:t>2.5</a:t>
+            </a:r>
+            <a:r>
+              <a:rPr lang="es-CL" dirty="0" smtClean="0">
+                <a:solidFill>
+                  <a:schemeClr val="bg2">
+                    <a:lumMod val="50000"/>
+                  </a:schemeClr>
+                </a:solidFill>
+              </a:rPr>
+              <a:t>%, </a:t>
             </a:r>
             <a:r>
               <a:rPr lang="es-CL" dirty="0">
@@ -8830,10 +7988,28 @@
                   </a:schemeClr>
                 </a:solidFill>
               </a:rPr>
-              <a:t>unir grupos bajo 3%</a:t>
-            </a:r>
-          </a:p>
-          <a:p>
+              <a:t>unir grupos bajo </a:t>
+            </a:r>
+            <a:r>
+              <a:rPr lang="es-CL" dirty="0">
+                <a:solidFill>
+                  <a:schemeClr val="bg2">
+                    <a:lumMod val="50000"/>
+                  </a:schemeClr>
+                </a:solidFill>
+              </a:rPr>
+              <a:t>3</a:t>
+            </a:r>
+            <a:r>
+              <a:rPr lang="es-CL" dirty="0" smtClean="0">
+                <a:solidFill>
+                  <a:schemeClr val="bg2">
+                    <a:lumMod val="50000"/>
+                  </a:schemeClr>
+                </a:solidFill>
+              </a:rPr>
+              <a:t>%</a:t>
+            </a:r>
             <a:endParaRPr lang="es-CL" dirty="0">
               <a:solidFill>
                 <a:schemeClr val="bg2">
@@ -8843,6 +8019,15 @@
             </a:endParaRPr>
           </a:p>
           <a:p>
+            <a:endParaRPr lang="es-CL" dirty="0">
+              <a:solidFill>
+                <a:schemeClr val="bg2">
+                  <a:lumMod val="50000"/>
+                </a:schemeClr>
+              </a:solidFill>
+            </a:endParaRPr>
+          </a:p>
+          <a:p>
             <a:pPr lvl="1">
               <a:buFont typeface="Wingdings" panose="05000000000000000000" pitchFamily="2" charset="2"/>
               <a:buChar char="§"/>
@@ -8853,7 +8038,7 @@
             </a:r>
             <a:r>
               <a:rPr lang="es-CL" dirty="0" smtClean="0"/>
-              <a:t>6 </a:t>
+              <a:t>9 </a:t>
             </a:r>
             <a:r>
               <a:rPr lang="es-CL" dirty="0"/>
@@ -8870,8 +8055,24 @@
               <a:t>    </a:t>
             </a:r>
             <a:r>
+              <a:rPr lang="es-CL" dirty="0"/>
+              <a:t>8</a:t>
+            </a:r>
+            <a:r>
               <a:rPr lang="es-CL" dirty="0" smtClean="0"/>
-              <a:t>Todos de 3 nodos.</a:t>
+              <a:t> </a:t>
+            </a:r>
+            <a:r>
+              <a:rPr lang="es-CL" dirty="0" smtClean="0"/>
+              <a:t>de tres nodos y </a:t>
+            </a:r>
+            <a:r>
+              <a:rPr lang="es-CL" dirty="0" smtClean="0"/>
+              <a:t>1 </a:t>
+            </a:r>
+            <a:r>
+              <a:rPr lang="es-CL" dirty="0" smtClean="0"/>
+              <a:t>de dos nodos.</a:t>
             </a:r>
             <a:endParaRPr lang="es-CL" dirty="0"/>
           </a:p>
@@ -8904,18 +8105,20 @@
             </a:r>
           </a:p>
           <a:p>
-            <a:pPr lvl="1"/>
-            <a:endParaRPr lang="es-CL" dirty="0">
+            <a:pPr lvl="1">
+              <a:buFontTx/>
+              <a:buChar char="-"/>
+            </a:pPr>
+            <a:endParaRPr lang="es-CL" dirty="0" smtClean="0">
               <a:solidFill>
-                <a:schemeClr val="bg2">
-                  <a:lumMod val="50000"/>
-                </a:schemeClr>
+                <a:srgbClr val="FF0000"/>
               </a:solidFill>
             </a:endParaRPr>
           </a:p>
           <a:p>
-            <a:pPr marL="201168" lvl="1" indent="0">
-              <a:buNone/>
+            <a:pPr lvl="1">
+              <a:buFontTx/>
+              <a:buChar char="-"/>
             </a:pPr>
             <a:r>
               <a:rPr lang="es-CL" dirty="0" smtClean="0">
@@ -8923,58 +8126,53 @@
                   <a:srgbClr val="FF0000"/>
                 </a:solidFill>
               </a:rPr>
-              <a:t>- Desaparece </a:t>
-            </a:r>
-            <a:r>
-              <a:rPr lang="es-CL" dirty="0">
+              <a:t>Muchos </a:t>
+            </a:r>
+            <a:r>
+              <a:rPr lang="es-CL" dirty="0" err="1" smtClean="0">
                 <a:solidFill>
                   <a:srgbClr val="FF0000"/>
                 </a:solidFill>
               </a:rPr>
-              <a:t>medico solo y se mezcla en otro grupo</a:t>
-            </a:r>
-          </a:p>
-          <a:p>
-            <a:pPr marL="201168" lvl="1" indent="0">
-              <a:buNone/>
-            </a:pPr>
+              <a:t>outliers</a:t>
+            </a:r>
             <a:r>
               <a:rPr lang="es-CL" dirty="0" smtClean="0">
                 <a:solidFill>
                   <a:srgbClr val="FF0000"/>
                 </a:solidFill>
               </a:rPr>
-              <a:t>- Grupos </a:t>
-            </a:r>
-            <a:r>
-              <a:rPr lang="es-CL" dirty="0">
-                <a:solidFill>
-                  <a:srgbClr val="FF0000"/>
-                </a:solidFill>
-              </a:rPr>
-              <a:t>muy generales y complejos de analizar</a:t>
-            </a:r>
-          </a:p>
-          <a:p>
-            <a:pPr marL="201168" lvl="1" indent="0">
-              <a:buNone/>
-            </a:pPr>
+              <a:t> </a:t>
+            </a:r>
             <a:r>
               <a:rPr lang="es-CL" dirty="0" smtClean="0">
                 <a:solidFill>
                   <a:srgbClr val="FF0000"/>
                 </a:solidFill>
               </a:rPr>
-              <a:t>- Difieren </a:t>
-            </a:r>
-            <a:r>
-              <a:rPr lang="es-CL" dirty="0">
+              <a:t>(</a:t>
+            </a:r>
+            <a:r>
+              <a:rPr lang="es-CL" dirty="0" smtClean="0">
                 <a:solidFill>
                   <a:srgbClr val="FF0000"/>
                 </a:solidFill>
               </a:rPr>
-              <a:t>en referencias y/o derivaciones </a:t>
-            </a:r>
+              <a:t>13</a:t>
+            </a:r>
+            <a:r>
+              <a:rPr lang="es-CL" dirty="0" smtClean="0">
+                <a:solidFill>
+                  <a:srgbClr val="FF0000"/>
+                </a:solidFill>
+              </a:rPr>
+              <a:t>.24%)</a:t>
+            </a:r>
+            <a:endParaRPr lang="es-CL" dirty="0">
+              <a:solidFill>
+                <a:srgbClr val="FF0000"/>
+              </a:solidFill>
+            </a:endParaRPr>
           </a:p>
           <a:p>
             <a:pPr marL="201168" lvl="1" indent="0">
@@ -8990,23 +8188,15 @@
                   <a:srgbClr val="00B050"/>
                 </a:solidFill>
               </a:rPr>
-              <a:t>+ Pocos </a:t>
-            </a:r>
-            <a:r>
-              <a:rPr lang="es-CL" dirty="0">
+              <a:t>+ Grupos diferenciados por derivaciones, permite </a:t>
+            </a:r>
+            <a:r>
+              <a:rPr lang="es-CL" dirty="0" smtClean="0">
                 <a:solidFill>
                   <a:srgbClr val="00B050"/>
                 </a:solidFill>
               </a:rPr>
-              <a:t>casos en </a:t>
-            </a:r>
-            <a:r>
-              <a:rPr lang="es-CL" dirty="0" err="1">
-                <a:solidFill>
-                  <a:srgbClr val="00B050"/>
-                </a:solidFill>
-              </a:rPr>
-              <a:t>outliers</a:t>
+              <a:t>reagrupar (3 nodos).</a:t>
             </a:r>
             <a:endParaRPr lang="es-CL" dirty="0">
               <a:solidFill>
@@ -9104,7 +8294,7 @@
         <p:spPr/>
         <p:txBody>
           <a:bodyPr>
-            <a:normAutofit fontScale="92500" lnSpcReduction="10000"/>
+            <a:normAutofit/>
           </a:bodyPr>
           <a:lstStyle/>
           <a:p>
@@ -9142,6 +8332,16 @@
               <a:t>(di) similitud </a:t>
             </a:r>
             <a:r>
+              <a:rPr lang="es-CL" dirty="0">
+                <a:solidFill>
+                  <a:schemeClr val="bg2">
+                    <a:lumMod val="50000"/>
+                  </a:schemeClr>
+                </a:solidFill>
+              </a:rPr>
+              <a:t>7</a:t>
+            </a:r>
+            <a:r>
               <a:rPr lang="es-CL" dirty="0" smtClean="0">
                 <a:solidFill>
                   <a:schemeClr val="bg2">
@@ -9149,7 +8349,7 @@
                   </a:schemeClr>
                 </a:solidFill>
               </a:rPr>
-              <a:t>17.5%, </a:t>
+              <a:t>%, </a:t>
             </a:r>
             <a:r>
               <a:rPr lang="es-CL" dirty="0">
@@ -9159,10 +8359,18 @@
                   </a:schemeClr>
                 </a:solidFill>
               </a:rPr>
-              <a:t>unir grupos bajo 3%</a:t>
-            </a:r>
-          </a:p>
-          <a:p>
+              <a:t>unir grupos </a:t>
+            </a:r>
+            <a:r>
+              <a:rPr lang="es-CL" dirty="0" smtClean="0">
+                <a:solidFill>
+                  <a:schemeClr val="bg2">
+                    <a:lumMod val="50000"/>
+                  </a:schemeClr>
+                </a:solidFill>
+              </a:rPr>
+              <a:t>bajo 3%</a:t>
+            </a:r>
             <a:endParaRPr lang="es-CL" dirty="0">
               <a:solidFill>
                 <a:schemeClr val="bg2">
@@ -9172,13 +8380,26 @@
             </a:endParaRPr>
           </a:p>
           <a:p>
+            <a:endParaRPr lang="es-CL" dirty="0">
+              <a:solidFill>
+                <a:schemeClr val="bg2">
+                  <a:lumMod val="50000"/>
+                </a:schemeClr>
+              </a:solidFill>
+            </a:endParaRPr>
+          </a:p>
+          <a:p>
             <a:pPr lvl="1">
               <a:buFont typeface="Wingdings" panose="05000000000000000000" pitchFamily="2" charset="2"/>
               <a:buChar char="§"/>
             </a:pPr>
             <a:r>
+              <a:rPr lang="es-CL" dirty="0" smtClean="0"/>
+              <a:t>10 </a:t>
+            </a:r>
+            <a:r>
               <a:rPr lang="es-CL" dirty="0"/>
-              <a:t>8 grupos encontrados.</a:t>
+              <a:t>grupos encontrados.</a:t>
             </a:r>
           </a:p>
           <a:p>
@@ -9188,8 +8409,29 @@
             </a:pPr>
             <a:r>
               <a:rPr lang="es-CL" dirty="0"/>
-              <a:t>6 de 3 nodos, 1 de 2 nodos y 1 de 1 nodo.</a:t>
-            </a:r>
+              <a:t>6</a:t>
+            </a:r>
+            <a:r>
+              <a:rPr lang="es-CL" dirty="0" smtClean="0"/>
+              <a:t> </a:t>
+            </a:r>
+            <a:r>
+              <a:rPr lang="es-CL" dirty="0"/>
+              <a:t>de 3 nodos, </a:t>
+            </a:r>
+            <a:r>
+              <a:rPr lang="es-CL" dirty="0" smtClean="0"/>
+              <a:t>4 </a:t>
+            </a:r>
+            <a:r>
+              <a:rPr lang="es-CL" dirty="0"/>
+              <a:t>de 2 </a:t>
+            </a:r>
+            <a:r>
+              <a:rPr lang="es-CL" dirty="0" smtClean="0"/>
+              <a:t>nodos.</a:t>
+            </a:r>
+            <a:endParaRPr lang="es-CL" dirty="0"/>
           </a:p>
           <a:p>
             <a:pPr lvl="1">
@@ -9230,8 +8472,9 @@
             </a:endParaRPr>
           </a:p>
           <a:p>
-            <a:pPr marL="292608" lvl="1" indent="0">
-              <a:buNone/>
+            <a:pPr marL="578358" lvl="1" indent="-285750">
+              <a:buFontTx/>
+              <a:buChar char="-"/>
             </a:pPr>
             <a:r>
               <a:rPr lang="es-CL" dirty="0" smtClean="0">
@@ -9239,15 +8482,15 @@
                   <a:srgbClr val="FF0000"/>
                 </a:solidFill>
               </a:rPr>
-              <a:t>-  Difieren </a:t>
-            </a:r>
-            <a:r>
-              <a:rPr lang="es-CL" dirty="0">
+              <a:t>Muchos </a:t>
+            </a:r>
+            <a:r>
+              <a:rPr lang="es-CL" dirty="0" err="1" smtClean="0">
                 <a:solidFill>
                   <a:srgbClr val="FF0000"/>
                 </a:solidFill>
               </a:rPr>
-              <a:t>poco en concentración de profesionales (en referencias) pero son diferentes en derivaciones (en cantidad</a:t>
+              <a:t>ouliers</a:t>
             </a:r>
             <a:r>
               <a:rPr lang="es-CL" dirty="0" smtClean="0">
@@ -9255,9 +8498,9 @@
                   <a:srgbClr val="FF0000"/>
                 </a:solidFill>
               </a:rPr>
-              <a:t>).</a:t>
-            </a:r>
-            <a:endParaRPr lang="es-CL" dirty="0">
+              <a:t> (35.61%)</a:t>
+            </a:r>
+            <a:endParaRPr lang="es-CL" dirty="0" smtClean="0">
               <a:solidFill>
                 <a:srgbClr val="FF0000"/>
               </a:solidFill>
@@ -9270,40 +8513,40 @@
             <a:r>
               <a:rPr lang="es-CL" dirty="0" smtClean="0">
                 <a:solidFill>
-                  <a:srgbClr val="FF0000"/>
+                  <a:srgbClr val="00CC66"/>
                 </a:solidFill>
               </a:rPr>
-              <a:t>-  Desaparece </a:t>
-            </a:r>
-            <a:r>
-              <a:rPr lang="es-CL" dirty="0">
+              <a:t>+   Se pueden reagrupar los  grupos </a:t>
+            </a:r>
+            <a:r>
+              <a:rPr lang="es-CL" dirty="0" smtClean="0">
                 <a:solidFill>
-                  <a:srgbClr val="FF0000"/>
+                  <a:srgbClr val="00CC66"/>
                 </a:solidFill>
               </a:rPr>
-              <a:t>medico nutricionista en comparación al primer grupo.</a:t>
-            </a:r>
-          </a:p>
-          <a:p>
-            <a:pPr marL="292608" lvl="1" indent="0">
-              <a:buNone/>
-            </a:pPr>
+              <a:t>de tres </a:t>
+            </a:r>
             <a:r>
               <a:rPr lang="es-CL" dirty="0" smtClean="0">
                 <a:solidFill>
-                  <a:srgbClr val="00B050"/>
+                  <a:srgbClr val="00CC66"/>
                 </a:solidFill>
               </a:rPr>
-              <a:t>+ Grupos </a:t>
-            </a:r>
-            <a:r>
-              <a:rPr lang="es-CL" dirty="0">
+              <a:t>nodos</a:t>
+            </a:r>
+            <a:r>
+              <a:rPr lang="es-CL" dirty="0" smtClean="0">
                 <a:solidFill>
-                  <a:srgbClr val="00B050"/>
+                  <a:srgbClr val="00CC66"/>
                 </a:solidFill>
               </a:rPr>
-              <a:t>diferenciados por relación entre disciplinas (derivaciones).</a:t>
-            </a:r>
+              <a:t>.</a:t>
+            </a:r>
+            <a:endParaRPr lang="es-CL" dirty="0">
+              <a:solidFill>
+                <a:srgbClr val="00B050"/>
+              </a:solidFill>
+            </a:endParaRPr>
           </a:p>
           <a:p>
             <a:pPr marL="384048" lvl="2" indent="0">
@@ -9417,7 +8660,15 @@
           <a:p>
             <a:r>
               <a:rPr lang="es-CL" sz="2800" dirty="0" smtClean="0"/>
-              <a:t>Se seleccionará el primer grupo:</a:t>
+              <a:t>Se seleccionará el </a:t>
+            </a:r>
+            <a:r>
+              <a:rPr lang="es-CL" sz="2800" dirty="0" smtClean="0"/>
+              <a:t>primer grupo</a:t>
+            </a:r>
+            <a:r>
+              <a:rPr lang="es-CL" sz="2800" dirty="0" smtClean="0"/>
+              <a:t>:</a:t>
             </a:r>
           </a:p>
           <a:p>
@@ -9438,7 +8689,18 @@
             <a:pPr lvl="1"/>
             <a:r>
               <a:rPr lang="es-CL" sz="2400" dirty="0" smtClean="0"/>
-              <a:t>Toma en consideración la forma de sus referencias entre las distintas disciplinas.</a:t>
+              <a:t>Toma en consideración la forma de sus referencias entre las distintas disciplinas</a:t>
+            </a:r>
+            <a:r>
+              <a:rPr lang="es-CL" sz="2400" dirty="0" smtClean="0"/>
+              <a:t>.</a:t>
+            </a:r>
+          </a:p>
+          <a:p>
+            <a:pPr lvl="1"/>
+            <a:r>
+              <a:rPr lang="es-CL" sz="2400" dirty="0" smtClean="0"/>
+              <a:t>Permite a priori, reagrupar los nodos,</a:t>
             </a:r>
             <a:endParaRPr lang="es-CL" sz="2400" dirty="0"/>
           </a:p>
@@ -9481,44 +8743,29 @@
           <a:chExt cx="0" cy="0"/>
         </a:xfrm>
       </p:grpSpPr>
-      <p:sp>
-        <p:nvSpPr>
-          <p:cNvPr id="2" name="Título 1"/>
-          <p:cNvSpPr>
-            <a:spLocks noGrp="1"/>
-          </p:cNvSpPr>
-          <p:nvPr>
-            <p:ph type="title"/>
-          </p:nvPr>
-        </p:nvSpPr>
-        <p:spPr/>
-        <p:txBody>
-          <a:bodyPr/>
-          <a:lstStyle/>
-          <a:p>
-            <a:r>
-              <a:rPr lang="es-CL" dirty="0" smtClean="0"/>
-              <a:t>Patrones</a:t>
-            </a:r>
-            <a:br>
-              <a:rPr lang="es-CL" dirty="0" smtClean="0"/>
-            </a:br>
-            <a:r>
-              <a:rPr lang="es-CL" sz="2000" dirty="0" smtClean="0">
-                <a:solidFill>
-                  <a:srgbClr val="0070C0"/>
-                </a:solidFill>
-              </a:rPr>
-              <a:t>Un nodo</a:t>
-            </a:r>
-            <a:endParaRPr lang="es-CL" sz="4400" dirty="0">
-              <a:solidFill>
-                <a:srgbClr val="0070C0"/>
-              </a:solidFill>
-            </a:endParaRPr>
-          </a:p>
-        </p:txBody>
-      </p:sp>
+      <p:pic>
+        <p:nvPicPr>
+          <p:cNvPr id="4" name="Imagen 3"/>
+          <p:cNvPicPr>
+            <a:picLocks noChangeAspect="1"/>
+          </p:cNvPicPr>
+          <p:nvPr/>
+        </p:nvPicPr>
+        <p:blipFill rotWithShape="1">
+          <a:blip r:embed="rId2"/>
+          <a:srcRect l="44328" t="27686" r="24724" b="38103"/>
+          <a:stretch/>
+        </p:blipFill>
+        <p:spPr>
+          <a:xfrm>
+            <a:off x="7129111" y="1925054"/>
+            <a:ext cx="4026569" cy="2502568"/>
+          </a:xfrm>
+          <a:prstGeom prst="rect">
+            <a:avLst/>
+          </a:prstGeom>
+        </p:spPr>
+      </p:pic>
       <p:pic>
         <p:nvPicPr>
           <p:cNvPr id="5" name="Imagen 4"/>
@@ -9528,24 +8775,175 @@
           <p:nvPr/>
         </p:nvPicPr>
         <p:blipFill rotWithShape="1">
-          <a:blip r:embed="rId2"/>
-          <a:srcRect l="31259" t="39879" r="33288" b="38666"/>
+          <a:blip r:embed="rId3"/>
+          <a:srcRect l="44945" t="21107" r="25095" b="41612"/>
           <a:stretch/>
         </p:blipFill>
         <p:spPr>
           <a:xfrm>
-            <a:off x="2862241" y="2479109"/>
-            <a:ext cx="6528478" cy="2221227"/>
+            <a:off x="477253" y="1812758"/>
+            <a:ext cx="3898232" cy="2727159"/>
           </a:xfrm>
           <a:prstGeom prst="rect">
             <a:avLst/>
           </a:prstGeom>
         </p:spPr>
       </p:pic>
+      <p:sp>
+        <p:nvSpPr>
+          <p:cNvPr id="2" name="Título 1"/>
+          <p:cNvSpPr>
+            <a:spLocks noGrp="1"/>
+          </p:cNvSpPr>
+          <p:nvPr>
+            <p:ph type="title"/>
+          </p:nvPr>
+        </p:nvSpPr>
+        <p:spPr/>
+        <p:txBody>
+          <a:bodyPr/>
+          <a:lstStyle/>
+          <a:p>
+            <a:r>
+              <a:rPr lang="es-CL" dirty="0" smtClean="0"/>
+              <a:t>Patrones</a:t>
+            </a:r>
+            <a:br>
+              <a:rPr lang="es-CL" dirty="0" smtClean="0"/>
+            </a:br>
+            <a:r>
+              <a:rPr lang="es-CL" sz="2000" dirty="0" smtClean="0">
+                <a:solidFill>
+                  <a:srgbClr val="0070C0"/>
+                </a:solidFill>
+              </a:rPr>
+              <a:t>Dos nodos</a:t>
+            </a:r>
+            <a:endParaRPr lang="es-CL" dirty="0">
+              <a:solidFill>
+                <a:srgbClr val="0070C0"/>
+              </a:solidFill>
+            </a:endParaRPr>
+          </a:p>
+        </p:txBody>
+      </p:sp>
+      <p:pic>
+        <p:nvPicPr>
+          <p:cNvPr id="3" name="Imagen 2"/>
+          <p:cNvPicPr>
+            <a:picLocks noChangeAspect="1"/>
+          </p:cNvPicPr>
+          <p:nvPr/>
+        </p:nvPicPr>
+        <p:blipFill rotWithShape="1">
+          <a:blip r:embed="rId4"/>
+          <a:srcRect l="45315" t="22643" r="20532" b="42928"/>
+          <a:stretch/>
+        </p:blipFill>
+        <p:spPr>
+          <a:xfrm>
+            <a:off x="3904648" y="3596640"/>
+            <a:ext cx="4443664" cy="2518612"/>
+          </a:xfrm>
+          <a:prstGeom prst="rect">
+            <a:avLst/>
+          </a:prstGeom>
+        </p:spPr>
+      </p:pic>
+      <p:sp>
+        <p:nvSpPr>
+          <p:cNvPr id="7" name="CuadroTexto 6"/>
+          <p:cNvSpPr txBox="1"/>
+          <p:nvPr/>
+        </p:nvSpPr>
+        <p:spPr>
+          <a:xfrm>
+            <a:off x="4283242" y="2053389"/>
+            <a:ext cx="449179" cy="369332"/>
+          </a:xfrm>
+          <a:prstGeom prst="rect">
+            <a:avLst/>
+          </a:prstGeom>
+          <a:noFill/>
+        </p:spPr>
+        <p:txBody>
+          <a:bodyPr wrap="square" rtlCol="0">
+            <a:spAutoFit/>
+          </a:bodyPr>
+          <a:lstStyle/>
+          <a:p>
+            <a:r>
+              <a:rPr lang="es-CL" dirty="0" smtClean="0"/>
+              <a:t>1</a:t>
+            </a:r>
+            <a:endParaRPr lang="es-CL" dirty="0"/>
+          </a:p>
+        </p:txBody>
+      </p:sp>
+      <p:sp>
+        <p:nvSpPr>
+          <p:cNvPr id="8" name="CuadroTexto 7"/>
+          <p:cNvSpPr txBox="1"/>
+          <p:nvPr/>
+        </p:nvSpPr>
+        <p:spPr>
+          <a:xfrm>
+            <a:off x="10931090" y="2095355"/>
+            <a:ext cx="449179" cy="369332"/>
+          </a:xfrm>
+          <a:prstGeom prst="rect">
+            <a:avLst/>
+          </a:prstGeom>
+          <a:noFill/>
+        </p:spPr>
+        <p:txBody>
+          <a:bodyPr wrap="square" rtlCol="0">
+            <a:spAutoFit/>
+          </a:bodyPr>
+          <a:lstStyle/>
+          <a:p>
+            <a:r>
+              <a:rPr lang="es-CL" dirty="0"/>
+              <a:t>2</a:t>
+            </a:r>
+            <a:endParaRPr lang="es-CL" dirty="0"/>
+          </a:p>
+        </p:txBody>
+      </p:sp>
+      <p:sp>
+        <p:nvSpPr>
+          <p:cNvPr id="9" name="CuadroTexto 8"/>
+          <p:cNvSpPr txBox="1"/>
+          <p:nvPr/>
+        </p:nvSpPr>
+        <p:spPr>
+          <a:xfrm>
+            <a:off x="7628021" y="5702785"/>
+            <a:ext cx="449179" cy="369332"/>
+          </a:xfrm>
+          <a:prstGeom prst="rect">
+            <a:avLst/>
+          </a:prstGeom>
+          <a:noFill/>
+        </p:spPr>
+        <p:txBody>
+          <a:bodyPr wrap="square" rtlCol="0">
+            <a:spAutoFit/>
+          </a:bodyPr>
+          <a:lstStyle/>
+          <a:p>
+            <a:r>
+              <a:rPr lang="es-CL" dirty="0" smtClean="0"/>
+              <a:t>3</a:t>
+            </a:r>
+            <a:endParaRPr lang="es-CL" dirty="0"/>
+          </a:p>
+        </p:txBody>
+      </p:sp>
     </p:spTree>
     <p:extLst>
       <p:ext uri="{BB962C8B-B14F-4D97-AF65-F5344CB8AC3E}">
-        <p14:creationId xmlns:p14="http://schemas.microsoft.com/office/powerpoint/2010/main" val="3112136802"/>
+        <p14:creationId xmlns:p14="http://schemas.microsoft.com/office/powerpoint/2010/main" val="1400983434"/>
       </p:ext>
     </p:extLst>
   </p:cSld>
@@ -9586,7 +8984,7 @@
             <a:spLocks noGrp="1"/>
           </p:cNvSpPr>
           <p:nvPr>
-            <p:ph type="title"/>
+            <p:ph type="ctrTitle"/>
           </p:nvPr>
         </p:nvSpPr>
         <p:spPr/>
@@ -9596,90 +8994,22 @@
           <a:p>
             <a:r>
               <a:rPr lang="es-CL" dirty="0" smtClean="0"/>
-              <a:t>Patrones</a:t>
-            </a:r>
-            <a:br>
-              <a:rPr lang="es-CL" dirty="0" smtClean="0"/>
-            </a:br>
-            <a:r>
-              <a:rPr lang="es-CL" sz="2000" dirty="0" smtClean="0">
-                <a:solidFill>
-                  <a:srgbClr val="0070C0"/>
-                </a:solidFill>
-              </a:rPr>
-              <a:t>Dos nodos</a:t>
-            </a:r>
-            <a:endParaRPr lang="es-CL" dirty="0">
-              <a:solidFill>
-                <a:srgbClr val="0070C0"/>
-              </a:solidFill>
-            </a:endParaRPr>
-          </a:p>
-        </p:txBody>
-      </p:sp>
-      <p:pic>
-        <p:nvPicPr>
-          <p:cNvPr id="5" name="Imagen 4"/>
-          <p:cNvPicPr>
-            <a:picLocks noChangeAspect="1"/>
-          </p:cNvPicPr>
-          <p:nvPr/>
-        </p:nvPicPr>
-        <p:blipFill rotWithShape="1">
-          <a:blip r:embed="rId2"/>
-          <a:srcRect l="31488" t="23823" r="32448" b="33443"/>
-          <a:stretch/>
-        </p:blipFill>
-        <p:spPr>
-          <a:xfrm>
-            <a:off x="6126480" y="2169454"/>
-            <a:ext cx="5130702" cy="3418102"/>
-          </a:xfrm>
-          <a:prstGeom prst="rect">
-            <a:avLst/>
-          </a:prstGeom>
-        </p:spPr>
-      </p:pic>
-      <p:pic>
-        <p:nvPicPr>
-          <p:cNvPr id="6" name="Imagen 5"/>
-          <p:cNvPicPr>
-            <a:picLocks noChangeAspect="1"/>
-          </p:cNvPicPr>
-          <p:nvPr/>
-        </p:nvPicPr>
-        <p:blipFill rotWithShape="1">
-          <a:blip r:embed="rId3"/>
-          <a:srcRect l="8244" t="42500" r="62240" b="25000"/>
-          <a:stretch/>
-        </p:blipFill>
-        <p:spPr>
-          <a:xfrm>
-            <a:off x="1035826" y="2355496"/>
-            <a:ext cx="5447956" cy="3046019"/>
-          </a:xfrm>
-          <a:prstGeom prst="rect">
-            <a:avLst/>
-          </a:prstGeom>
-        </p:spPr>
-      </p:pic>
+              <a:t>Cruce de los tres grupos para re - agrupar</a:t>
+            </a:r>
+            <a:endParaRPr lang="es-CL" dirty="0"/>
+          </a:p>
+        </p:txBody>
+      </p:sp>
     </p:spTree>
     <p:extLst>
       <p:ext uri="{BB962C8B-B14F-4D97-AF65-F5344CB8AC3E}">
-        <p14:creationId xmlns:p14="http://schemas.microsoft.com/office/powerpoint/2010/main" val="1400983434"/>
+        <p14:creationId xmlns:p14="http://schemas.microsoft.com/office/powerpoint/2010/main" val="858899867"/>
       </p:ext>
     </p:extLst>
   </p:cSld>
   <p:clrMapOvr>
     <a:masterClrMapping/>
   </p:clrMapOvr>
-  <p:timing>
-    <p:tnLst>
-      <p:par>
-        <p:cTn id="1" dur="indefinite" restart="never" nodeType="tmRoot"/>
-      </p:par>
-    </p:tnLst>
-  </p:timing>
 </p:sld>
 </file>
 
@@ -9728,7 +9058,7 @@
                   <a:srgbClr val="0070C0"/>
                 </a:solidFill>
               </a:rPr>
-              <a:t>Tres nodos</a:t>
+              <a:t>Cruce primer y segundo grupo (dos nodos)</a:t>
             </a:r>
             <a:endParaRPr lang="es-CL" dirty="0">
               <a:solidFill>
@@ -9740,278 +9070,31 @@
       </p:sp>
       <p:pic>
         <p:nvPicPr>
-          <p:cNvPr id="5" name="Imagen 4"/>
+          <p:cNvPr id="3" name="Imagen 2"/>
           <p:cNvPicPr>
             <a:picLocks noChangeAspect="1"/>
           </p:cNvPicPr>
           <p:nvPr/>
         </p:nvPicPr>
         <p:blipFill rotWithShape="1">
-          <a:blip r:embed="rId3"/>
-          <a:srcRect l="7763" t="17490" r="59511" b="40159"/>
+          <a:blip r:embed="rId2"/>
+          <a:srcRect l="7093" t="28563" r="19423" b="53016"/>
           <a:stretch/>
         </p:blipFill>
         <p:spPr>
           <a:xfrm>
-            <a:off x="1097278" y="2014480"/>
-            <a:ext cx="2845613" cy="2070365"/>
+            <a:off x="411198" y="2614864"/>
+            <a:ext cx="11430564" cy="2261936"/>
           </a:xfrm>
           <a:prstGeom prst="rect">
             <a:avLst/>
           </a:prstGeom>
         </p:spPr>
       </p:pic>
-      <p:pic>
-        <p:nvPicPr>
-          <p:cNvPr id="6" name="Imagen 5"/>
-          <p:cNvPicPr>
-            <a:picLocks noChangeAspect="1"/>
-          </p:cNvPicPr>
-          <p:nvPr/>
-        </p:nvPicPr>
-        <p:blipFill rotWithShape="1">
-          <a:blip r:embed="rId4"/>
-          <a:srcRect l="6819" t="27379" r="58042" b="28218"/>
-          <a:stretch/>
-        </p:blipFill>
-        <p:spPr>
-          <a:xfrm>
-            <a:off x="4550399" y="3966497"/>
-            <a:ext cx="3067851" cy="2179548"/>
-          </a:xfrm>
-          <a:prstGeom prst="rect">
-            <a:avLst/>
-          </a:prstGeom>
-        </p:spPr>
-      </p:pic>
-      <p:pic>
-        <p:nvPicPr>
-          <p:cNvPr id="7" name="Imagen 6"/>
-          <p:cNvPicPr>
-            <a:picLocks noChangeAspect="1"/>
-          </p:cNvPicPr>
-          <p:nvPr/>
-        </p:nvPicPr>
-        <p:blipFill rotWithShape="1">
-          <a:blip r:embed="rId5"/>
-          <a:srcRect l="7868" t="28498" r="60035" b="30644"/>
-          <a:stretch/>
-        </p:blipFill>
-        <p:spPr>
-          <a:xfrm>
-            <a:off x="8229133" y="2030105"/>
-            <a:ext cx="2892839" cy="2070365"/>
-          </a:xfrm>
-          <a:prstGeom prst="rect">
-            <a:avLst/>
-          </a:prstGeom>
-        </p:spPr>
-      </p:pic>
-      <p:pic>
-        <p:nvPicPr>
-          <p:cNvPr id="8" name="Imagen 7"/>
-          <p:cNvPicPr>
-            <a:picLocks noChangeAspect="1"/>
-          </p:cNvPicPr>
-          <p:nvPr/>
-        </p:nvPicPr>
-        <p:blipFill rotWithShape="1">
-          <a:blip r:embed="rId6"/>
-          <a:srcRect l="7344" t="28498" r="62447" b="33255"/>
-          <a:stretch/>
-        </p:blipFill>
-        <p:spPr>
-          <a:xfrm>
-            <a:off x="4644990" y="1967667"/>
-            <a:ext cx="2847256" cy="2026692"/>
-          </a:xfrm>
-          <a:prstGeom prst="rect">
-            <a:avLst/>
-          </a:prstGeom>
-        </p:spPr>
-      </p:pic>
-      <p:pic>
-        <p:nvPicPr>
-          <p:cNvPr id="9" name="Imagen 8"/>
-          <p:cNvPicPr>
-            <a:picLocks noChangeAspect="1"/>
-          </p:cNvPicPr>
-          <p:nvPr/>
-        </p:nvPicPr>
-        <p:blipFill rotWithShape="1">
-          <a:blip r:embed="rId7"/>
-          <a:srcRect l="7553" t="32043" r="62133" b="26726"/>
-          <a:stretch/>
-        </p:blipFill>
-        <p:spPr>
-          <a:xfrm>
-            <a:off x="8242951" y="4006075"/>
-            <a:ext cx="2629178" cy="2010548"/>
-          </a:xfrm>
-          <a:prstGeom prst="rect">
-            <a:avLst/>
-          </a:prstGeom>
-        </p:spPr>
-      </p:pic>
-      <p:pic>
-        <p:nvPicPr>
-          <p:cNvPr id="10" name="Imagen 9"/>
-          <p:cNvPicPr>
-            <a:picLocks noChangeAspect="1"/>
-          </p:cNvPicPr>
-          <p:nvPr/>
-        </p:nvPicPr>
-        <p:blipFill rotWithShape="1">
-          <a:blip r:embed="rId8"/>
-          <a:srcRect l="3357" t="31856" r="60664" b="17211"/>
-          <a:stretch/>
-        </p:blipFill>
-        <p:spPr>
-          <a:xfrm>
-            <a:off x="1291787" y="4198192"/>
-            <a:ext cx="2456597" cy="1955251"/>
-          </a:xfrm>
-          <a:prstGeom prst="rect">
-            <a:avLst/>
-          </a:prstGeom>
-        </p:spPr>
-      </p:pic>
-      <p:sp>
-        <p:nvSpPr>
-          <p:cNvPr id="11" name="Rectángulo redondeado 10"/>
-          <p:cNvSpPr/>
-          <p:nvPr/>
-        </p:nvSpPr>
-        <p:spPr>
-          <a:xfrm>
-            <a:off x="982639" y="1901133"/>
-            <a:ext cx="2960253" cy="4209885"/>
-          </a:xfrm>
-          <a:prstGeom prst="roundRect">
-            <a:avLst/>
-          </a:prstGeom>
-          <a:noFill/>
-          <a:ln>
-            <a:solidFill>
-              <a:srgbClr val="FF0000"/>
-            </a:solidFill>
-          </a:ln>
-        </p:spPr>
-        <p:style>
-          <a:lnRef idx="2">
-            <a:schemeClr val="accent6"/>
-          </a:lnRef>
-          <a:fillRef idx="1">
-            <a:schemeClr val="lt1"/>
-          </a:fillRef>
-          <a:effectRef idx="0">
-            <a:schemeClr val="accent6"/>
-          </a:effectRef>
-          <a:fontRef idx="minor">
-            <a:schemeClr val="dk1"/>
-          </a:fontRef>
-        </p:style>
-        <p:txBody>
-          <a:bodyPr rtlCol="0" anchor="ctr"/>
-          <a:lstStyle/>
-          <a:p>
-            <a:pPr algn="ctr"/>
-            <a:endParaRPr lang="es-CL"/>
-          </a:p>
-        </p:txBody>
-      </p:sp>
-      <p:sp>
-        <p:nvSpPr>
-          <p:cNvPr id="12" name="Rectángulo redondeado 11"/>
-          <p:cNvSpPr/>
-          <p:nvPr/>
-        </p:nvSpPr>
-        <p:spPr>
-          <a:xfrm>
-            <a:off x="4533076" y="1861555"/>
-            <a:ext cx="2960253" cy="4209885"/>
-          </a:xfrm>
-          <a:prstGeom prst="roundRect">
-            <a:avLst/>
-          </a:prstGeom>
-          <a:noFill/>
-          <a:ln>
-            <a:solidFill>
-              <a:srgbClr val="FF0000"/>
-            </a:solidFill>
-          </a:ln>
-        </p:spPr>
-        <p:style>
-          <a:lnRef idx="2">
-            <a:schemeClr val="accent6"/>
-          </a:lnRef>
-          <a:fillRef idx="1">
-            <a:schemeClr val="lt1"/>
-          </a:fillRef>
-          <a:effectRef idx="0">
-            <a:schemeClr val="accent6"/>
-          </a:effectRef>
-          <a:fontRef idx="minor">
-            <a:schemeClr val="dk1"/>
-          </a:fontRef>
-        </p:style>
-        <p:txBody>
-          <a:bodyPr rtlCol="0" anchor="ctr"/>
-          <a:lstStyle/>
-          <a:p>
-            <a:pPr algn="ctr"/>
-            <a:endParaRPr lang="es-CL"/>
-          </a:p>
-        </p:txBody>
-      </p:sp>
-      <p:sp>
-        <p:nvSpPr>
-          <p:cNvPr id="13" name="Rectángulo redondeado 12"/>
-          <p:cNvSpPr/>
-          <p:nvPr/>
-        </p:nvSpPr>
-        <p:spPr>
-          <a:xfrm>
-            <a:off x="8195427" y="1861555"/>
-            <a:ext cx="2960253" cy="4209885"/>
-          </a:xfrm>
-          <a:prstGeom prst="roundRect">
-            <a:avLst/>
-          </a:prstGeom>
-          <a:noFill/>
-          <a:ln>
-            <a:solidFill>
-              <a:srgbClr val="FF0000"/>
-            </a:solidFill>
-          </a:ln>
-        </p:spPr>
-        <p:style>
-          <a:lnRef idx="2">
-            <a:schemeClr val="accent6"/>
-          </a:lnRef>
-          <a:fillRef idx="1">
-            <a:schemeClr val="lt1"/>
-          </a:fillRef>
-          <a:effectRef idx="0">
-            <a:schemeClr val="accent6"/>
-          </a:effectRef>
-          <a:fontRef idx="minor">
-            <a:schemeClr val="dk1"/>
-          </a:fontRef>
-        </p:style>
-        <p:txBody>
-          <a:bodyPr rtlCol="0" anchor="ctr"/>
-          <a:lstStyle/>
-          <a:p>
-            <a:pPr algn="ctr"/>
-            <a:endParaRPr lang="es-CL"/>
-          </a:p>
-        </p:txBody>
-      </p:sp>
     </p:spTree>
     <p:extLst>
       <p:ext uri="{BB962C8B-B14F-4D97-AF65-F5344CB8AC3E}">
-        <p14:creationId xmlns:p14="http://schemas.microsoft.com/office/powerpoint/2010/main" val="267140976"/>
+        <p14:creationId xmlns:p14="http://schemas.microsoft.com/office/powerpoint/2010/main" val="851943404"/>
       </p:ext>
     </p:extLst>
   </p:cSld>
